--- a/presentation/1 (4.11.).pptx
+++ b/presentation/1 (4.11.).pptx
@@ -106,6 +106,11 @@
       </a:defRPr>
     </a:lvl9pPr>
   </p:defaultTextStyle>
+  <p:extLst>
+    <p:ext uri="{EFAFB233-063F-42B5-8137-9DF3F51BA10A}">
+      <p15:sldGuideLst xmlns:p15="http://schemas.microsoft.com/office/powerpoint/2012/main"/>
+    </p:ext>
+  </p:extLst>
 </p:presentation>
 </file>
 
@@ -3220,14 +3225,14 @@
           <p:nvPr>
             <p:extLst>
               <p:ext uri="{D42A27DB-BD31-4B8C-83A1-F6EECF244321}">
-                <p14:modId xmlns:p14="http://schemas.microsoft.com/office/powerpoint/2010/main" val="328719726"/>
+                <p14:modId xmlns:p14="http://schemas.microsoft.com/office/powerpoint/2010/main" val="1489772180"/>
               </p:ext>
             </p:extLst>
           </p:nvPr>
         </p:nvGraphicFramePr>
         <p:xfrm>
           <a:off x="1178560" y="1690689"/>
-          <a:ext cx="10175240" cy="4777169"/>
+          <a:ext cx="10175240" cy="4669471"/>
         </p:xfrm>
         <a:graphic>
           <a:graphicData uri="http://schemas.openxmlformats.org/drawingml/2006/table">
@@ -3856,15 +3861,40 @@
                       </a:endParaRPr>
                     </a:p>
                     <a:p>
-                      <a:pPr lvl="1" algn="l"/>
-                      <a:endParaRPr lang="cs-CZ" dirty="0" smtClean="0">
-                        <a:solidFill>
-                          <a:schemeClr val="tx1"/>
-                        </a:solidFill>
-                      </a:endParaRPr>
-                    </a:p>
-                    <a:p>
-                      <a:pPr algn="l"/>
+                      <a:pPr marL="342900" marR="0" lvl="0" indent="-342900" algn="l" defTabSz="914400" rtl="0" eaLnBrk="1" fontAlgn="auto" latinLnBrk="0" hangingPunct="1">
+                        <a:lnSpc>
+                          <a:spcPct val="100000"/>
+                        </a:lnSpc>
+                        <a:spcBef>
+                          <a:spcPts val="0"/>
+                        </a:spcBef>
+                        <a:spcAft>
+                          <a:spcPts val="0"/>
+                        </a:spcAft>
+                        <a:buClrTx/>
+                        <a:buSzTx/>
+                        <a:buFont typeface="Arial" panose="020B0604020202020204" pitchFamily="34" charset="0"/>
+                        <a:buChar char="•"/>
+                        <a:tabLst/>
+                        <a:defRPr/>
+                      </a:pPr>
+                      <a:r>
+                        <a:rPr kumimoji="0" lang="cs-CZ" sz="2400" b="0" i="0" u="none" strike="noStrike" kern="1200" cap="none" spc="0" normalizeH="0" baseline="0" noProof="0" dirty="0" smtClean="0">
+                          <a:ln>
+                            <a:noFill/>
+                          </a:ln>
+                          <a:solidFill>
+                            <a:prstClr val="black"/>
+                          </a:solidFill>
+                          <a:effectLst/>
+                          <a:uLnTx/>
+                          <a:uFillTx/>
+                          <a:latin typeface="+mn-lt"/>
+                          <a:ea typeface="+mn-ea"/>
+                          <a:cs typeface="+mn-cs"/>
+                        </a:rPr>
+                        <a:t>příkazy pro vstup a výstup</a:t>
+                      </a:r>
                       <a:endParaRPr lang="cs-CZ" dirty="0">
                         <a:solidFill>
                           <a:schemeClr val="tx1"/>

--- a/presentation/1 (4.11.).pptx
+++ b/presentation/1 (4.11.).pptx
@@ -245,7 +245,7 @@
           <a:p>
             <a:fld id="{A6F1EB30-63D5-4FC7-881E-359212295E2F}" type="datetimeFigureOut">
               <a:rPr lang="cs-CZ" smtClean="0"/>
-              <a:t>29.10.2019</a:t>
+              <a:t>31.10.2019</a:t>
             </a:fld>
             <a:endParaRPr lang="cs-CZ"/>
           </a:p>
@@ -415,7 +415,7 @@
           <a:p>
             <a:fld id="{A6F1EB30-63D5-4FC7-881E-359212295E2F}" type="datetimeFigureOut">
               <a:rPr lang="cs-CZ" smtClean="0"/>
-              <a:t>29.10.2019</a:t>
+              <a:t>31.10.2019</a:t>
             </a:fld>
             <a:endParaRPr lang="cs-CZ"/>
           </a:p>
@@ -595,7 +595,7 @@
           <a:p>
             <a:fld id="{A6F1EB30-63D5-4FC7-881E-359212295E2F}" type="datetimeFigureOut">
               <a:rPr lang="cs-CZ" smtClean="0"/>
-              <a:t>29.10.2019</a:t>
+              <a:t>31.10.2019</a:t>
             </a:fld>
             <a:endParaRPr lang="cs-CZ"/>
           </a:p>
@@ -765,7 +765,7 @@
           <a:p>
             <a:fld id="{A6F1EB30-63D5-4FC7-881E-359212295E2F}" type="datetimeFigureOut">
               <a:rPr lang="cs-CZ" smtClean="0"/>
-              <a:t>29.10.2019</a:t>
+              <a:t>31.10.2019</a:t>
             </a:fld>
             <a:endParaRPr lang="cs-CZ"/>
           </a:p>
@@ -1011,7 +1011,7 @@
           <a:p>
             <a:fld id="{A6F1EB30-63D5-4FC7-881E-359212295E2F}" type="datetimeFigureOut">
               <a:rPr lang="cs-CZ" smtClean="0"/>
-              <a:t>29.10.2019</a:t>
+              <a:t>31.10.2019</a:t>
             </a:fld>
             <a:endParaRPr lang="cs-CZ"/>
           </a:p>
@@ -1243,7 +1243,7 @@
           <a:p>
             <a:fld id="{A6F1EB30-63D5-4FC7-881E-359212295E2F}" type="datetimeFigureOut">
               <a:rPr lang="cs-CZ" smtClean="0"/>
-              <a:t>29.10.2019</a:t>
+              <a:t>31.10.2019</a:t>
             </a:fld>
             <a:endParaRPr lang="cs-CZ"/>
           </a:p>
@@ -1610,7 +1610,7 @@
           <a:p>
             <a:fld id="{A6F1EB30-63D5-4FC7-881E-359212295E2F}" type="datetimeFigureOut">
               <a:rPr lang="cs-CZ" smtClean="0"/>
-              <a:t>29.10.2019</a:t>
+              <a:t>31.10.2019</a:t>
             </a:fld>
             <a:endParaRPr lang="cs-CZ"/>
           </a:p>
@@ -1728,7 +1728,7 @@
           <a:p>
             <a:fld id="{A6F1EB30-63D5-4FC7-881E-359212295E2F}" type="datetimeFigureOut">
               <a:rPr lang="cs-CZ" smtClean="0"/>
-              <a:t>29.10.2019</a:t>
+              <a:t>31.10.2019</a:t>
             </a:fld>
             <a:endParaRPr lang="cs-CZ"/>
           </a:p>
@@ -1823,7 +1823,7 @@
           <a:p>
             <a:fld id="{A6F1EB30-63D5-4FC7-881E-359212295E2F}" type="datetimeFigureOut">
               <a:rPr lang="cs-CZ" smtClean="0"/>
-              <a:t>29.10.2019</a:t>
+              <a:t>31.10.2019</a:t>
             </a:fld>
             <a:endParaRPr lang="cs-CZ"/>
           </a:p>
@@ -2100,7 +2100,7 @@
           <a:p>
             <a:fld id="{A6F1EB30-63D5-4FC7-881E-359212295E2F}" type="datetimeFigureOut">
               <a:rPr lang="cs-CZ" smtClean="0"/>
-              <a:t>29.10.2019</a:t>
+              <a:t>31.10.2019</a:t>
             </a:fld>
             <a:endParaRPr lang="cs-CZ"/>
           </a:p>
@@ -2353,7 +2353,7 @@
           <a:p>
             <a:fld id="{A6F1EB30-63D5-4FC7-881E-359212295E2F}" type="datetimeFigureOut">
               <a:rPr lang="cs-CZ" smtClean="0"/>
-              <a:t>29.10.2019</a:t>
+              <a:t>31.10.2019</a:t>
             </a:fld>
             <a:endParaRPr lang="cs-CZ"/>
           </a:p>
@@ -2566,7 +2566,7 @@
           <a:p>
             <a:fld id="{A6F1EB30-63D5-4FC7-881E-359212295E2F}" type="datetimeFigureOut">
               <a:rPr lang="cs-CZ" smtClean="0"/>
-              <a:t>29.10.2019</a:t>
+              <a:t>31.10.2019</a:t>
             </a:fld>
             <a:endParaRPr lang="cs-CZ"/>
           </a:p>
@@ -3011,15 +3011,7 @@
           <a:p>
             <a:r>
               <a:rPr lang="cs-CZ" dirty="0" smtClean="0"/>
-              <a:t>Jitka </a:t>
-            </a:r>
-            <a:r>
-              <a:rPr lang="cs-CZ" dirty="0" err="1" smtClean="0"/>
-              <a:t>Poubová</a:t>
-            </a:r>
-            <a:r>
-              <a:rPr lang="cs-CZ" dirty="0" smtClean="0"/>
-              <a:t>, Zdeněk Častorál</a:t>
+              <a:t>Jitka Poubová, Zdeněk Častorál</a:t>
             </a:r>
             <a:endParaRPr lang="cs-CZ" dirty="0"/>
           </a:p>

--- a/presentation/1 (4.11.).pptx
+++ b/presentation/1 (4.11.).pptx
@@ -2,12 +2,23 @@
 <file path=ppt/presentation.xml><?xml version="1.0" encoding="utf-8"?>
 <p:presentation xmlns:a="http://schemas.openxmlformats.org/drawingml/2006/main" xmlns:r="http://schemas.openxmlformats.org/officeDocument/2006/relationships" xmlns:p="http://schemas.openxmlformats.org/presentationml/2006/main" saveSubsetFonts="1">
   <p:sldMasterIdLst>
-    <p:sldMasterId id="2147483648" r:id="rId1"/>
+    <p:sldMasterId id="2147483690" r:id="rId1"/>
   </p:sldMasterIdLst>
+  <p:notesMasterIdLst>
+    <p:notesMasterId r:id="rId13"/>
+  </p:notesMasterIdLst>
   <p:sldIdLst>
     <p:sldId id="256" r:id="rId2"/>
-    <p:sldId id="257" r:id="rId3"/>
-    <p:sldId id="258" r:id="rId4"/>
+    <p:sldId id="262" r:id="rId3"/>
+    <p:sldId id="257" r:id="rId4"/>
+    <p:sldId id="258" r:id="rId5"/>
+    <p:sldId id="259" r:id="rId6"/>
+    <p:sldId id="260" r:id="rId7"/>
+    <p:sldId id="261" r:id="rId8"/>
+    <p:sldId id="263" r:id="rId9"/>
+    <p:sldId id="264" r:id="rId10"/>
+    <p:sldId id="265" r:id="rId11"/>
+    <p:sldId id="266" r:id="rId12"/>
   </p:sldIdLst>
   <p:sldSz cx="12192000" cy="6858000"/>
   <p:notesSz cx="6858000" cy="9144000"/>
@@ -108,14 +119,627 @@
   </p:defaultTextStyle>
   <p:extLst>
     <p:ext uri="{EFAFB233-063F-42B5-8137-9DF3F51BA10A}">
-      <p15:sldGuideLst xmlns:p15="http://schemas.microsoft.com/office/powerpoint/2012/main"/>
+      <p15:sldGuideLst xmlns:p15="http://schemas.microsoft.com/office/powerpoint/2012/main">
+        <p15:guide id="1" orient="horz" pos="2137" userDrawn="1">
+          <p15:clr>
+            <a:srgbClr val="A4A3A4"/>
+          </p15:clr>
+        </p15:guide>
+        <p15:guide id="2" pos="3840" userDrawn="1">
+          <p15:clr>
+            <a:srgbClr val="A4A3A4"/>
+          </p15:clr>
+        </p15:guide>
+      </p15:sldGuideLst>
     </p:ext>
   </p:extLst>
 </p:presentation>
 </file>
 
+<file path=ppt/notesMasters/notesMaster1.xml><?xml version="1.0" encoding="utf-8"?>
+<p:notesMaster xmlns:a="http://schemas.openxmlformats.org/drawingml/2006/main" xmlns:r="http://schemas.openxmlformats.org/officeDocument/2006/relationships" xmlns:p="http://schemas.openxmlformats.org/presentationml/2006/main">
+  <p:cSld>
+    <p:bg>
+      <p:bgRef idx="1001">
+        <a:schemeClr val="bg1"/>
+      </p:bgRef>
+    </p:bg>
+    <p:spTree>
+      <p:nvGrpSpPr>
+        <p:cNvPr id="1" name=""/>
+        <p:cNvGrpSpPr/>
+        <p:nvPr/>
+      </p:nvGrpSpPr>
+      <p:grpSpPr>
+        <a:xfrm>
+          <a:off x="0" y="0"/>
+          <a:ext cx="0" cy="0"/>
+          <a:chOff x="0" y="0"/>
+          <a:chExt cx="0" cy="0"/>
+        </a:xfrm>
+      </p:grpSpPr>
+      <p:sp>
+        <p:nvSpPr>
+          <p:cNvPr id="2" name="Zástupný symbol pro záhlaví 1"/>
+          <p:cNvSpPr>
+            <a:spLocks noGrp="1"/>
+          </p:cNvSpPr>
+          <p:nvPr>
+            <p:ph type="hdr" sz="quarter"/>
+          </p:nvPr>
+        </p:nvSpPr>
+        <p:spPr>
+          <a:xfrm>
+            <a:off x="0" y="0"/>
+            <a:ext cx="2971800" cy="458788"/>
+          </a:xfrm>
+          <a:prstGeom prst="rect">
+            <a:avLst/>
+          </a:prstGeom>
+        </p:spPr>
+        <p:txBody>
+          <a:bodyPr vert="horz" lIns="91440" tIns="45720" rIns="91440" bIns="45720" rtlCol="0"/>
+          <a:lstStyle>
+            <a:lvl1pPr algn="l">
+              <a:defRPr sz="1200"/>
+            </a:lvl1pPr>
+          </a:lstStyle>
+          <a:p>
+            <a:endParaRPr lang="cs-CZ"/>
+          </a:p>
+        </p:txBody>
+      </p:sp>
+      <p:sp>
+        <p:nvSpPr>
+          <p:cNvPr id="3" name="Zástupný symbol pro datum 2"/>
+          <p:cNvSpPr>
+            <a:spLocks noGrp="1"/>
+          </p:cNvSpPr>
+          <p:nvPr>
+            <p:ph type="dt" idx="1"/>
+          </p:nvPr>
+        </p:nvSpPr>
+        <p:spPr>
+          <a:xfrm>
+            <a:off x="3884613" y="0"/>
+            <a:ext cx="2971800" cy="458788"/>
+          </a:xfrm>
+          <a:prstGeom prst="rect">
+            <a:avLst/>
+          </a:prstGeom>
+        </p:spPr>
+        <p:txBody>
+          <a:bodyPr vert="horz" lIns="91440" tIns="45720" rIns="91440" bIns="45720" rtlCol="0"/>
+          <a:lstStyle>
+            <a:lvl1pPr algn="r">
+              <a:defRPr sz="1200"/>
+            </a:lvl1pPr>
+          </a:lstStyle>
+          <a:p>
+            <a:fld id="{4BAE1832-F954-4CA9-8211-72A0AC693DE2}" type="datetimeFigureOut">
+              <a:rPr lang="cs-CZ" smtClean="0"/>
+              <a:t>03.11.2019</a:t>
+            </a:fld>
+            <a:endParaRPr lang="cs-CZ"/>
+          </a:p>
+        </p:txBody>
+      </p:sp>
+      <p:sp>
+        <p:nvSpPr>
+          <p:cNvPr id="4" name="Zástupný symbol pro obrázek snímku 3"/>
+          <p:cNvSpPr>
+            <a:spLocks noGrp="1" noRot="1" noChangeAspect="1"/>
+          </p:cNvSpPr>
+          <p:nvPr>
+            <p:ph type="sldImg" idx="2"/>
+          </p:nvPr>
+        </p:nvSpPr>
+        <p:spPr>
+          <a:xfrm>
+            <a:off x="685800" y="1143000"/>
+            <a:ext cx="5486400" cy="3086100"/>
+          </a:xfrm>
+          <a:prstGeom prst="rect">
+            <a:avLst/>
+          </a:prstGeom>
+          <a:noFill/>
+          <a:ln w="12700">
+            <a:solidFill>
+              <a:prstClr val="black"/>
+            </a:solidFill>
+          </a:ln>
+        </p:spPr>
+        <p:txBody>
+          <a:bodyPr vert="horz" lIns="91440" tIns="45720" rIns="91440" bIns="45720" rtlCol="0" anchor="ctr"/>
+          <a:lstStyle/>
+          <a:p>
+            <a:endParaRPr lang="cs-CZ"/>
+          </a:p>
+        </p:txBody>
+      </p:sp>
+      <p:sp>
+        <p:nvSpPr>
+          <p:cNvPr id="5" name="Zástupný symbol pro poznámky 4"/>
+          <p:cNvSpPr>
+            <a:spLocks noGrp="1"/>
+          </p:cNvSpPr>
+          <p:nvPr>
+            <p:ph type="body" sz="quarter" idx="3"/>
+          </p:nvPr>
+        </p:nvSpPr>
+        <p:spPr>
+          <a:xfrm>
+            <a:off x="685800" y="4400550"/>
+            <a:ext cx="5486400" cy="3600450"/>
+          </a:xfrm>
+          <a:prstGeom prst="rect">
+            <a:avLst/>
+          </a:prstGeom>
+        </p:spPr>
+        <p:txBody>
+          <a:bodyPr vert="horz" lIns="91440" tIns="45720" rIns="91440" bIns="45720" rtlCol="0"/>
+          <a:lstStyle/>
+          <a:p>
+            <a:pPr lvl="0"/>
+            <a:r>
+              <a:rPr lang="cs-CZ" smtClean="0"/>
+              <a:t>Upravte styly předlohy textu.</a:t>
+            </a:r>
+          </a:p>
+          <a:p>
+            <a:pPr lvl="1"/>
+            <a:r>
+              <a:rPr lang="cs-CZ" smtClean="0"/>
+              <a:t>Druhá úroveň</a:t>
+            </a:r>
+          </a:p>
+          <a:p>
+            <a:pPr lvl="2"/>
+            <a:r>
+              <a:rPr lang="cs-CZ" smtClean="0"/>
+              <a:t>Třetí úroveň</a:t>
+            </a:r>
+          </a:p>
+          <a:p>
+            <a:pPr lvl="3"/>
+            <a:r>
+              <a:rPr lang="cs-CZ" smtClean="0"/>
+              <a:t>Čtvrtá úroveň</a:t>
+            </a:r>
+          </a:p>
+          <a:p>
+            <a:pPr lvl="4"/>
+            <a:r>
+              <a:rPr lang="cs-CZ" smtClean="0"/>
+              <a:t>Pátá úroveň</a:t>
+            </a:r>
+            <a:endParaRPr lang="cs-CZ"/>
+          </a:p>
+        </p:txBody>
+      </p:sp>
+      <p:sp>
+        <p:nvSpPr>
+          <p:cNvPr id="6" name="Zástupný symbol pro zápatí 5"/>
+          <p:cNvSpPr>
+            <a:spLocks noGrp="1"/>
+          </p:cNvSpPr>
+          <p:nvPr>
+            <p:ph type="ftr" sz="quarter" idx="4"/>
+          </p:nvPr>
+        </p:nvSpPr>
+        <p:spPr>
+          <a:xfrm>
+            <a:off x="0" y="8685213"/>
+            <a:ext cx="2971800" cy="458787"/>
+          </a:xfrm>
+          <a:prstGeom prst="rect">
+            <a:avLst/>
+          </a:prstGeom>
+        </p:spPr>
+        <p:txBody>
+          <a:bodyPr vert="horz" lIns="91440" tIns="45720" rIns="91440" bIns="45720" rtlCol="0" anchor="b"/>
+          <a:lstStyle>
+            <a:lvl1pPr algn="l">
+              <a:defRPr sz="1200"/>
+            </a:lvl1pPr>
+          </a:lstStyle>
+          <a:p>
+            <a:endParaRPr lang="cs-CZ"/>
+          </a:p>
+        </p:txBody>
+      </p:sp>
+      <p:sp>
+        <p:nvSpPr>
+          <p:cNvPr id="7" name="Zástupný symbol pro číslo snímku 6"/>
+          <p:cNvSpPr>
+            <a:spLocks noGrp="1"/>
+          </p:cNvSpPr>
+          <p:nvPr>
+            <p:ph type="sldNum" sz="quarter" idx="5"/>
+          </p:nvPr>
+        </p:nvSpPr>
+        <p:spPr>
+          <a:xfrm>
+            <a:off x="3884613" y="8685213"/>
+            <a:ext cx="2971800" cy="458787"/>
+          </a:xfrm>
+          <a:prstGeom prst="rect">
+            <a:avLst/>
+          </a:prstGeom>
+        </p:spPr>
+        <p:txBody>
+          <a:bodyPr vert="horz" lIns="91440" tIns="45720" rIns="91440" bIns="45720" rtlCol="0" anchor="b"/>
+          <a:lstStyle>
+            <a:lvl1pPr algn="r">
+              <a:defRPr sz="1200"/>
+            </a:lvl1pPr>
+          </a:lstStyle>
+          <a:p>
+            <a:fld id="{5E85CD49-5AE1-46F7-B883-C80844C77677}" type="slidenum">
+              <a:rPr lang="cs-CZ" smtClean="0"/>
+              <a:t>‹#›</a:t>
+            </a:fld>
+            <a:endParaRPr lang="cs-CZ"/>
+          </a:p>
+        </p:txBody>
+      </p:sp>
+    </p:spTree>
+    <p:extLst>
+      <p:ext uri="{BB962C8B-B14F-4D97-AF65-F5344CB8AC3E}">
+        <p14:creationId xmlns:p14="http://schemas.microsoft.com/office/powerpoint/2010/main" val="4146714914"/>
+      </p:ext>
+    </p:extLst>
+  </p:cSld>
+  <p:clrMap bg1="lt1" tx1="dk1" bg2="lt2" tx2="dk2" accent1="accent1" accent2="accent2" accent3="accent3" accent4="accent4" accent5="accent5" accent6="accent6" hlink="hlink" folHlink="folHlink"/>
+  <p:notesStyle>
+    <a:lvl1pPr marL="0" algn="l" defTabSz="914400" rtl="0" eaLnBrk="1" latinLnBrk="0" hangingPunct="1">
+      <a:defRPr sz="1200" kern="1200">
+        <a:solidFill>
+          <a:schemeClr val="tx1"/>
+        </a:solidFill>
+        <a:latin typeface="+mn-lt"/>
+        <a:ea typeface="+mn-ea"/>
+        <a:cs typeface="+mn-cs"/>
+      </a:defRPr>
+    </a:lvl1pPr>
+    <a:lvl2pPr marL="457200" algn="l" defTabSz="914400" rtl="0" eaLnBrk="1" latinLnBrk="0" hangingPunct="1">
+      <a:defRPr sz="1200" kern="1200">
+        <a:solidFill>
+          <a:schemeClr val="tx1"/>
+        </a:solidFill>
+        <a:latin typeface="+mn-lt"/>
+        <a:ea typeface="+mn-ea"/>
+        <a:cs typeface="+mn-cs"/>
+      </a:defRPr>
+    </a:lvl2pPr>
+    <a:lvl3pPr marL="914400" algn="l" defTabSz="914400" rtl="0" eaLnBrk="1" latinLnBrk="0" hangingPunct="1">
+      <a:defRPr sz="1200" kern="1200">
+        <a:solidFill>
+          <a:schemeClr val="tx1"/>
+        </a:solidFill>
+        <a:latin typeface="+mn-lt"/>
+        <a:ea typeface="+mn-ea"/>
+        <a:cs typeface="+mn-cs"/>
+      </a:defRPr>
+    </a:lvl3pPr>
+    <a:lvl4pPr marL="1371600" algn="l" defTabSz="914400" rtl="0" eaLnBrk="1" latinLnBrk="0" hangingPunct="1">
+      <a:defRPr sz="1200" kern="1200">
+        <a:solidFill>
+          <a:schemeClr val="tx1"/>
+        </a:solidFill>
+        <a:latin typeface="+mn-lt"/>
+        <a:ea typeface="+mn-ea"/>
+        <a:cs typeface="+mn-cs"/>
+      </a:defRPr>
+    </a:lvl4pPr>
+    <a:lvl5pPr marL="1828800" algn="l" defTabSz="914400" rtl="0" eaLnBrk="1" latinLnBrk="0" hangingPunct="1">
+      <a:defRPr sz="1200" kern="1200">
+        <a:solidFill>
+          <a:schemeClr val="tx1"/>
+        </a:solidFill>
+        <a:latin typeface="+mn-lt"/>
+        <a:ea typeface="+mn-ea"/>
+        <a:cs typeface="+mn-cs"/>
+      </a:defRPr>
+    </a:lvl5pPr>
+    <a:lvl6pPr marL="2286000" algn="l" defTabSz="914400" rtl="0" eaLnBrk="1" latinLnBrk="0" hangingPunct="1">
+      <a:defRPr sz="1200" kern="1200">
+        <a:solidFill>
+          <a:schemeClr val="tx1"/>
+        </a:solidFill>
+        <a:latin typeface="+mn-lt"/>
+        <a:ea typeface="+mn-ea"/>
+        <a:cs typeface="+mn-cs"/>
+      </a:defRPr>
+    </a:lvl6pPr>
+    <a:lvl7pPr marL="2743200" algn="l" defTabSz="914400" rtl="0" eaLnBrk="1" latinLnBrk="0" hangingPunct="1">
+      <a:defRPr sz="1200" kern="1200">
+        <a:solidFill>
+          <a:schemeClr val="tx1"/>
+        </a:solidFill>
+        <a:latin typeface="+mn-lt"/>
+        <a:ea typeface="+mn-ea"/>
+        <a:cs typeface="+mn-cs"/>
+      </a:defRPr>
+    </a:lvl7pPr>
+    <a:lvl8pPr marL="3200400" algn="l" defTabSz="914400" rtl="0" eaLnBrk="1" latinLnBrk="0" hangingPunct="1">
+      <a:defRPr sz="1200" kern="1200">
+        <a:solidFill>
+          <a:schemeClr val="tx1"/>
+        </a:solidFill>
+        <a:latin typeface="+mn-lt"/>
+        <a:ea typeface="+mn-ea"/>
+        <a:cs typeface="+mn-cs"/>
+      </a:defRPr>
+    </a:lvl8pPr>
+    <a:lvl9pPr marL="3657600" algn="l" defTabSz="914400" rtl="0" eaLnBrk="1" latinLnBrk="0" hangingPunct="1">
+      <a:defRPr sz="1200" kern="1200">
+        <a:solidFill>
+          <a:schemeClr val="tx1"/>
+        </a:solidFill>
+        <a:latin typeface="+mn-lt"/>
+        <a:ea typeface="+mn-ea"/>
+        <a:cs typeface="+mn-cs"/>
+      </a:defRPr>
+    </a:lvl9pPr>
+  </p:notesStyle>
+</p:notesMaster>
+</file>
+
+<file path=ppt/notesSlides/notesSlide1.xml><?xml version="1.0" encoding="utf-8"?>
+<p:notes xmlns:a="http://schemas.openxmlformats.org/drawingml/2006/main" xmlns:r="http://schemas.openxmlformats.org/officeDocument/2006/relationships" xmlns:p="http://schemas.openxmlformats.org/presentationml/2006/main">
+  <p:cSld>
+    <p:spTree>
+      <p:nvGrpSpPr>
+        <p:cNvPr id="1" name=""/>
+        <p:cNvGrpSpPr/>
+        <p:nvPr/>
+      </p:nvGrpSpPr>
+      <p:grpSpPr>
+        <a:xfrm>
+          <a:off x="0" y="0"/>
+          <a:ext cx="0" cy="0"/>
+          <a:chOff x="0" y="0"/>
+          <a:chExt cx="0" cy="0"/>
+        </a:xfrm>
+      </p:grpSpPr>
+      <p:sp>
+        <p:nvSpPr>
+          <p:cNvPr id="2" name="Zástupný symbol pro obrázek snímku 1"/>
+          <p:cNvSpPr>
+            <a:spLocks noGrp="1" noRot="1" noChangeAspect="1"/>
+          </p:cNvSpPr>
+          <p:nvPr>
+            <p:ph type="sldImg"/>
+          </p:nvPr>
+        </p:nvSpPr>
+        <p:spPr/>
+      </p:sp>
+      <p:sp>
+        <p:nvSpPr>
+          <p:cNvPr id="3" name="Zástupný symbol pro poznámky 2"/>
+          <p:cNvSpPr>
+            <a:spLocks noGrp="1"/>
+          </p:cNvSpPr>
+          <p:nvPr>
+            <p:ph type="body" idx="1"/>
+          </p:nvPr>
+        </p:nvSpPr>
+        <p:spPr/>
+        <p:txBody>
+          <a:bodyPr/>
+          <a:lstStyle/>
+          <a:p>
+            <a:endParaRPr lang="cs-CZ" dirty="0"/>
+          </a:p>
+        </p:txBody>
+      </p:sp>
+      <p:sp>
+        <p:nvSpPr>
+          <p:cNvPr id="4" name="Zástupný symbol pro číslo snímku 3"/>
+          <p:cNvSpPr>
+            <a:spLocks noGrp="1"/>
+          </p:cNvSpPr>
+          <p:nvPr>
+            <p:ph type="sldNum" sz="quarter" idx="10"/>
+          </p:nvPr>
+        </p:nvSpPr>
+        <p:spPr/>
+        <p:txBody>
+          <a:bodyPr/>
+          <a:lstStyle/>
+          <a:p>
+            <a:fld id="{5E85CD49-5AE1-46F7-B883-C80844C77677}" type="slidenum">
+              <a:rPr lang="cs-CZ" smtClean="0"/>
+              <a:t>9</a:t>
+            </a:fld>
+            <a:endParaRPr lang="cs-CZ"/>
+          </a:p>
+        </p:txBody>
+      </p:sp>
+    </p:spTree>
+    <p:extLst>
+      <p:ext uri="{BB962C8B-B14F-4D97-AF65-F5344CB8AC3E}">
+        <p14:creationId xmlns:p14="http://schemas.microsoft.com/office/powerpoint/2010/main" val="3041354591"/>
+      </p:ext>
+    </p:extLst>
+  </p:cSld>
+  <p:clrMapOvr>
+    <a:masterClrMapping/>
+  </p:clrMapOvr>
+</p:notes>
+</file>
+
+<file path=ppt/notesSlides/notesSlide2.xml><?xml version="1.0" encoding="utf-8"?>
+<p:notes xmlns:a="http://schemas.openxmlformats.org/drawingml/2006/main" xmlns:r="http://schemas.openxmlformats.org/officeDocument/2006/relationships" xmlns:p="http://schemas.openxmlformats.org/presentationml/2006/main">
+  <p:cSld>
+    <p:spTree>
+      <p:nvGrpSpPr>
+        <p:cNvPr id="1" name=""/>
+        <p:cNvGrpSpPr/>
+        <p:nvPr/>
+      </p:nvGrpSpPr>
+      <p:grpSpPr>
+        <a:xfrm>
+          <a:off x="0" y="0"/>
+          <a:ext cx="0" cy="0"/>
+          <a:chOff x="0" y="0"/>
+          <a:chExt cx="0" cy="0"/>
+        </a:xfrm>
+      </p:grpSpPr>
+      <p:sp>
+        <p:nvSpPr>
+          <p:cNvPr id="2" name="Zástupný symbol pro obrázek snímku 1"/>
+          <p:cNvSpPr>
+            <a:spLocks noGrp="1" noRot="1" noChangeAspect="1"/>
+          </p:cNvSpPr>
+          <p:nvPr>
+            <p:ph type="sldImg"/>
+          </p:nvPr>
+        </p:nvSpPr>
+        <p:spPr/>
+      </p:sp>
+      <p:sp>
+        <p:nvSpPr>
+          <p:cNvPr id="3" name="Zástupný symbol pro poznámky 2"/>
+          <p:cNvSpPr>
+            <a:spLocks noGrp="1"/>
+          </p:cNvSpPr>
+          <p:nvPr>
+            <p:ph type="body" idx="1"/>
+          </p:nvPr>
+        </p:nvSpPr>
+        <p:spPr/>
+        <p:txBody>
+          <a:bodyPr/>
+          <a:lstStyle/>
+          <a:p>
+            <a:endParaRPr lang="cs-CZ" dirty="0"/>
+          </a:p>
+        </p:txBody>
+      </p:sp>
+      <p:sp>
+        <p:nvSpPr>
+          <p:cNvPr id="4" name="Zástupný symbol pro číslo snímku 3"/>
+          <p:cNvSpPr>
+            <a:spLocks noGrp="1"/>
+          </p:cNvSpPr>
+          <p:nvPr>
+            <p:ph type="sldNum" sz="quarter" idx="10"/>
+          </p:nvPr>
+        </p:nvSpPr>
+        <p:spPr/>
+        <p:txBody>
+          <a:bodyPr/>
+          <a:lstStyle/>
+          <a:p>
+            <a:fld id="{5E85CD49-5AE1-46F7-B883-C80844C77677}" type="slidenum">
+              <a:rPr lang="cs-CZ" smtClean="0"/>
+              <a:t>10</a:t>
+            </a:fld>
+            <a:endParaRPr lang="cs-CZ"/>
+          </a:p>
+        </p:txBody>
+      </p:sp>
+    </p:spTree>
+    <p:extLst>
+      <p:ext uri="{BB962C8B-B14F-4D97-AF65-F5344CB8AC3E}">
+        <p14:creationId xmlns:p14="http://schemas.microsoft.com/office/powerpoint/2010/main" val="3848822947"/>
+      </p:ext>
+    </p:extLst>
+  </p:cSld>
+  <p:clrMapOvr>
+    <a:masterClrMapping/>
+  </p:clrMapOvr>
+</p:notes>
+</file>
+
+<file path=ppt/notesSlides/notesSlide3.xml><?xml version="1.0" encoding="utf-8"?>
+<p:notes xmlns:a="http://schemas.openxmlformats.org/drawingml/2006/main" xmlns:r="http://schemas.openxmlformats.org/officeDocument/2006/relationships" xmlns:p="http://schemas.openxmlformats.org/presentationml/2006/main">
+  <p:cSld>
+    <p:spTree>
+      <p:nvGrpSpPr>
+        <p:cNvPr id="1" name=""/>
+        <p:cNvGrpSpPr/>
+        <p:nvPr/>
+      </p:nvGrpSpPr>
+      <p:grpSpPr>
+        <a:xfrm>
+          <a:off x="0" y="0"/>
+          <a:ext cx="0" cy="0"/>
+          <a:chOff x="0" y="0"/>
+          <a:chExt cx="0" cy="0"/>
+        </a:xfrm>
+      </p:grpSpPr>
+      <p:sp>
+        <p:nvSpPr>
+          <p:cNvPr id="2" name="Zástupný symbol pro obrázek snímku 1"/>
+          <p:cNvSpPr>
+            <a:spLocks noGrp="1" noRot="1" noChangeAspect="1"/>
+          </p:cNvSpPr>
+          <p:nvPr>
+            <p:ph type="sldImg"/>
+          </p:nvPr>
+        </p:nvSpPr>
+        <p:spPr/>
+      </p:sp>
+      <p:sp>
+        <p:nvSpPr>
+          <p:cNvPr id="3" name="Zástupný symbol pro poznámky 2"/>
+          <p:cNvSpPr>
+            <a:spLocks noGrp="1"/>
+          </p:cNvSpPr>
+          <p:nvPr>
+            <p:ph type="body" idx="1"/>
+          </p:nvPr>
+        </p:nvSpPr>
+        <p:spPr/>
+        <p:txBody>
+          <a:bodyPr/>
+          <a:lstStyle/>
+          <a:p>
+            <a:endParaRPr lang="cs-CZ" dirty="0"/>
+          </a:p>
+        </p:txBody>
+      </p:sp>
+      <p:sp>
+        <p:nvSpPr>
+          <p:cNvPr id="4" name="Zástupný symbol pro číslo snímku 3"/>
+          <p:cNvSpPr>
+            <a:spLocks noGrp="1"/>
+          </p:cNvSpPr>
+          <p:nvPr>
+            <p:ph type="sldNum" sz="quarter" idx="10"/>
+          </p:nvPr>
+        </p:nvSpPr>
+        <p:spPr/>
+        <p:txBody>
+          <a:bodyPr/>
+          <a:lstStyle/>
+          <a:p>
+            <a:fld id="{5E85CD49-5AE1-46F7-B883-C80844C77677}" type="slidenum">
+              <a:rPr lang="cs-CZ" smtClean="0"/>
+              <a:t>11</a:t>
+            </a:fld>
+            <a:endParaRPr lang="cs-CZ"/>
+          </a:p>
+        </p:txBody>
+      </p:sp>
+    </p:spTree>
+    <p:extLst>
+      <p:ext uri="{BB962C8B-B14F-4D97-AF65-F5344CB8AC3E}">
+        <p14:creationId xmlns:p14="http://schemas.microsoft.com/office/powerpoint/2010/main" val="4155818649"/>
+      </p:ext>
+    </p:extLst>
+  </p:cSld>
+  <p:clrMapOvr>
+    <a:masterClrMapping/>
+  </p:clrMapOvr>
+</p:notes>
+</file>
+
 <file path=ppt/slideLayouts/slideLayout1.xml><?xml version="1.0" encoding="utf-8"?>
-<p:sldLayout xmlns:a="http://schemas.openxmlformats.org/drawingml/2006/main" xmlns:r="http://schemas.openxmlformats.org/officeDocument/2006/relationships" xmlns:p="http://schemas.openxmlformats.org/presentationml/2006/main" type="title" preserve="1">
+<p:sldLayout xmlns:a="http://schemas.openxmlformats.org/drawingml/2006/main" xmlns:r="http://schemas.openxmlformats.org/officeDocument/2006/relationships" xmlns:p="http://schemas.openxmlformats.org/presentationml/2006/main" showMasterSp="0" type="title" preserve="1">
   <p:cSld name="Úvodní snímek">
     <p:spTree>
       <p:nvGrpSpPr>
@@ -133,25 +757,113 @@
       </p:grpSpPr>
       <p:sp>
         <p:nvSpPr>
-          <p:cNvPr id="2" name="Nadpis 1"/>
-          <p:cNvSpPr>
-            <a:spLocks noGrp="1"/>
-          </p:cNvSpPr>
-          <p:nvPr>
-            <p:ph type="ctrTitle"/>
-          </p:nvPr>
+          <p:cNvPr id="7" name="Rectangle 6"/>
+          <p:cNvSpPr/>
+          <p:nvPr/>
         </p:nvSpPr>
         <p:spPr>
           <a:xfrm>
-            <a:off x="1524000" y="1122363"/>
-            <a:ext cx="9144000" cy="2387600"/>
+            <a:off x="3175" y="6400800"/>
+            <a:ext cx="12188825" cy="457200"/>
+          </a:xfrm>
+          <a:prstGeom prst="rect">
+            <a:avLst/>
+          </a:prstGeom>
+          <a:solidFill>
+            <a:schemeClr val="accent2"/>
+          </a:solidFill>
+          <a:ln>
+            <a:noFill/>
+          </a:ln>
+        </p:spPr>
+        <p:style>
+          <a:lnRef idx="2">
+            <a:schemeClr val="accent1">
+              <a:shade val="50000"/>
+            </a:schemeClr>
+          </a:lnRef>
+          <a:fillRef idx="1">
+            <a:schemeClr val="accent1"/>
+          </a:fillRef>
+          <a:effectRef idx="0">
+            <a:schemeClr val="accent1"/>
+          </a:effectRef>
+          <a:fontRef idx="minor">
+            <a:schemeClr val="lt1"/>
+          </a:fontRef>
+        </p:style>
+      </p:sp>
+      <p:sp>
+        <p:nvSpPr>
+          <p:cNvPr id="8" name="Rectangle 7"/>
+          <p:cNvSpPr/>
+          <p:nvPr/>
+        </p:nvSpPr>
+        <p:spPr>
+          <a:xfrm>
+            <a:off x="15" y="6334316"/>
+            <a:ext cx="12188825" cy="64008"/>
+          </a:xfrm>
+          <a:prstGeom prst="rect">
+            <a:avLst/>
+          </a:prstGeom>
+          <a:solidFill>
+            <a:schemeClr val="accent1"/>
+          </a:solidFill>
+          <a:ln>
+            <a:noFill/>
+          </a:ln>
+        </p:spPr>
+        <p:style>
+          <a:lnRef idx="2">
+            <a:schemeClr val="accent1">
+              <a:shade val="50000"/>
+            </a:schemeClr>
+          </a:lnRef>
+          <a:fillRef idx="1">
+            <a:schemeClr val="accent1"/>
+          </a:fillRef>
+          <a:effectRef idx="0">
+            <a:schemeClr val="accent1"/>
+          </a:effectRef>
+          <a:fontRef idx="minor">
+            <a:schemeClr val="lt1"/>
+          </a:fontRef>
+        </p:style>
+      </p:sp>
+      <p:sp>
+        <p:nvSpPr>
+          <p:cNvPr id="2" name="Title 1"/>
+          <p:cNvSpPr>
+            <a:spLocks noGrp="1"/>
+          </p:cNvSpPr>
+          <p:nvPr>
+            <p:ph type="ctrTitle"/>
+          </p:nvPr>
+        </p:nvSpPr>
+        <p:spPr>
+          <a:xfrm>
+            <a:off x="1097280" y="758952"/>
+            <a:ext cx="10058400" cy="3566160"/>
           </a:xfrm>
         </p:spPr>
         <p:txBody>
-          <a:bodyPr anchor="b"/>
+          <a:bodyPr anchor="b">
+            <a:normAutofit/>
+          </a:bodyPr>
           <a:lstStyle>
-            <a:lvl1pPr algn="ctr">
-              <a:defRPr sz="6000"/>
+            <a:lvl1pPr algn="l">
+              <a:lnSpc>
+                <a:spcPct val="85000"/>
+              </a:lnSpc>
+              <a:defRPr sz="8000" spc="-50" baseline="0">
+                <a:solidFill>
+                  <a:schemeClr val="tx1">
+                    <a:lumMod val="85000"/>
+                    <a:lumOff val="15000"/>
+                  </a:schemeClr>
+                </a:solidFill>
+              </a:defRPr>
             </a:lvl1pPr>
           </a:lstStyle>
           <a:p>
@@ -159,13 +871,13 @@
               <a:rPr lang="cs-CZ" smtClean="0"/>
               <a:t>Kliknutím lze upravit styl.</a:t>
             </a:r>
-            <a:endParaRPr lang="cs-CZ"/>
-          </a:p>
-        </p:txBody>
-      </p:sp>
-      <p:sp>
-        <p:nvSpPr>
-          <p:cNvPr id="3" name="Podnadpis 2"/>
+            <a:endParaRPr lang="en-US" dirty="0"/>
+          </a:p>
+        </p:txBody>
+      </p:sp>
+      <p:sp>
+        <p:nvSpPr>
+          <p:cNvPr id="3" name="Subtitle 2"/>
           <p:cNvSpPr>
             <a:spLocks noGrp="1"/>
           </p:cNvSpPr>
@@ -175,48 +887,55 @@
         </p:nvSpPr>
         <p:spPr>
           <a:xfrm>
-            <a:off x="1524000" y="3602038"/>
-            <a:ext cx="9144000" cy="1655762"/>
+            <a:off x="1100051" y="4455620"/>
+            <a:ext cx="10058400" cy="1143000"/>
           </a:xfrm>
         </p:spPr>
         <p:txBody>
-          <a:bodyPr/>
+          <a:bodyPr lIns="91440" rIns="91440">
+            <a:normAutofit/>
+          </a:bodyPr>
           <a:lstStyle>
-            <a:lvl1pPr marL="0" indent="0" algn="ctr">
+            <a:lvl1pPr marL="0" indent="0" algn="l">
               <a:buNone/>
-              <a:defRPr sz="2400"/>
+              <a:defRPr sz="2400" cap="all" spc="200" baseline="0">
+                <a:solidFill>
+                  <a:schemeClr val="tx2"/>
+                </a:solidFill>
+                <a:latin typeface="+mj-lt"/>
+              </a:defRPr>
             </a:lvl1pPr>
             <a:lvl2pPr marL="457200" indent="0" algn="ctr">
               <a:buNone/>
-              <a:defRPr sz="2000"/>
+              <a:defRPr sz="2400"/>
             </a:lvl2pPr>
             <a:lvl3pPr marL="914400" indent="0" algn="ctr">
               <a:buNone/>
-              <a:defRPr sz="1800"/>
+              <a:defRPr sz="2400"/>
             </a:lvl3pPr>
             <a:lvl4pPr marL="1371600" indent="0" algn="ctr">
               <a:buNone/>
-              <a:defRPr sz="1600"/>
+              <a:defRPr sz="2000"/>
             </a:lvl4pPr>
             <a:lvl5pPr marL="1828800" indent="0" algn="ctr">
               <a:buNone/>
-              <a:defRPr sz="1600"/>
+              <a:defRPr sz="2000"/>
             </a:lvl5pPr>
             <a:lvl6pPr marL="2286000" indent="0" algn="ctr">
               <a:buNone/>
-              <a:defRPr sz="1600"/>
+              <a:defRPr sz="2000"/>
             </a:lvl6pPr>
             <a:lvl7pPr marL="2743200" indent="0" algn="ctr">
               <a:buNone/>
-              <a:defRPr sz="1600"/>
+              <a:defRPr sz="2000"/>
             </a:lvl7pPr>
             <a:lvl8pPr marL="3200400" indent="0" algn="ctr">
               <a:buNone/>
-              <a:defRPr sz="1600"/>
+              <a:defRPr sz="2000"/>
             </a:lvl8pPr>
             <a:lvl9pPr marL="3657600" indent="0" algn="ctr">
               <a:buNone/>
-              <a:defRPr sz="1600"/>
+              <a:defRPr sz="2000"/>
             </a:lvl9pPr>
           </a:lstStyle>
           <a:p>
@@ -224,13 +943,13 @@
               <a:rPr lang="cs-CZ" smtClean="0"/>
               <a:t>Kliknutím můžete upravit styl předlohy.</a:t>
             </a:r>
-            <a:endParaRPr lang="cs-CZ"/>
-          </a:p>
-        </p:txBody>
-      </p:sp>
-      <p:sp>
-        <p:nvSpPr>
-          <p:cNvPr id="4" name="Zástupný symbol pro datum 3"/>
+            <a:endParaRPr lang="en-US" dirty="0"/>
+          </a:p>
+        </p:txBody>
+      </p:sp>
+      <p:sp>
+        <p:nvSpPr>
+          <p:cNvPr id="4" name="Date Placeholder 3"/>
           <p:cNvSpPr>
             <a:spLocks noGrp="1"/>
           </p:cNvSpPr>
@@ -243,9 +962,9 @@
           <a:bodyPr/>
           <a:lstStyle/>
           <a:p>
-            <a:fld id="{A6F1EB30-63D5-4FC7-881E-359212295E2F}" type="datetimeFigureOut">
-              <a:rPr lang="cs-CZ" smtClean="0"/>
-              <a:t>31.10.2019</a:t>
+            <a:fld id="{06893EB4-AC6C-4133-BF39-59881FEF0441}" type="datetime1">
+              <a:rPr lang="cs-CZ" smtClean="0"/>
+              <a:t>03.11.2019</a:t>
             </a:fld>
             <a:endParaRPr lang="cs-CZ"/>
           </a:p>
@@ -253,7 +972,7 @@
       </p:sp>
       <p:sp>
         <p:nvSpPr>
-          <p:cNvPr id="5" name="Zástupný symbol pro zápatí 4"/>
+          <p:cNvPr id="5" name="Footer Placeholder 4"/>
           <p:cNvSpPr>
             <a:spLocks noGrp="1"/>
           </p:cNvSpPr>
@@ -272,7 +991,7 @@
       </p:sp>
       <p:sp>
         <p:nvSpPr>
-          <p:cNvPr id="6" name="Zástupný symbol pro číslo snímku 5"/>
+          <p:cNvPr id="6" name="Slide Number Placeholder 5"/>
           <p:cNvSpPr>
             <a:spLocks noGrp="1"/>
           </p:cNvSpPr>
@@ -293,10 +1012,48 @@
           </a:p>
         </p:txBody>
       </p:sp>
+      <p:cxnSp>
+        <p:nvCxnSpPr>
+          <p:cNvPr id="9" name="Straight Connector 8"/>
+          <p:cNvCxnSpPr/>
+          <p:nvPr/>
+        </p:nvCxnSpPr>
+        <p:spPr>
+          <a:xfrm>
+            <a:off x="1207658" y="4343400"/>
+            <a:ext cx="9875520" cy="0"/>
+          </a:xfrm>
+          <a:prstGeom prst="line">
+            <a:avLst/>
+          </a:prstGeom>
+          <a:ln w="6350">
+            <a:solidFill>
+              <a:schemeClr val="tx1">
+                <a:lumMod val="50000"/>
+                <a:lumOff val="50000"/>
+              </a:schemeClr>
+            </a:solidFill>
+          </a:ln>
+        </p:spPr>
+        <p:style>
+          <a:lnRef idx="1">
+            <a:schemeClr val="accent1"/>
+          </a:lnRef>
+          <a:fillRef idx="0">
+            <a:schemeClr val="accent1"/>
+          </a:fillRef>
+          <a:effectRef idx="0">
+            <a:schemeClr val="accent1"/>
+          </a:effectRef>
+          <a:fontRef idx="minor">
+            <a:schemeClr val="tx1"/>
+          </a:fontRef>
+        </p:style>
+      </p:cxnSp>
     </p:spTree>
     <p:extLst>
       <p:ext uri="{BB962C8B-B14F-4D97-AF65-F5344CB8AC3E}">
-        <p14:creationId xmlns:p14="http://schemas.microsoft.com/office/powerpoint/2010/main" val="1083546467"/>
+        <p14:creationId xmlns:p14="http://schemas.microsoft.com/office/powerpoint/2010/main" val="3828416431"/>
       </p:ext>
     </p:extLst>
   </p:cSld>
@@ -325,7 +1082,7 @@
       </p:grpSpPr>
       <p:sp>
         <p:nvSpPr>
-          <p:cNvPr id="2" name="Nadpis 1"/>
+          <p:cNvPr id="2" name="Title 1"/>
           <p:cNvSpPr>
             <a:spLocks noGrp="1"/>
           </p:cNvSpPr>
@@ -342,13 +1099,13 @@
               <a:rPr lang="cs-CZ" smtClean="0"/>
               <a:t>Kliknutím lze upravit styl.</a:t>
             </a:r>
-            <a:endParaRPr lang="cs-CZ"/>
-          </a:p>
-        </p:txBody>
-      </p:sp>
-      <p:sp>
-        <p:nvSpPr>
-          <p:cNvPr id="3" name="Zástupný symbol pro svislý text 2"/>
+            <a:endParaRPr lang="en-US" dirty="0"/>
+          </a:p>
+        </p:txBody>
+      </p:sp>
+      <p:sp>
+        <p:nvSpPr>
+          <p:cNvPr id="3" name="Vertical Text Placeholder 2"/>
           <p:cNvSpPr>
             <a:spLocks noGrp="1"/>
           </p:cNvSpPr>
@@ -358,7 +1115,7 @@
         </p:nvSpPr>
         <p:spPr/>
         <p:txBody>
-          <a:bodyPr vert="eaVert"/>
+          <a:bodyPr vert="eaVert" lIns="45720" tIns="0" rIns="45720" bIns="0"/>
           <a:lstStyle/>
           <a:p>
             <a:pPr lvl="0"/>
@@ -394,13 +1151,13 @@
               <a:rPr lang="cs-CZ" smtClean="0"/>
               <a:t>Pátá úroveň</a:t>
             </a:r>
-            <a:endParaRPr lang="cs-CZ"/>
-          </a:p>
-        </p:txBody>
-      </p:sp>
-      <p:sp>
-        <p:nvSpPr>
-          <p:cNvPr id="4" name="Zástupný symbol pro datum 3"/>
+            <a:endParaRPr lang="en-US" dirty="0"/>
+          </a:p>
+        </p:txBody>
+      </p:sp>
+      <p:sp>
+        <p:nvSpPr>
+          <p:cNvPr id="4" name="Date Placeholder 3"/>
           <p:cNvSpPr>
             <a:spLocks noGrp="1"/>
           </p:cNvSpPr>
@@ -413,9 +1170,9 @@
           <a:bodyPr/>
           <a:lstStyle/>
           <a:p>
-            <a:fld id="{A6F1EB30-63D5-4FC7-881E-359212295E2F}" type="datetimeFigureOut">
-              <a:rPr lang="cs-CZ" smtClean="0"/>
-              <a:t>31.10.2019</a:t>
+            <a:fld id="{BCADB0AD-878B-4A47-923C-9B3B00B271B8}" type="datetime1">
+              <a:rPr lang="cs-CZ" smtClean="0"/>
+              <a:t>03.11.2019</a:t>
             </a:fld>
             <a:endParaRPr lang="cs-CZ"/>
           </a:p>
@@ -423,7 +1180,7 @@
       </p:sp>
       <p:sp>
         <p:nvSpPr>
-          <p:cNvPr id="5" name="Zástupný symbol pro zápatí 4"/>
+          <p:cNvPr id="5" name="Footer Placeholder 4"/>
           <p:cNvSpPr>
             <a:spLocks noGrp="1"/>
           </p:cNvSpPr>
@@ -442,7 +1199,7 @@
       </p:sp>
       <p:sp>
         <p:nvSpPr>
-          <p:cNvPr id="6" name="Zástupný symbol pro číslo snímku 5"/>
+          <p:cNvPr id="6" name="Slide Number Placeholder 5"/>
           <p:cNvSpPr>
             <a:spLocks noGrp="1"/>
           </p:cNvSpPr>
@@ -466,7 +1223,7 @@
     </p:spTree>
     <p:extLst>
       <p:ext uri="{BB962C8B-B14F-4D97-AF65-F5344CB8AC3E}">
-        <p14:creationId xmlns:p14="http://schemas.microsoft.com/office/powerpoint/2010/main" val="217409058"/>
+        <p14:creationId xmlns:p14="http://schemas.microsoft.com/office/powerpoint/2010/main" val="3518908748"/>
       </p:ext>
     </p:extLst>
   </p:cSld>
@@ -477,7 +1234,7 @@
 </file>
 
 <file path=ppt/slideLayouts/slideLayout11.xml><?xml version="1.0" encoding="utf-8"?>
-<p:sldLayout xmlns:a="http://schemas.openxmlformats.org/drawingml/2006/main" xmlns:r="http://schemas.openxmlformats.org/officeDocument/2006/relationships" xmlns:p="http://schemas.openxmlformats.org/presentationml/2006/main" type="vertTitleAndTx" preserve="1">
+<p:sldLayout xmlns:a="http://schemas.openxmlformats.org/drawingml/2006/main" xmlns:r="http://schemas.openxmlformats.org/officeDocument/2006/relationships" xmlns:p="http://schemas.openxmlformats.org/presentationml/2006/main" showMasterSp="0" type="vertTitleAndTx" preserve="1">
   <p:cSld name="Svislý nadpis a text">
     <p:spTree>
       <p:nvGrpSpPr>
@@ -495,18 +1252,94 @@
       </p:grpSpPr>
       <p:sp>
         <p:nvSpPr>
-          <p:cNvPr id="2" name="Svislý nadpis 1"/>
-          <p:cNvSpPr>
-            <a:spLocks noGrp="1"/>
-          </p:cNvSpPr>
-          <p:nvPr>
-            <p:ph type="title" orient="vert"/>
-          </p:nvPr>
+          <p:cNvPr id="7" name="Rectangle 6"/>
+          <p:cNvSpPr/>
+          <p:nvPr/>
         </p:nvSpPr>
         <p:spPr>
           <a:xfrm>
-            <a:off x="8724900" y="365125"/>
-            <a:ext cx="2628900" cy="5811838"/>
+            <a:off x="3175" y="6400800"/>
+            <a:ext cx="12188825" cy="457200"/>
+          </a:xfrm>
+          <a:prstGeom prst="rect">
+            <a:avLst/>
+          </a:prstGeom>
+          <a:solidFill>
+            <a:schemeClr val="accent2"/>
+          </a:solidFill>
+          <a:ln>
+            <a:noFill/>
+          </a:ln>
+        </p:spPr>
+        <p:style>
+          <a:lnRef idx="2">
+            <a:schemeClr val="accent1">
+              <a:shade val="50000"/>
+            </a:schemeClr>
+          </a:lnRef>
+          <a:fillRef idx="1">
+            <a:schemeClr val="accent1"/>
+          </a:fillRef>
+          <a:effectRef idx="0">
+            <a:schemeClr val="accent1"/>
+          </a:effectRef>
+          <a:fontRef idx="minor">
+            <a:schemeClr val="lt1"/>
+          </a:fontRef>
+        </p:style>
+      </p:sp>
+      <p:sp>
+        <p:nvSpPr>
+          <p:cNvPr id="8" name="Rectangle 7"/>
+          <p:cNvSpPr/>
+          <p:nvPr/>
+        </p:nvSpPr>
+        <p:spPr>
+          <a:xfrm>
+            <a:off x="15" y="6334316"/>
+            <a:ext cx="12188825" cy="64008"/>
+          </a:xfrm>
+          <a:prstGeom prst="rect">
+            <a:avLst/>
+          </a:prstGeom>
+          <a:solidFill>
+            <a:schemeClr val="accent1"/>
+          </a:solidFill>
+          <a:ln>
+            <a:noFill/>
+          </a:ln>
+        </p:spPr>
+        <p:style>
+          <a:lnRef idx="2">
+            <a:schemeClr val="accent1">
+              <a:shade val="50000"/>
+            </a:schemeClr>
+          </a:lnRef>
+          <a:fillRef idx="1">
+            <a:schemeClr val="accent1"/>
+          </a:fillRef>
+          <a:effectRef idx="0">
+            <a:schemeClr val="accent1"/>
+          </a:effectRef>
+          <a:fontRef idx="minor">
+            <a:schemeClr val="lt1"/>
+          </a:fontRef>
+        </p:style>
+      </p:sp>
+      <p:sp>
+        <p:nvSpPr>
+          <p:cNvPr id="2" name="Vertical Title 1"/>
+          <p:cNvSpPr>
+            <a:spLocks noGrp="1"/>
+          </p:cNvSpPr>
+          <p:nvPr>
+            <p:ph type="title" orient="vert"/>
+          </p:nvPr>
+        </p:nvSpPr>
+        <p:spPr>
+          <a:xfrm>
+            <a:off x="8724900" y="414778"/>
+            <a:ext cx="2628900" cy="5757421"/>
           </a:xfrm>
         </p:spPr>
         <p:txBody>
@@ -517,13 +1350,13 @@
               <a:rPr lang="cs-CZ" smtClean="0"/>
               <a:t>Kliknutím lze upravit styl.</a:t>
             </a:r>
-            <a:endParaRPr lang="cs-CZ"/>
-          </a:p>
-        </p:txBody>
-      </p:sp>
-      <p:sp>
-        <p:nvSpPr>
-          <p:cNvPr id="3" name="Zástupný symbol pro svislý text 2"/>
+            <a:endParaRPr lang="en-US" dirty="0"/>
+          </a:p>
+        </p:txBody>
+      </p:sp>
+      <p:sp>
+        <p:nvSpPr>
+          <p:cNvPr id="3" name="Vertical Text Placeholder 2"/>
           <p:cNvSpPr>
             <a:spLocks noGrp="1"/>
           </p:cNvSpPr>
@@ -533,12 +1366,12 @@
         </p:nvSpPr>
         <p:spPr>
           <a:xfrm>
-            <a:off x="838200" y="365125"/>
-            <a:ext cx="7734300" cy="5811838"/>
+            <a:off x="838200" y="414778"/>
+            <a:ext cx="7734300" cy="5757422"/>
           </a:xfrm>
         </p:spPr>
         <p:txBody>
-          <a:bodyPr vert="eaVert"/>
+          <a:bodyPr vert="eaVert" lIns="45720" tIns="0" rIns="45720" bIns="0"/>
           <a:lstStyle/>
           <a:p>
             <a:pPr lvl="0"/>
@@ -574,13 +1407,13 @@
               <a:rPr lang="cs-CZ" smtClean="0"/>
               <a:t>Pátá úroveň</a:t>
             </a:r>
-            <a:endParaRPr lang="cs-CZ"/>
-          </a:p>
-        </p:txBody>
-      </p:sp>
-      <p:sp>
-        <p:nvSpPr>
-          <p:cNvPr id="4" name="Zástupný symbol pro datum 3"/>
+            <a:endParaRPr lang="en-US" dirty="0"/>
+          </a:p>
+        </p:txBody>
+      </p:sp>
+      <p:sp>
+        <p:nvSpPr>
+          <p:cNvPr id="4" name="Date Placeholder 3"/>
           <p:cNvSpPr>
             <a:spLocks noGrp="1"/>
           </p:cNvSpPr>
@@ -593,9 +1426,9 @@
           <a:bodyPr/>
           <a:lstStyle/>
           <a:p>
-            <a:fld id="{A6F1EB30-63D5-4FC7-881E-359212295E2F}" type="datetimeFigureOut">
-              <a:rPr lang="cs-CZ" smtClean="0"/>
-              <a:t>31.10.2019</a:t>
+            <a:fld id="{10A272BB-4A7F-4B9F-B967-315F8229C574}" type="datetime1">
+              <a:rPr lang="cs-CZ" smtClean="0"/>
+              <a:t>03.11.2019</a:t>
             </a:fld>
             <a:endParaRPr lang="cs-CZ"/>
           </a:p>
@@ -603,7 +1436,7 @@
       </p:sp>
       <p:sp>
         <p:nvSpPr>
-          <p:cNvPr id="5" name="Zástupný symbol pro zápatí 4"/>
+          <p:cNvPr id="5" name="Footer Placeholder 4"/>
           <p:cNvSpPr>
             <a:spLocks noGrp="1"/>
           </p:cNvSpPr>
@@ -622,7 +1455,7 @@
       </p:sp>
       <p:sp>
         <p:nvSpPr>
-          <p:cNvPr id="6" name="Zástupný symbol pro číslo snímku 5"/>
+          <p:cNvPr id="6" name="Slide Number Placeholder 5"/>
           <p:cNvSpPr>
             <a:spLocks noGrp="1"/>
           </p:cNvSpPr>
@@ -646,7 +1479,7 @@
     </p:spTree>
     <p:extLst>
       <p:ext uri="{BB962C8B-B14F-4D97-AF65-F5344CB8AC3E}">
-        <p14:creationId xmlns:p14="http://schemas.microsoft.com/office/powerpoint/2010/main" val="1858470660"/>
+        <p14:creationId xmlns:p14="http://schemas.microsoft.com/office/powerpoint/2010/main" val="697973489"/>
       </p:ext>
     </p:extLst>
   </p:cSld>
@@ -658,7 +1491,7 @@
 
 <file path=ppt/slideLayouts/slideLayout2.xml><?xml version="1.0" encoding="utf-8"?>
 <p:sldLayout xmlns:a="http://schemas.openxmlformats.org/drawingml/2006/main" xmlns:r="http://schemas.openxmlformats.org/officeDocument/2006/relationships" xmlns:p="http://schemas.openxmlformats.org/presentationml/2006/main" type="obj" preserve="1">
-  <p:cSld name="Nadpis a obsah">
+  <p:cSld name="Title and Content">
     <p:spTree>
       <p:nvGrpSpPr>
         <p:cNvPr id="1" name=""/>
@@ -675,12 +1508,39 @@
       </p:grpSpPr>
       <p:sp>
         <p:nvSpPr>
-          <p:cNvPr id="2" name="Nadpis 1"/>
+          <p:cNvPr id="2" name="Title 1"/>
           <p:cNvSpPr>
             <a:spLocks noGrp="1"/>
           </p:cNvSpPr>
           <p:nvPr>
             <p:ph type="title"/>
+          </p:nvPr>
+        </p:nvSpPr>
+        <p:spPr/>
+        <p:txBody>
+          <a:bodyPr/>
+          <a:lstStyle>
+            <a:lvl1pPr marL="0">
+              <a:defRPr/>
+            </a:lvl1pPr>
+          </a:lstStyle>
+          <a:p>
+            <a:r>
+              <a:rPr lang="cs-CZ" smtClean="0"/>
+              <a:t>Kliknutím lze upravit styl.</a:t>
+            </a:r>
+            <a:endParaRPr lang="en-US" dirty="0"/>
+          </a:p>
+        </p:txBody>
+      </p:sp>
+      <p:sp>
+        <p:nvSpPr>
+          <p:cNvPr id="3" name="Content Placeholder 2"/>
+          <p:cNvSpPr>
+            <a:spLocks noGrp="1"/>
+          </p:cNvSpPr>
+          <p:nvPr>
+            <p:ph idx="1"/>
           </p:nvPr>
         </p:nvSpPr>
         <p:spPr/>
@@ -688,22 +1548,51 @@
           <a:bodyPr/>
           <a:lstStyle/>
           <a:p>
-            <a:r>
-              <a:rPr lang="cs-CZ" smtClean="0"/>
-              <a:t>Kliknutím lze upravit styl.</a:t>
-            </a:r>
-            <a:endParaRPr lang="cs-CZ"/>
-          </a:p>
-        </p:txBody>
-      </p:sp>
-      <p:sp>
-        <p:nvSpPr>
-          <p:cNvPr id="3" name="Zástupný symbol pro obsah 2"/>
-          <p:cNvSpPr>
-            <a:spLocks noGrp="1"/>
-          </p:cNvSpPr>
-          <p:nvPr>
-            <p:ph idx="1"/>
+            <a:pPr lvl="0"/>
+            <a:r>
+              <a:rPr lang="cs-CZ" smtClean="0"/>
+              <a:t>Upravte styly předlohy textu.</a:t>
+            </a:r>
+          </a:p>
+          <a:p>
+            <a:pPr lvl="1"/>
+            <a:r>
+              <a:rPr lang="cs-CZ" smtClean="0"/>
+              <a:t>Druhá úroveň</a:t>
+            </a:r>
+          </a:p>
+          <a:p>
+            <a:pPr lvl="2"/>
+            <a:r>
+              <a:rPr lang="cs-CZ" smtClean="0"/>
+              <a:t>Třetí úroveň</a:t>
+            </a:r>
+          </a:p>
+          <a:p>
+            <a:pPr lvl="3"/>
+            <a:r>
+              <a:rPr lang="cs-CZ" smtClean="0"/>
+              <a:t>Čtvrtá úroveň</a:t>
+            </a:r>
+          </a:p>
+          <a:p>
+            <a:pPr lvl="4"/>
+            <a:r>
+              <a:rPr lang="cs-CZ" smtClean="0"/>
+              <a:t>Pátá úroveň</a:t>
+            </a:r>
+            <a:endParaRPr lang="en-US" dirty="0"/>
+          </a:p>
+        </p:txBody>
+      </p:sp>
+      <p:sp>
+        <p:nvSpPr>
+          <p:cNvPr id="4" name="Date Placeholder 3"/>
+          <p:cNvSpPr>
+            <a:spLocks noGrp="1"/>
+          </p:cNvSpPr>
+          <p:nvPr>
+            <p:ph type="dt" sz="half" idx="10"/>
           </p:nvPr>
         </p:nvSpPr>
         <p:spPr/>
@@ -711,51 +1600,22 @@
           <a:bodyPr/>
           <a:lstStyle/>
           <a:p>
-            <a:pPr lvl="0"/>
-            <a:r>
-              <a:rPr lang="cs-CZ" smtClean="0"/>
-              <a:t>Upravte styly předlohy textu.</a:t>
-            </a:r>
-          </a:p>
-          <a:p>
-            <a:pPr lvl="1"/>
-            <a:r>
-              <a:rPr lang="cs-CZ" smtClean="0"/>
-              <a:t>Druhá úroveň</a:t>
-            </a:r>
-          </a:p>
-          <a:p>
-            <a:pPr lvl="2"/>
-            <a:r>
-              <a:rPr lang="cs-CZ" smtClean="0"/>
-              <a:t>Třetí úroveň</a:t>
-            </a:r>
-          </a:p>
-          <a:p>
-            <a:pPr lvl="3"/>
-            <a:r>
-              <a:rPr lang="cs-CZ" smtClean="0"/>
-              <a:t>Čtvrtá úroveň</a:t>
-            </a:r>
-          </a:p>
-          <a:p>
-            <a:pPr lvl="4"/>
-            <a:r>
-              <a:rPr lang="cs-CZ" smtClean="0"/>
-              <a:t>Pátá úroveň</a:t>
-            </a:r>
+            <a:fld id="{87789430-31D4-44B3-A1B9-46993BC07076}" type="datetime1">
+              <a:rPr lang="cs-CZ" smtClean="0"/>
+              <a:t>03.11.2019</a:t>
+            </a:fld>
             <a:endParaRPr lang="cs-CZ"/>
           </a:p>
         </p:txBody>
       </p:sp>
       <p:sp>
         <p:nvSpPr>
-          <p:cNvPr id="4" name="Zástupný symbol pro datum 3"/>
-          <p:cNvSpPr>
-            <a:spLocks noGrp="1"/>
-          </p:cNvSpPr>
-          <p:nvPr>
-            <p:ph type="dt" sz="half" idx="10"/>
+          <p:cNvPr id="5" name="Footer Placeholder 4"/>
+          <p:cNvSpPr>
+            <a:spLocks noGrp="1"/>
+          </p:cNvSpPr>
+          <p:nvPr>
+            <p:ph type="ftr" sz="quarter" idx="11"/>
           </p:nvPr>
         </p:nvSpPr>
         <p:spPr/>
@@ -763,36 +1623,13 @@
           <a:bodyPr/>
           <a:lstStyle/>
           <a:p>
-            <a:fld id="{A6F1EB30-63D5-4FC7-881E-359212295E2F}" type="datetimeFigureOut">
-              <a:rPr lang="cs-CZ" smtClean="0"/>
-              <a:t>31.10.2019</a:t>
-            </a:fld>
             <a:endParaRPr lang="cs-CZ"/>
           </a:p>
         </p:txBody>
       </p:sp>
       <p:sp>
         <p:nvSpPr>
-          <p:cNvPr id="5" name="Zástupný symbol pro zápatí 4"/>
-          <p:cNvSpPr>
-            <a:spLocks noGrp="1"/>
-          </p:cNvSpPr>
-          <p:nvPr>
-            <p:ph type="ftr" sz="quarter" idx="11"/>
-          </p:nvPr>
-        </p:nvSpPr>
-        <p:spPr/>
-        <p:txBody>
-          <a:bodyPr/>
-          <a:lstStyle/>
-          <a:p>
-            <a:endParaRPr lang="cs-CZ"/>
-          </a:p>
-        </p:txBody>
-      </p:sp>
-      <p:sp>
-        <p:nvSpPr>
-          <p:cNvPr id="6" name="Zástupný symbol pro číslo snímku 5"/>
+          <p:cNvPr id="6" name="Slide Number Placeholder 5"/>
           <p:cNvSpPr>
             <a:spLocks noGrp="1"/>
           </p:cNvSpPr>
@@ -816,7 +1653,7 @@
     </p:spTree>
     <p:extLst>
       <p:ext uri="{BB962C8B-B14F-4D97-AF65-F5344CB8AC3E}">
-        <p14:creationId xmlns:p14="http://schemas.microsoft.com/office/powerpoint/2010/main" val="1178081711"/>
+        <p14:creationId xmlns:p14="http://schemas.microsoft.com/office/powerpoint/2010/main" val="3240292258"/>
       </p:ext>
     </p:extLst>
   </p:cSld>
@@ -827,8 +1664,16 @@
 </file>
 
 <file path=ppt/slideLayouts/slideLayout3.xml><?xml version="1.0" encoding="utf-8"?>
-<p:sldLayout xmlns:a="http://schemas.openxmlformats.org/drawingml/2006/main" xmlns:r="http://schemas.openxmlformats.org/officeDocument/2006/relationships" xmlns:p="http://schemas.openxmlformats.org/presentationml/2006/main" type="secHead" preserve="1">
+<p:sldLayout xmlns:a="http://schemas.openxmlformats.org/drawingml/2006/main" xmlns:r="http://schemas.openxmlformats.org/officeDocument/2006/relationships" xmlns:p="http://schemas.openxmlformats.org/presentationml/2006/main" showMasterSp="0" type="secHead" preserve="1">
   <p:cSld name="Záhlaví části">
+    <p:bg>
+      <p:bgPr>
+        <a:solidFill>
+          <a:schemeClr val="bg1"/>
+        </a:solidFill>
+        <a:effectLst/>
+      </p:bgPr>
+    </p:bg>
     <p:spTree>
       <p:nvGrpSpPr>
         <p:cNvPr id="1" name=""/>
@@ -845,68 +1690,157 @@
       </p:grpSpPr>
       <p:sp>
         <p:nvSpPr>
-          <p:cNvPr id="2" name="Nadpis 1"/>
-          <p:cNvSpPr>
-            <a:spLocks noGrp="1"/>
-          </p:cNvSpPr>
-          <p:nvPr>
-            <p:ph type="title"/>
-          </p:nvPr>
+          <p:cNvPr id="7" name="Rectangle 6"/>
+          <p:cNvSpPr/>
+          <p:nvPr/>
         </p:nvSpPr>
         <p:spPr>
           <a:xfrm>
-            <a:off x="831850" y="1709738"/>
-            <a:ext cx="10515600" cy="2852737"/>
+            <a:off x="3175" y="6400800"/>
+            <a:ext cx="12188825" cy="457200"/>
+          </a:xfrm>
+          <a:prstGeom prst="rect">
+            <a:avLst/>
+          </a:prstGeom>
+          <a:solidFill>
+            <a:schemeClr val="accent2"/>
+          </a:solidFill>
+          <a:ln>
+            <a:noFill/>
+          </a:ln>
+        </p:spPr>
+        <p:style>
+          <a:lnRef idx="2">
+            <a:schemeClr val="accent1">
+              <a:shade val="50000"/>
+            </a:schemeClr>
+          </a:lnRef>
+          <a:fillRef idx="1">
+            <a:schemeClr val="accent1"/>
+          </a:fillRef>
+          <a:effectRef idx="0">
+            <a:schemeClr val="accent1"/>
+          </a:effectRef>
+          <a:fontRef idx="minor">
+            <a:schemeClr val="lt1"/>
+          </a:fontRef>
+        </p:style>
+      </p:sp>
+      <p:sp>
+        <p:nvSpPr>
+          <p:cNvPr id="8" name="Rectangle 7"/>
+          <p:cNvSpPr/>
+          <p:nvPr/>
+        </p:nvSpPr>
+        <p:spPr>
+          <a:xfrm>
+            <a:off x="15" y="6334316"/>
+            <a:ext cx="12188825" cy="64008"/>
+          </a:xfrm>
+          <a:prstGeom prst="rect">
+            <a:avLst/>
+          </a:prstGeom>
+          <a:solidFill>
+            <a:schemeClr val="accent1"/>
+          </a:solidFill>
+          <a:ln>
+            <a:noFill/>
+          </a:ln>
+        </p:spPr>
+        <p:style>
+          <a:lnRef idx="2">
+            <a:schemeClr val="accent1">
+              <a:shade val="50000"/>
+            </a:schemeClr>
+          </a:lnRef>
+          <a:fillRef idx="1">
+            <a:schemeClr val="accent1"/>
+          </a:fillRef>
+          <a:effectRef idx="0">
+            <a:schemeClr val="accent1"/>
+          </a:effectRef>
+          <a:fontRef idx="minor">
+            <a:schemeClr val="lt1"/>
+          </a:fontRef>
+        </p:style>
+      </p:sp>
+      <p:sp>
+        <p:nvSpPr>
+          <p:cNvPr id="2" name="Title 1"/>
+          <p:cNvSpPr>
+            <a:spLocks noGrp="1"/>
+          </p:cNvSpPr>
+          <p:nvPr>
+            <p:ph type="title"/>
+          </p:nvPr>
+        </p:nvSpPr>
+        <p:spPr>
+          <a:xfrm>
+            <a:off x="1097280" y="758952"/>
+            <a:ext cx="10058400" cy="3566160"/>
           </a:xfrm>
         </p:spPr>
         <p:txBody>
-          <a:bodyPr anchor="b"/>
+          <a:bodyPr anchor="b" anchorCtr="0">
+            <a:normAutofit/>
+          </a:bodyPr>
           <a:lstStyle>
             <a:lvl1pPr>
-              <a:defRPr sz="6000"/>
-            </a:lvl1pPr>
-          </a:lstStyle>
-          <a:p>
-            <a:r>
-              <a:rPr lang="cs-CZ" smtClean="0"/>
-              <a:t>Kliknutím lze upravit styl.</a:t>
-            </a:r>
-            <a:endParaRPr lang="cs-CZ"/>
-          </a:p>
-        </p:txBody>
-      </p:sp>
-      <p:sp>
-        <p:nvSpPr>
-          <p:cNvPr id="3" name="Zástupný symbol pro text 2"/>
-          <p:cNvSpPr>
-            <a:spLocks noGrp="1"/>
-          </p:cNvSpPr>
-          <p:nvPr>
-            <p:ph type="body" idx="1"/>
-          </p:nvPr>
-        </p:nvSpPr>
-        <p:spPr>
-          <a:xfrm>
-            <a:off x="831850" y="4589463"/>
-            <a:ext cx="10515600" cy="1500187"/>
-          </a:xfrm>
-        </p:spPr>
-        <p:txBody>
-          <a:bodyPr/>
-          <a:lstStyle>
-            <a:lvl1pPr marL="0" indent="0">
-              <a:buNone/>
-              <a:defRPr sz="2400">
+              <a:lnSpc>
+                <a:spcPct val="85000"/>
+              </a:lnSpc>
+              <a:defRPr sz="8000" b="0">
                 <a:solidFill>
                   <a:schemeClr val="tx1">
-                    <a:tint val="75000"/>
+                    <a:lumMod val="85000"/>
+                    <a:lumOff val="15000"/>
                   </a:schemeClr>
                 </a:solidFill>
               </a:defRPr>
             </a:lvl1pPr>
+          </a:lstStyle>
+          <a:p>
+            <a:r>
+              <a:rPr lang="cs-CZ" smtClean="0"/>
+              <a:t>Kliknutím lze upravit styl.</a:t>
+            </a:r>
+            <a:endParaRPr lang="en-US" dirty="0"/>
+          </a:p>
+        </p:txBody>
+      </p:sp>
+      <p:sp>
+        <p:nvSpPr>
+          <p:cNvPr id="3" name="Text Placeholder 2"/>
+          <p:cNvSpPr>
+            <a:spLocks noGrp="1"/>
+          </p:cNvSpPr>
+          <p:nvPr>
+            <p:ph type="body" idx="1"/>
+          </p:nvPr>
+        </p:nvSpPr>
+        <p:spPr>
+          <a:xfrm>
+            <a:off x="1097280" y="4453128"/>
+            <a:ext cx="10058400" cy="1143000"/>
+          </a:xfrm>
+        </p:spPr>
+        <p:txBody>
+          <a:bodyPr lIns="91440" rIns="91440" anchor="t" anchorCtr="0">
+            <a:normAutofit/>
+          </a:bodyPr>
+          <a:lstStyle>
+            <a:lvl1pPr marL="0" indent="0">
+              <a:buNone/>
+              <a:defRPr sz="2400" cap="all" spc="200" baseline="0">
+                <a:solidFill>
+                  <a:schemeClr val="tx2"/>
+                </a:solidFill>
+                <a:latin typeface="+mj-lt"/>
+              </a:defRPr>
+            </a:lvl1pPr>
             <a:lvl2pPr marL="457200" indent="0">
               <a:buNone/>
-              <a:defRPr sz="2000">
+              <a:defRPr sz="1800">
                 <a:solidFill>
                   <a:schemeClr val="tx1">
                     <a:tint val="75000"/>
@@ -916,7 +1850,7 @@
             </a:lvl2pPr>
             <a:lvl3pPr marL="914400" indent="0">
               <a:buNone/>
-              <a:defRPr sz="1800">
+              <a:defRPr sz="1600">
                 <a:solidFill>
                   <a:schemeClr val="tx1">
                     <a:tint val="75000"/>
@@ -926,7 +1860,7 @@
             </a:lvl3pPr>
             <a:lvl4pPr marL="1371600" indent="0">
               <a:buNone/>
-              <a:defRPr sz="1600">
+              <a:defRPr sz="1400">
                 <a:solidFill>
                   <a:schemeClr val="tx1">
                     <a:tint val="75000"/>
@@ -936,7 +1870,7 @@
             </a:lvl4pPr>
             <a:lvl5pPr marL="1828800" indent="0">
               <a:buNone/>
-              <a:defRPr sz="1600">
+              <a:defRPr sz="1400">
                 <a:solidFill>
                   <a:schemeClr val="tx1">
                     <a:tint val="75000"/>
@@ -946,7 +1880,7 @@
             </a:lvl5pPr>
             <a:lvl6pPr marL="2286000" indent="0">
               <a:buNone/>
-              <a:defRPr sz="1600">
+              <a:defRPr sz="1400">
                 <a:solidFill>
                   <a:schemeClr val="tx1">
                     <a:tint val="75000"/>
@@ -956,7 +1890,7 @@
             </a:lvl6pPr>
             <a:lvl7pPr marL="2743200" indent="0">
               <a:buNone/>
-              <a:defRPr sz="1600">
+              <a:defRPr sz="1400">
                 <a:solidFill>
                   <a:schemeClr val="tx1">
                     <a:tint val="75000"/>
@@ -966,7 +1900,7 @@
             </a:lvl7pPr>
             <a:lvl8pPr marL="3200400" indent="0">
               <a:buNone/>
-              <a:defRPr sz="1600">
+              <a:defRPr sz="1400">
                 <a:solidFill>
                   <a:schemeClr val="tx1">
                     <a:tint val="75000"/>
@@ -976,7 +1910,7 @@
             </a:lvl8pPr>
             <a:lvl9pPr marL="3657600" indent="0">
               <a:buNone/>
-              <a:defRPr sz="1600">
+              <a:defRPr sz="1400">
                 <a:solidFill>
                   <a:schemeClr val="tx1">
                     <a:tint val="75000"/>
@@ -996,7 +1930,7 @@
       </p:sp>
       <p:sp>
         <p:nvSpPr>
-          <p:cNvPr id="4" name="Zástupný symbol pro datum 3"/>
+          <p:cNvPr id="4" name="Date Placeholder 3"/>
           <p:cNvSpPr>
             <a:spLocks noGrp="1"/>
           </p:cNvSpPr>
@@ -1009,9 +1943,9 @@
           <a:bodyPr/>
           <a:lstStyle/>
           <a:p>
-            <a:fld id="{A6F1EB30-63D5-4FC7-881E-359212295E2F}" type="datetimeFigureOut">
-              <a:rPr lang="cs-CZ" smtClean="0"/>
-              <a:t>31.10.2019</a:t>
+            <a:fld id="{9146C2E0-718B-40F1-846E-8E1F48BFF29A}" type="datetime1">
+              <a:rPr lang="cs-CZ" smtClean="0"/>
+              <a:t>03.11.2019</a:t>
             </a:fld>
             <a:endParaRPr lang="cs-CZ"/>
           </a:p>
@@ -1019,7 +1953,7 @@
       </p:sp>
       <p:sp>
         <p:nvSpPr>
-          <p:cNvPr id="5" name="Zástupný symbol pro zápatí 4"/>
+          <p:cNvPr id="5" name="Footer Placeholder 4"/>
           <p:cNvSpPr>
             <a:spLocks noGrp="1"/>
           </p:cNvSpPr>
@@ -1038,7 +1972,7 @@
       </p:sp>
       <p:sp>
         <p:nvSpPr>
-          <p:cNvPr id="6" name="Zástupný symbol pro číslo snímku 5"/>
+          <p:cNvPr id="6" name="Slide Number Placeholder 5"/>
           <p:cNvSpPr>
             <a:spLocks noGrp="1"/>
           </p:cNvSpPr>
@@ -1059,10 +1993,48 @@
           </a:p>
         </p:txBody>
       </p:sp>
+      <p:cxnSp>
+        <p:nvCxnSpPr>
+          <p:cNvPr id="9" name="Straight Connector 8"/>
+          <p:cNvCxnSpPr/>
+          <p:nvPr/>
+        </p:nvCxnSpPr>
+        <p:spPr>
+          <a:xfrm>
+            <a:off x="1207658" y="4343400"/>
+            <a:ext cx="9875520" cy="0"/>
+          </a:xfrm>
+          <a:prstGeom prst="line">
+            <a:avLst/>
+          </a:prstGeom>
+          <a:ln w="6350">
+            <a:solidFill>
+              <a:schemeClr val="tx1">
+                <a:lumMod val="50000"/>
+                <a:lumOff val="50000"/>
+              </a:schemeClr>
+            </a:solidFill>
+          </a:ln>
+        </p:spPr>
+        <p:style>
+          <a:lnRef idx="1">
+            <a:schemeClr val="accent1"/>
+          </a:lnRef>
+          <a:fillRef idx="0">
+            <a:schemeClr val="accent1"/>
+          </a:fillRef>
+          <a:effectRef idx="0">
+            <a:schemeClr val="accent1"/>
+          </a:effectRef>
+          <a:fontRef idx="minor">
+            <a:schemeClr val="tx1"/>
+          </a:fontRef>
+        </p:style>
+      </p:cxnSp>
     </p:spTree>
     <p:extLst>
       <p:ext uri="{BB962C8B-B14F-4D97-AF65-F5344CB8AC3E}">
-        <p14:creationId xmlns:p14="http://schemas.microsoft.com/office/powerpoint/2010/main" val="3661866709"/>
+        <p14:creationId xmlns:p14="http://schemas.microsoft.com/office/powerpoint/2010/main" val="3292203050"/>
       </p:ext>
     </p:extLst>
   </p:cSld>
@@ -1091,7 +2063,7 @@
       </p:grpSpPr>
       <p:sp>
         <p:nvSpPr>
-          <p:cNvPr id="2" name="Nadpis 1"/>
+          <p:cNvPr id="8" name="Title 7"/>
           <p:cNvSpPr>
             <a:spLocks noGrp="1"/>
           </p:cNvSpPr>
@@ -1099,7 +2071,12 @@
             <p:ph type="title"/>
           </p:nvPr>
         </p:nvSpPr>
-        <p:spPr/>
+        <p:spPr>
+          <a:xfrm>
+            <a:off x="1097280" y="286603"/>
+            <a:ext cx="10058400" cy="1450757"/>
+          </a:xfrm>
+        </p:spPr>
         <p:txBody>
           <a:bodyPr/>
           <a:lstStyle/>
@@ -1108,13 +2085,13 @@
               <a:rPr lang="cs-CZ" smtClean="0"/>
               <a:t>Kliknutím lze upravit styl.</a:t>
             </a:r>
-            <a:endParaRPr lang="cs-CZ"/>
-          </a:p>
-        </p:txBody>
-      </p:sp>
-      <p:sp>
-        <p:nvSpPr>
-          <p:cNvPr id="3" name="Zástupný symbol pro obsah 2"/>
+            <a:endParaRPr lang="en-US" dirty="0"/>
+          </a:p>
+        </p:txBody>
+      </p:sp>
+      <p:sp>
+        <p:nvSpPr>
+          <p:cNvPr id="3" name="Content Placeholder 2"/>
           <p:cNvSpPr>
             <a:spLocks noGrp="1"/>
           </p:cNvSpPr>
@@ -1124,8 +2101,8 @@
         </p:nvSpPr>
         <p:spPr>
           <a:xfrm>
-            <a:off x="838200" y="1825625"/>
-            <a:ext cx="5181600" cy="4351338"/>
+            <a:off x="1097279" y="1845734"/>
+            <a:ext cx="4937760" cy="4023360"/>
           </a:xfrm>
         </p:spPr>
         <p:txBody>
@@ -1165,13 +2142,13 @@
               <a:rPr lang="cs-CZ" smtClean="0"/>
               <a:t>Pátá úroveň</a:t>
             </a:r>
-            <a:endParaRPr lang="cs-CZ"/>
-          </a:p>
-        </p:txBody>
-      </p:sp>
-      <p:sp>
-        <p:nvSpPr>
-          <p:cNvPr id="4" name="Zástupný symbol pro obsah 3"/>
+            <a:endParaRPr lang="en-US" dirty="0"/>
+          </a:p>
+        </p:txBody>
+      </p:sp>
+      <p:sp>
+        <p:nvSpPr>
+          <p:cNvPr id="4" name="Content Placeholder 3"/>
           <p:cNvSpPr>
             <a:spLocks noGrp="1"/>
           </p:cNvSpPr>
@@ -1181,8 +2158,8 @@
         </p:nvSpPr>
         <p:spPr>
           <a:xfrm>
-            <a:off x="6172200" y="1825625"/>
-            <a:ext cx="5181600" cy="4351338"/>
+            <a:off x="6217920" y="1845735"/>
+            <a:ext cx="4937760" cy="4023360"/>
           </a:xfrm>
         </p:spPr>
         <p:txBody>
@@ -1222,13 +2199,13 @@
               <a:rPr lang="cs-CZ" smtClean="0"/>
               <a:t>Pátá úroveň</a:t>
             </a:r>
-            <a:endParaRPr lang="cs-CZ"/>
-          </a:p>
-        </p:txBody>
-      </p:sp>
-      <p:sp>
-        <p:nvSpPr>
-          <p:cNvPr id="5" name="Zástupný symbol pro datum 4"/>
+            <a:endParaRPr lang="en-US" dirty="0"/>
+          </a:p>
+        </p:txBody>
+      </p:sp>
+      <p:sp>
+        <p:nvSpPr>
+          <p:cNvPr id="5" name="Date Placeholder 4"/>
           <p:cNvSpPr>
             <a:spLocks noGrp="1"/>
           </p:cNvSpPr>
@@ -1241,9 +2218,9 @@
           <a:bodyPr/>
           <a:lstStyle/>
           <a:p>
-            <a:fld id="{A6F1EB30-63D5-4FC7-881E-359212295E2F}" type="datetimeFigureOut">
-              <a:rPr lang="cs-CZ" smtClean="0"/>
-              <a:t>31.10.2019</a:t>
+            <a:fld id="{AA2087C7-7A7C-43F2-B045-605D53E192D5}" type="datetime1">
+              <a:rPr lang="cs-CZ" smtClean="0"/>
+              <a:t>03.11.2019</a:t>
             </a:fld>
             <a:endParaRPr lang="cs-CZ"/>
           </a:p>
@@ -1251,7 +2228,7 @@
       </p:sp>
       <p:sp>
         <p:nvSpPr>
-          <p:cNvPr id="6" name="Zástupný symbol pro zápatí 5"/>
+          <p:cNvPr id="6" name="Footer Placeholder 5"/>
           <p:cNvSpPr>
             <a:spLocks noGrp="1"/>
           </p:cNvSpPr>
@@ -1270,7 +2247,7 @@
       </p:sp>
       <p:sp>
         <p:nvSpPr>
-          <p:cNvPr id="7" name="Zástupný symbol pro číslo snímku 6"/>
+          <p:cNvPr id="7" name="Slide Number Placeholder 6"/>
           <p:cNvSpPr>
             <a:spLocks noGrp="1"/>
           </p:cNvSpPr>
@@ -1294,7 +2271,7 @@
     </p:spTree>
     <p:extLst>
       <p:ext uri="{BB962C8B-B14F-4D97-AF65-F5344CB8AC3E}">
-        <p14:creationId xmlns:p14="http://schemas.microsoft.com/office/powerpoint/2010/main" val="3311697593"/>
+        <p14:creationId xmlns:p14="http://schemas.microsoft.com/office/powerpoint/2010/main" val="3408329049"/>
       </p:ext>
     </p:extLst>
   </p:cSld>
@@ -1323,7 +2300,7 @@
       </p:grpSpPr>
       <p:sp>
         <p:nvSpPr>
-          <p:cNvPr id="2" name="Nadpis 1"/>
+          <p:cNvPr id="10" name="Title 9"/>
           <p:cNvSpPr>
             <a:spLocks noGrp="1"/>
           </p:cNvSpPr>
@@ -1333,8 +2310,8 @@
         </p:nvSpPr>
         <p:spPr>
           <a:xfrm>
-            <a:off x="839788" y="365125"/>
-            <a:ext cx="10515600" cy="1325563"/>
+            <a:off x="1097280" y="286603"/>
+            <a:ext cx="10058400" cy="1450757"/>
           </a:xfrm>
         </p:spPr>
         <p:txBody>
@@ -1345,13 +2322,13 @@
               <a:rPr lang="cs-CZ" smtClean="0"/>
               <a:t>Kliknutím lze upravit styl.</a:t>
             </a:r>
-            <a:endParaRPr lang="cs-CZ"/>
-          </a:p>
-        </p:txBody>
-      </p:sp>
-      <p:sp>
-        <p:nvSpPr>
-          <p:cNvPr id="3" name="Zástupný symbol pro text 2"/>
+            <a:endParaRPr lang="en-US" dirty="0"/>
+          </a:p>
+        </p:txBody>
+      </p:sp>
+      <p:sp>
+        <p:nvSpPr>
+          <p:cNvPr id="3" name="Text Placeholder 2"/>
           <p:cNvSpPr>
             <a:spLocks noGrp="1"/>
           </p:cNvSpPr>
@@ -1361,16 +2338,22 @@
         </p:nvSpPr>
         <p:spPr>
           <a:xfrm>
-            <a:off x="839788" y="1681163"/>
-            <a:ext cx="5157787" cy="823912"/>
+            <a:off x="1097280" y="1846052"/>
+            <a:ext cx="4937760" cy="736282"/>
           </a:xfrm>
         </p:spPr>
         <p:txBody>
-          <a:bodyPr anchor="b"/>
+          <a:bodyPr lIns="91440" rIns="91440" anchor="ctr">
+            <a:normAutofit/>
+          </a:bodyPr>
           <a:lstStyle>
             <a:lvl1pPr marL="0" indent="0">
               <a:buNone/>
-              <a:defRPr sz="2400" b="1"/>
+              <a:defRPr sz="2000" b="0" cap="all" baseline="0">
+                <a:solidFill>
+                  <a:schemeClr val="tx2"/>
+                </a:solidFill>
+              </a:defRPr>
             </a:lvl1pPr>
             <a:lvl2pPr marL="457200" indent="0">
               <a:buNone/>
@@ -1416,7 +2399,7 @@
       </p:sp>
       <p:sp>
         <p:nvSpPr>
-          <p:cNvPr id="4" name="Zástupný symbol pro obsah 3"/>
+          <p:cNvPr id="4" name="Content Placeholder 3"/>
           <p:cNvSpPr>
             <a:spLocks noGrp="1"/>
           </p:cNvSpPr>
@@ -1426,8 +2409,8 @@
         </p:nvSpPr>
         <p:spPr>
           <a:xfrm>
-            <a:off x="839788" y="2505075"/>
-            <a:ext cx="5157787" cy="3684588"/>
+            <a:off x="1097280" y="2582334"/>
+            <a:ext cx="4937760" cy="3378200"/>
           </a:xfrm>
         </p:spPr>
         <p:txBody>
@@ -1467,13 +2450,13 @@
               <a:rPr lang="cs-CZ" smtClean="0"/>
               <a:t>Pátá úroveň</a:t>
             </a:r>
-            <a:endParaRPr lang="cs-CZ"/>
-          </a:p>
-        </p:txBody>
-      </p:sp>
-      <p:sp>
-        <p:nvSpPr>
-          <p:cNvPr id="5" name="Zástupný symbol pro text 4"/>
+            <a:endParaRPr lang="en-US" dirty="0"/>
+          </a:p>
+        </p:txBody>
+      </p:sp>
+      <p:sp>
+        <p:nvSpPr>
+          <p:cNvPr id="5" name="Text Placeholder 4"/>
           <p:cNvSpPr>
             <a:spLocks noGrp="1"/>
           </p:cNvSpPr>
@@ -1483,16 +2466,22 @@
         </p:nvSpPr>
         <p:spPr>
           <a:xfrm>
-            <a:off x="6172200" y="1681163"/>
-            <a:ext cx="5183188" cy="823912"/>
+            <a:off x="6217920" y="1846052"/>
+            <a:ext cx="4937760" cy="736282"/>
           </a:xfrm>
         </p:spPr>
         <p:txBody>
-          <a:bodyPr anchor="b"/>
+          <a:bodyPr lIns="91440" rIns="91440" anchor="ctr">
+            <a:normAutofit/>
+          </a:bodyPr>
           <a:lstStyle>
             <a:lvl1pPr marL="0" indent="0">
               <a:buNone/>
-              <a:defRPr sz="2400" b="1"/>
+              <a:defRPr sz="2000" b="0" cap="all" baseline="0">
+                <a:solidFill>
+                  <a:schemeClr val="tx2"/>
+                </a:solidFill>
+              </a:defRPr>
             </a:lvl1pPr>
             <a:lvl2pPr marL="457200" indent="0">
               <a:buNone/>
@@ -1538,7 +2527,7 @@
       </p:sp>
       <p:sp>
         <p:nvSpPr>
-          <p:cNvPr id="6" name="Zástupný symbol pro obsah 5"/>
+          <p:cNvPr id="6" name="Content Placeholder 5"/>
           <p:cNvSpPr>
             <a:spLocks noGrp="1"/>
           </p:cNvSpPr>
@@ -1548,8 +2537,8 @@
         </p:nvSpPr>
         <p:spPr>
           <a:xfrm>
-            <a:off x="6172200" y="2505075"/>
-            <a:ext cx="5183188" cy="3684588"/>
+            <a:off x="6217920" y="2582334"/>
+            <a:ext cx="4937760" cy="3378200"/>
           </a:xfrm>
         </p:spPr>
         <p:txBody>
@@ -1589,13 +2578,13 @@
               <a:rPr lang="cs-CZ" smtClean="0"/>
               <a:t>Pátá úroveň</a:t>
             </a:r>
-            <a:endParaRPr lang="cs-CZ"/>
-          </a:p>
-        </p:txBody>
-      </p:sp>
-      <p:sp>
-        <p:nvSpPr>
-          <p:cNvPr id="7" name="Zástupný symbol pro datum 6"/>
+            <a:endParaRPr lang="en-US" dirty="0"/>
+          </a:p>
+        </p:txBody>
+      </p:sp>
+      <p:sp>
+        <p:nvSpPr>
+          <p:cNvPr id="7" name="Date Placeholder 6"/>
           <p:cNvSpPr>
             <a:spLocks noGrp="1"/>
           </p:cNvSpPr>
@@ -1608,9 +2597,9 @@
           <a:bodyPr/>
           <a:lstStyle/>
           <a:p>
-            <a:fld id="{A6F1EB30-63D5-4FC7-881E-359212295E2F}" type="datetimeFigureOut">
-              <a:rPr lang="cs-CZ" smtClean="0"/>
-              <a:t>31.10.2019</a:t>
+            <a:fld id="{86DAF94E-BD1F-49D2-9FAC-65F1C1C53E58}" type="datetime1">
+              <a:rPr lang="cs-CZ" smtClean="0"/>
+              <a:t>03.11.2019</a:t>
             </a:fld>
             <a:endParaRPr lang="cs-CZ"/>
           </a:p>
@@ -1618,7 +2607,7 @@
       </p:sp>
       <p:sp>
         <p:nvSpPr>
-          <p:cNvPr id="8" name="Zástupný symbol pro zápatí 7"/>
+          <p:cNvPr id="8" name="Footer Placeholder 7"/>
           <p:cNvSpPr>
             <a:spLocks noGrp="1"/>
           </p:cNvSpPr>
@@ -1637,7 +2626,7 @@
       </p:sp>
       <p:sp>
         <p:nvSpPr>
-          <p:cNvPr id="9" name="Zástupný symbol pro číslo snímku 8"/>
+          <p:cNvPr id="9" name="Slide Number Placeholder 8"/>
           <p:cNvSpPr>
             <a:spLocks noGrp="1"/>
           </p:cNvSpPr>
@@ -1661,7 +2650,7 @@
     </p:spTree>
     <p:extLst>
       <p:ext uri="{BB962C8B-B14F-4D97-AF65-F5344CB8AC3E}">
-        <p14:creationId xmlns:p14="http://schemas.microsoft.com/office/powerpoint/2010/main" val="4270421891"/>
+        <p14:creationId xmlns:p14="http://schemas.microsoft.com/office/powerpoint/2010/main" val="1594618472"/>
       </p:ext>
     </p:extLst>
   </p:cSld>
@@ -1690,7 +2679,7 @@
       </p:grpSpPr>
       <p:sp>
         <p:nvSpPr>
-          <p:cNvPr id="2" name="Nadpis 1"/>
+          <p:cNvPr id="2" name="Title 1"/>
           <p:cNvSpPr>
             <a:spLocks noGrp="1"/>
           </p:cNvSpPr>
@@ -1707,13 +2696,13 @@
               <a:rPr lang="cs-CZ" smtClean="0"/>
               <a:t>Kliknutím lze upravit styl.</a:t>
             </a:r>
-            <a:endParaRPr lang="cs-CZ"/>
-          </a:p>
-        </p:txBody>
-      </p:sp>
-      <p:sp>
-        <p:nvSpPr>
-          <p:cNvPr id="3" name="Zástupný symbol pro datum 2"/>
+            <a:endParaRPr lang="en-US" dirty="0"/>
+          </a:p>
+        </p:txBody>
+      </p:sp>
+      <p:sp>
+        <p:nvSpPr>
+          <p:cNvPr id="3" name="Date Placeholder 2"/>
           <p:cNvSpPr>
             <a:spLocks noGrp="1"/>
           </p:cNvSpPr>
@@ -1726,9 +2715,9 @@
           <a:bodyPr/>
           <a:lstStyle/>
           <a:p>
-            <a:fld id="{A6F1EB30-63D5-4FC7-881E-359212295E2F}" type="datetimeFigureOut">
-              <a:rPr lang="cs-CZ" smtClean="0"/>
-              <a:t>31.10.2019</a:t>
+            <a:fld id="{6DC4453E-973D-494B-83AD-4B9373B68F37}" type="datetime1">
+              <a:rPr lang="cs-CZ" smtClean="0"/>
+              <a:t>03.11.2019</a:t>
             </a:fld>
             <a:endParaRPr lang="cs-CZ"/>
           </a:p>
@@ -1736,7 +2725,7 @@
       </p:sp>
       <p:sp>
         <p:nvSpPr>
-          <p:cNvPr id="4" name="Zástupný symbol pro zápatí 3"/>
+          <p:cNvPr id="4" name="Footer Placeholder 3"/>
           <p:cNvSpPr>
             <a:spLocks noGrp="1"/>
           </p:cNvSpPr>
@@ -1755,7 +2744,7 @@
       </p:sp>
       <p:sp>
         <p:nvSpPr>
-          <p:cNvPr id="5" name="Zástupný symbol pro číslo snímku 4"/>
+          <p:cNvPr id="5" name="Slide Number Placeholder 4"/>
           <p:cNvSpPr>
             <a:spLocks noGrp="1"/>
           </p:cNvSpPr>
@@ -1779,7 +2768,7 @@
     </p:spTree>
     <p:extLst>
       <p:ext uri="{BB962C8B-B14F-4D97-AF65-F5344CB8AC3E}">
-        <p14:creationId xmlns:p14="http://schemas.microsoft.com/office/powerpoint/2010/main" val="1818843332"/>
+        <p14:creationId xmlns:p14="http://schemas.microsoft.com/office/powerpoint/2010/main" val="4169198688"/>
       </p:ext>
     </p:extLst>
   </p:cSld>
@@ -1790,7 +2779,7 @@
 </file>
 
 <file path=ppt/slideLayouts/slideLayout7.xml><?xml version="1.0" encoding="utf-8"?>
-<p:sldLayout xmlns:a="http://schemas.openxmlformats.org/drawingml/2006/main" xmlns:r="http://schemas.openxmlformats.org/officeDocument/2006/relationships" xmlns:p="http://schemas.openxmlformats.org/presentationml/2006/main" type="blank" preserve="1">
+<p:sldLayout xmlns:a="http://schemas.openxmlformats.org/drawingml/2006/main" xmlns:r="http://schemas.openxmlformats.org/officeDocument/2006/relationships" xmlns:p="http://schemas.openxmlformats.org/presentationml/2006/main" showMasterSp="0" type="blank" preserve="1">
   <p:cSld name="Prázdný">
     <p:spTree>
       <p:nvGrpSpPr>
@@ -1808,7 +2797,83 @@
       </p:grpSpPr>
       <p:sp>
         <p:nvSpPr>
-          <p:cNvPr id="2" name="Zástupný symbol pro datum 1"/>
+          <p:cNvPr id="5" name="Rectangle 4"/>
+          <p:cNvSpPr/>
+          <p:nvPr/>
+        </p:nvSpPr>
+        <p:spPr>
+          <a:xfrm>
+            <a:off x="3175" y="6400800"/>
+            <a:ext cx="12188825" cy="457200"/>
+          </a:xfrm>
+          <a:prstGeom prst="rect">
+            <a:avLst/>
+          </a:prstGeom>
+          <a:solidFill>
+            <a:schemeClr val="accent2"/>
+          </a:solidFill>
+          <a:ln>
+            <a:noFill/>
+          </a:ln>
+        </p:spPr>
+        <p:style>
+          <a:lnRef idx="2">
+            <a:schemeClr val="accent1">
+              <a:shade val="50000"/>
+            </a:schemeClr>
+          </a:lnRef>
+          <a:fillRef idx="1">
+            <a:schemeClr val="accent1"/>
+          </a:fillRef>
+          <a:effectRef idx="0">
+            <a:schemeClr val="accent1"/>
+          </a:effectRef>
+          <a:fontRef idx="minor">
+            <a:schemeClr val="lt1"/>
+          </a:fontRef>
+        </p:style>
+      </p:sp>
+      <p:sp>
+        <p:nvSpPr>
+          <p:cNvPr id="6" name="Rectangle 5"/>
+          <p:cNvSpPr/>
+          <p:nvPr/>
+        </p:nvSpPr>
+        <p:spPr>
+          <a:xfrm>
+            <a:off x="15" y="6334316"/>
+            <a:ext cx="12188825" cy="64008"/>
+          </a:xfrm>
+          <a:prstGeom prst="rect">
+            <a:avLst/>
+          </a:prstGeom>
+          <a:solidFill>
+            <a:schemeClr val="accent1"/>
+          </a:solidFill>
+          <a:ln>
+            <a:noFill/>
+          </a:ln>
+        </p:spPr>
+        <p:style>
+          <a:lnRef idx="2">
+            <a:schemeClr val="accent1">
+              <a:shade val="50000"/>
+            </a:schemeClr>
+          </a:lnRef>
+          <a:fillRef idx="1">
+            <a:schemeClr val="accent1"/>
+          </a:fillRef>
+          <a:effectRef idx="0">
+            <a:schemeClr val="accent1"/>
+          </a:effectRef>
+          <a:fontRef idx="minor">
+            <a:schemeClr val="lt1"/>
+          </a:fontRef>
+        </p:style>
+      </p:sp>
+      <p:sp>
+        <p:nvSpPr>
+          <p:cNvPr id="7" name="Date Placeholder 6"/>
           <p:cNvSpPr>
             <a:spLocks noGrp="1"/>
           </p:cNvSpPr>
@@ -1821,9 +2886,9 @@
           <a:bodyPr/>
           <a:lstStyle/>
           <a:p>
-            <a:fld id="{A6F1EB30-63D5-4FC7-881E-359212295E2F}" type="datetimeFigureOut">
-              <a:rPr lang="cs-CZ" smtClean="0"/>
-              <a:t>31.10.2019</a:t>
+            <a:fld id="{5F617BC4-58F3-4BAC-B034-CDE3A4CF1CF9}" type="datetime1">
+              <a:rPr lang="cs-CZ" smtClean="0"/>
+              <a:t>03.11.2019</a:t>
             </a:fld>
             <a:endParaRPr lang="cs-CZ"/>
           </a:p>
@@ -1831,7 +2896,7 @@
       </p:sp>
       <p:sp>
         <p:nvSpPr>
-          <p:cNvPr id="3" name="Zástupný symbol pro zápatí 2"/>
+          <p:cNvPr id="8" name="Footer Placeholder 7"/>
           <p:cNvSpPr>
             <a:spLocks noGrp="1"/>
           </p:cNvSpPr>
@@ -1842,7 +2907,15 @@
         <p:spPr/>
         <p:txBody>
           <a:bodyPr/>
-          <a:lstStyle/>
+          <a:lstStyle>
+            <a:lvl1pPr>
+              <a:defRPr>
+                <a:solidFill>
+                  <a:srgbClr val="FFFFFF"/>
+                </a:solidFill>
+              </a:defRPr>
+            </a:lvl1pPr>
+          </a:lstStyle>
           <a:p>
             <a:endParaRPr lang="cs-CZ"/>
           </a:p>
@@ -1850,7 +2923,7 @@
       </p:sp>
       <p:sp>
         <p:nvSpPr>
-          <p:cNvPr id="4" name="Zástupný symbol pro číslo snímku 3"/>
+          <p:cNvPr id="9" name="Slide Number Placeholder 8"/>
           <p:cNvSpPr>
             <a:spLocks noGrp="1"/>
           </p:cNvSpPr>
@@ -1874,7 +2947,7 @@
     </p:spTree>
     <p:extLst>
       <p:ext uri="{BB962C8B-B14F-4D97-AF65-F5344CB8AC3E}">
-        <p14:creationId xmlns:p14="http://schemas.microsoft.com/office/powerpoint/2010/main" val="424240917"/>
+        <p14:creationId xmlns:p14="http://schemas.microsoft.com/office/powerpoint/2010/main" val="1567784629"/>
       </p:ext>
     </p:extLst>
   </p:cSld>
@@ -1885,7 +2958,7 @@
 </file>
 
 <file path=ppt/slideLayouts/slideLayout8.xml><?xml version="1.0" encoding="utf-8"?>
-<p:sldLayout xmlns:a="http://schemas.openxmlformats.org/drawingml/2006/main" xmlns:r="http://schemas.openxmlformats.org/officeDocument/2006/relationships" xmlns:p="http://schemas.openxmlformats.org/presentationml/2006/main" type="objTx" preserve="1">
+<p:sldLayout xmlns:a="http://schemas.openxmlformats.org/drawingml/2006/main" xmlns:r="http://schemas.openxmlformats.org/officeDocument/2006/relationships" xmlns:p="http://schemas.openxmlformats.org/presentationml/2006/main" showMasterSp="0" type="objTx" preserve="1">
   <p:cSld name="Obsah s titulkem">
     <p:spTree>
       <p:nvGrpSpPr>
@@ -1903,25 +2976,107 @@
       </p:grpSpPr>
       <p:sp>
         <p:nvSpPr>
-          <p:cNvPr id="2" name="Nadpis 1"/>
-          <p:cNvSpPr>
-            <a:spLocks noGrp="1"/>
-          </p:cNvSpPr>
-          <p:nvPr>
-            <p:ph type="title"/>
-          </p:nvPr>
+          <p:cNvPr id="8" name="Rectangle 7"/>
+          <p:cNvSpPr/>
+          <p:nvPr/>
         </p:nvSpPr>
         <p:spPr>
           <a:xfrm>
-            <a:off x="839788" y="457200"/>
-            <a:ext cx="3932237" cy="1600200"/>
+            <a:off x="16" y="0"/>
+            <a:ext cx="4050791" cy="6858000"/>
+          </a:xfrm>
+          <a:prstGeom prst="rect">
+            <a:avLst/>
+          </a:prstGeom>
+          <a:solidFill>
+            <a:schemeClr val="accent2"/>
+          </a:solidFill>
+          <a:ln>
+            <a:noFill/>
+          </a:ln>
+        </p:spPr>
+        <p:style>
+          <a:lnRef idx="2">
+            <a:schemeClr val="accent1">
+              <a:shade val="50000"/>
+            </a:schemeClr>
+          </a:lnRef>
+          <a:fillRef idx="1">
+            <a:schemeClr val="accent1"/>
+          </a:fillRef>
+          <a:effectRef idx="0">
+            <a:schemeClr val="accent1"/>
+          </a:effectRef>
+          <a:fontRef idx="minor">
+            <a:schemeClr val="lt1"/>
+          </a:fontRef>
+        </p:style>
+      </p:sp>
+      <p:sp>
+        <p:nvSpPr>
+          <p:cNvPr id="9" name="Rectangle 8"/>
+          <p:cNvSpPr/>
+          <p:nvPr/>
+        </p:nvSpPr>
+        <p:spPr>
+          <a:xfrm>
+            <a:off x="4040071" y="0"/>
+            <a:ext cx="64008" cy="6858000"/>
+          </a:xfrm>
+          <a:prstGeom prst="rect">
+            <a:avLst/>
+          </a:prstGeom>
+          <a:solidFill>
+            <a:schemeClr val="accent1"/>
+          </a:solidFill>
+          <a:ln>
+            <a:noFill/>
+          </a:ln>
+        </p:spPr>
+        <p:style>
+          <a:lnRef idx="2">
+            <a:schemeClr val="accent1">
+              <a:shade val="50000"/>
+            </a:schemeClr>
+          </a:lnRef>
+          <a:fillRef idx="1">
+            <a:schemeClr val="accent1"/>
+          </a:fillRef>
+          <a:effectRef idx="0">
+            <a:schemeClr val="accent1"/>
+          </a:effectRef>
+          <a:fontRef idx="minor">
+            <a:schemeClr val="lt1"/>
+          </a:fontRef>
+        </p:style>
+      </p:sp>
+      <p:sp>
+        <p:nvSpPr>
+          <p:cNvPr id="2" name="Title 1"/>
+          <p:cNvSpPr>
+            <a:spLocks noGrp="1"/>
+          </p:cNvSpPr>
+          <p:nvPr>
+            <p:ph type="title"/>
+          </p:nvPr>
+        </p:nvSpPr>
+        <p:spPr>
+          <a:xfrm>
+            <a:off x="457200" y="594359"/>
+            <a:ext cx="3200400" cy="2286000"/>
           </a:xfrm>
         </p:spPr>
         <p:txBody>
-          <a:bodyPr anchor="b"/>
+          <a:bodyPr anchor="b">
+            <a:normAutofit/>
+          </a:bodyPr>
           <a:lstStyle>
             <a:lvl1pPr>
-              <a:defRPr sz="3200"/>
+              <a:defRPr sz="3600" b="0">
+                <a:solidFill>
+                  <a:srgbClr val="FFFFFF"/>
+                </a:solidFill>
+              </a:defRPr>
             </a:lvl1pPr>
           </a:lstStyle>
           <a:p>
@@ -1929,13 +3084,13 @@
               <a:rPr lang="cs-CZ" smtClean="0"/>
               <a:t>Kliknutím lze upravit styl.</a:t>
             </a:r>
-            <a:endParaRPr lang="cs-CZ"/>
-          </a:p>
-        </p:txBody>
-      </p:sp>
-      <p:sp>
-        <p:nvSpPr>
-          <p:cNvPr id="3" name="Zástupný symbol pro obsah 2"/>
+            <a:endParaRPr lang="en-US" dirty="0"/>
+          </a:p>
+        </p:txBody>
+      </p:sp>
+      <p:sp>
+        <p:nvSpPr>
+          <p:cNvPr id="3" name="Content Placeholder 2"/>
           <p:cNvSpPr>
             <a:spLocks noGrp="1"/>
           </p:cNvSpPr>
@@ -1945,200 +3100,208 @@
         </p:nvSpPr>
         <p:spPr>
           <a:xfrm>
-            <a:off x="5183188" y="987425"/>
-            <a:ext cx="6172200" cy="4873625"/>
+            <a:off x="4800600" y="731520"/>
+            <a:ext cx="6492240" cy="5257800"/>
           </a:xfrm>
         </p:spPr>
+        <p:txBody>
+          <a:bodyPr/>
+          <a:lstStyle/>
+          <a:p>
+            <a:pPr lvl="0"/>
+            <a:r>
+              <a:rPr lang="cs-CZ" smtClean="0"/>
+              <a:t>Upravte styly předlohy textu.</a:t>
+            </a:r>
+          </a:p>
+          <a:p>
+            <a:pPr lvl="1"/>
+            <a:r>
+              <a:rPr lang="cs-CZ" smtClean="0"/>
+              <a:t>Druhá úroveň</a:t>
+            </a:r>
+          </a:p>
+          <a:p>
+            <a:pPr lvl="2"/>
+            <a:r>
+              <a:rPr lang="cs-CZ" smtClean="0"/>
+              <a:t>Třetí úroveň</a:t>
+            </a:r>
+          </a:p>
+          <a:p>
+            <a:pPr lvl="3"/>
+            <a:r>
+              <a:rPr lang="cs-CZ" smtClean="0"/>
+              <a:t>Čtvrtá úroveň</a:t>
+            </a:r>
+          </a:p>
+          <a:p>
+            <a:pPr lvl="4"/>
+            <a:r>
+              <a:rPr lang="cs-CZ" smtClean="0"/>
+              <a:t>Pátá úroveň</a:t>
+            </a:r>
+            <a:endParaRPr lang="en-US" dirty="0"/>
+          </a:p>
+        </p:txBody>
+      </p:sp>
+      <p:sp>
+        <p:nvSpPr>
+          <p:cNvPr id="4" name="Text Placeholder 3"/>
+          <p:cNvSpPr>
+            <a:spLocks noGrp="1"/>
+          </p:cNvSpPr>
+          <p:nvPr>
+            <p:ph type="body" sz="half" idx="2"/>
+          </p:nvPr>
+        </p:nvSpPr>
+        <p:spPr>
+          <a:xfrm>
+            <a:off x="457200" y="2926080"/>
+            <a:ext cx="3200400" cy="3379124"/>
+          </a:xfrm>
+        </p:spPr>
+        <p:txBody>
+          <a:bodyPr lIns="91440" rIns="91440">
+            <a:normAutofit/>
+          </a:bodyPr>
+          <a:lstStyle>
+            <a:lvl1pPr marL="0" indent="0">
+              <a:buNone/>
+              <a:defRPr sz="1500">
+                <a:solidFill>
+                  <a:srgbClr val="FFFFFF"/>
+                </a:solidFill>
+              </a:defRPr>
+            </a:lvl1pPr>
+            <a:lvl2pPr marL="457200" indent="0">
+              <a:buNone/>
+              <a:defRPr sz="1200"/>
+            </a:lvl2pPr>
+            <a:lvl3pPr marL="914400" indent="0">
+              <a:buNone/>
+              <a:defRPr sz="1000"/>
+            </a:lvl3pPr>
+            <a:lvl4pPr marL="1371600" indent="0">
+              <a:buNone/>
+              <a:defRPr sz="900"/>
+            </a:lvl4pPr>
+            <a:lvl5pPr marL="1828800" indent="0">
+              <a:buNone/>
+              <a:defRPr sz="900"/>
+            </a:lvl5pPr>
+            <a:lvl6pPr marL="2286000" indent="0">
+              <a:buNone/>
+              <a:defRPr sz="900"/>
+            </a:lvl6pPr>
+            <a:lvl7pPr marL="2743200" indent="0">
+              <a:buNone/>
+              <a:defRPr sz="900"/>
+            </a:lvl7pPr>
+            <a:lvl8pPr marL="3200400" indent="0">
+              <a:buNone/>
+              <a:defRPr sz="900"/>
+            </a:lvl8pPr>
+            <a:lvl9pPr marL="3657600" indent="0">
+              <a:buNone/>
+              <a:defRPr sz="900"/>
+            </a:lvl9pPr>
+          </a:lstStyle>
+          <a:p>
+            <a:pPr lvl="0"/>
+            <a:r>
+              <a:rPr lang="cs-CZ" smtClean="0"/>
+              <a:t>Upravte styly předlohy textu.</a:t>
+            </a:r>
+          </a:p>
+        </p:txBody>
+      </p:sp>
+      <p:sp>
+        <p:nvSpPr>
+          <p:cNvPr id="5" name="Date Placeholder 4"/>
+          <p:cNvSpPr>
+            <a:spLocks noGrp="1"/>
+          </p:cNvSpPr>
+          <p:nvPr>
+            <p:ph type="dt" sz="half" idx="10"/>
+          </p:nvPr>
+        </p:nvSpPr>
+        <p:spPr>
+          <a:xfrm>
+            <a:off x="465512" y="6459785"/>
+            <a:ext cx="2618510" cy="365125"/>
+          </a:xfrm>
+        </p:spPr>
+        <p:txBody>
+          <a:bodyPr/>
+          <a:lstStyle>
+            <a:lvl1pPr algn="l">
+              <a:defRPr/>
+            </a:lvl1pPr>
+          </a:lstStyle>
+          <a:p>
+            <a:fld id="{8A589BF3-5163-42A2-8E5F-BBB623905AA2}" type="datetime1">
+              <a:rPr lang="cs-CZ" smtClean="0"/>
+              <a:t>03.11.2019</a:t>
+            </a:fld>
+            <a:endParaRPr lang="cs-CZ"/>
+          </a:p>
+        </p:txBody>
+      </p:sp>
+      <p:sp>
+        <p:nvSpPr>
+          <p:cNvPr id="6" name="Footer Placeholder 5"/>
+          <p:cNvSpPr>
+            <a:spLocks noGrp="1"/>
+          </p:cNvSpPr>
+          <p:nvPr>
+            <p:ph type="ftr" sz="quarter" idx="11"/>
+          </p:nvPr>
+        </p:nvSpPr>
+        <p:spPr>
+          <a:xfrm>
+            <a:off x="4800600" y="6459785"/>
+            <a:ext cx="4648200" cy="365125"/>
+          </a:xfrm>
+        </p:spPr>
+        <p:txBody>
+          <a:bodyPr/>
+          <a:lstStyle>
+            <a:lvl1pPr algn="l">
+              <a:defRPr>
+                <a:solidFill>
+                  <a:schemeClr val="tx2"/>
+                </a:solidFill>
+              </a:defRPr>
+            </a:lvl1pPr>
+          </a:lstStyle>
+          <a:p>
+            <a:endParaRPr lang="cs-CZ"/>
+          </a:p>
+        </p:txBody>
+      </p:sp>
+      <p:sp>
+        <p:nvSpPr>
+          <p:cNvPr id="7" name="Slide Number Placeholder 6"/>
+          <p:cNvSpPr>
+            <a:spLocks noGrp="1"/>
+          </p:cNvSpPr>
+          <p:nvPr>
+            <p:ph type="sldNum" sz="quarter" idx="12"/>
+          </p:nvPr>
+        </p:nvSpPr>
+        <p:spPr/>
         <p:txBody>
           <a:bodyPr/>
           <a:lstStyle>
             <a:lvl1pPr>
-              <a:defRPr sz="3200"/>
+              <a:defRPr>
+                <a:solidFill>
+                  <a:schemeClr val="tx2"/>
+                </a:solidFill>
+              </a:defRPr>
             </a:lvl1pPr>
-            <a:lvl2pPr>
-              <a:defRPr sz="2800"/>
-            </a:lvl2pPr>
-            <a:lvl3pPr>
-              <a:defRPr sz="2400"/>
-            </a:lvl3pPr>
-            <a:lvl4pPr>
-              <a:defRPr sz="2000"/>
-            </a:lvl4pPr>
-            <a:lvl5pPr>
-              <a:defRPr sz="2000"/>
-            </a:lvl5pPr>
-            <a:lvl6pPr>
-              <a:defRPr sz="2000"/>
-            </a:lvl6pPr>
-            <a:lvl7pPr>
-              <a:defRPr sz="2000"/>
-            </a:lvl7pPr>
-            <a:lvl8pPr>
-              <a:defRPr sz="2000"/>
-            </a:lvl8pPr>
-            <a:lvl9pPr>
-              <a:defRPr sz="2000"/>
-            </a:lvl9pPr>
           </a:lstStyle>
-          <a:p>
-            <a:pPr lvl="0"/>
-            <a:r>
-              <a:rPr lang="cs-CZ" smtClean="0"/>
-              <a:t>Upravte styly předlohy textu.</a:t>
-            </a:r>
-          </a:p>
-          <a:p>
-            <a:pPr lvl="1"/>
-            <a:r>
-              <a:rPr lang="cs-CZ" smtClean="0"/>
-              <a:t>Druhá úroveň</a:t>
-            </a:r>
-          </a:p>
-          <a:p>
-            <a:pPr lvl="2"/>
-            <a:r>
-              <a:rPr lang="cs-CZ" smtClean="0"/>
-              <a:t>Třetí úroveň</a:t>
-            </a:r>
-          </a:p>
-          <a:p>
-            <a:pPr lvl="3"/>
-            <a:r>
-              <a:rPr lang="cs-CZ" smtClean="0"/>
-              <a:t>Čtvrtá úroveň</a:t>
-            </a:r>
-          </a:p>
-          <a:p>
-            <a:pPr lvl="4"/>
-            <a:r>
-              <a:rPr lang="cs-CZ" smtClean="0"/>
-              <a:t>Pátá úroveň</a:t>
-            </a:r>
-            <a:endParaRPr lang="cs-CZ"/>
-          </a:p>
-        </p:txBody>
-      </p:sp>
-      <p:sp>
-        <p:nvSpPr>
-          <p:cNvPr id="4" name="Zástupný symbol pro text 3"/>
-          <p:cNvSpPr>
-            <a:spLocks noGrp="1"/>
-          </p:cNvSpPr>
-          <p:nvPr>
-            <p:ph type="body" sz="half" idx="2"/>
-          </p:nvPr>
-        </p:nvSpPr>
-        <p:spPr>
-          <a:xfrm>
-            <a:off x="839788" y="2057400"/>
-            <a:ext cx="3932237" cy="3811588"/>
-          </a:xfrm>
-        </p:spPr>
-        <p:txBody>
-          <a:bodyPr/>
-          <a:lstStyle>
-            <a:lvl1pPr marL="0" indent="0">
-              <a:buNone/>
-              <a:defRPr sz="1600"/>
-            </a:lvl1pPr>
-            <a:lvl2pPr marL="457200" indent="0">
-              <a:buNone/>
-              <a:defRPr sz="1400"/>
-            </a:lvl2pPr>
-            <a:lvl3pPr marL="914400" indent="0">
-              <a:buNone/>
-              <a:defRPr sz="1200"/>
-            </a:lvl3pPr>
-            <a:lvl4pPr marL="1371600" indent="0">
-              <a:buNone/>
-              <a:defRPr sz="1000"/>
-            </a:lvl4pPr>
-            <a:lvl5pPr marL="1828800" indent="0">
-              <a:buNone/>
-              <a:defRPr sz="1000"/>
-            </a:lvl5pPr>
-            <a:lvl6pPr marL="2286000" indent="0">
-              <a:buNone/>
-              <a:defRPr sz="1000"/>
-            </a:lvl6pPr>
-            <a:lvl7pPr marL="2743200" indent="0">
-              <a:buNone/>
-              <a:defRPr sz="1000"/>
-            </a:lvl7pPr>
-            <a:lvl8pPr marL="3200400" indent="0">
-              <a:buNone/>
-              <a:defRPr sz="1000"/>
-            </a:lvl8pPr>
-            <a:lvl9pPr marL="3657600" indent="0">
-              <a:buNone/>
-              <a:defRPr sz="1000"/>
-            </a:lvl9pPr>
-          </a:lstStyle>
-          <a:p>
-            <a:pPr lvl="0"/>
-            <a:r>
-              <a:rPr lang="cs-CZ" smtClean="0"/>
-              <a:t>Upravte styly předlohy textu.</a:t>
-            </a:r>
-          </a:p>
-        </p:txBody>
-      </p:sp>
-      <p:sp>
-        <p:nvSpPr>
-          <p:cNvPr id="5" name="Zástupný symbol pro datum 4"/>
-          <p:cNvSpPr>
-            <a:spLocks noGrp="1"/>
-          </p:cNvSpPr>
-          <p:nvPr>
-            <p:ph type="dt" sz="half" idx="10"/>
-          </p:nvPr>
-        </p:nvSpPr>
-        <p:spPr/>
-        <p:txBody>
-          <a:bodyPr/>
-          <a:lstStyle/>
-          <a:p>
-            <a:fld id="{A6F1EB30-63D5-4FC7-881E-359212295E2F}" type="datetimeFigureOut">
-              <a:rPr lang="cs-CZ" smtClean="0"/>
-              <a:t>31.10.2019</a:t>
-            </a:fld>
-            <a:endParaRPr lang="cs-CZ"/>
-          </a:p>
-        </p:txBody>
-      </p:sp>
-      <p:sp>
-        <p:nvSpPr>
-          <p:cNvPr id="6" name="Zástupný symbol pro zápatí 5"/>
-          <p:cNvSpPr>
-            <a:spLocks noGrp="1"/>
-          </p:cNvSpPr>
-          <p:nvPr>
-            <p:ph type="ftr" sz="quarter" idx="11"/>
-          </p:nvPr>
-        </p:nvSpPr>
-        <p:spPr/>
-        <p:txBody>
-          <a:bodyPr/>
-          <a:lstStyle/>
-          <a:p>
-            <a:endParaRPr lang="cs-CZ"/>
-          </a:p>
-        </p:txBody>
-      </p:sp>
-      <p:sp>
-        <p:nvSpPr>
-          <p:cNvPr id="7" name="Zástupný symbol pro číslo snímku 6"/>
-          <p:cNvSpPr>
-            <a:spLocks noGrp="1"/>
-          </p:cNvSpPr>
-          <p:nvPr>
-            <p:ph type="sldNum" sz="quarter" idx="12"/>
-          </p:nvPr>
-        </p:nvSpPr>
-        <p:spPr/>
-        <p:txBody>
-          <a:bodyPr/>
-          <a:lstStyle/>
           <a:p>
             <a:fld id="{D8B01677-E260-4E98-B77E-BB7A87F37343}" type="slidenum">
               <a:rPr lang="cs-CZ" smtClean="0"/>
@@ -2151,7 +3314,7 @@
     </p:spTree>
     <p:extLst>
       <p:ext uri="{BB962C8B-B14F-4D97-AF65-F5344CB8AC3E}">
-        <p14:creationId xmlns:p14="http://schemas.microsoft.com/office/powerpoint/2010/main" val="3255105524"/>
+        <p14:creationId xmlns:p14="http://schemas.microsoft.com/office/powerpoint/2010/main" val="3421068359"/>
       </p:ext>
     </p:extLst>
   </p:cSld>
@@ -2162,7 +3325,7 @@
 </file>
 
 <file path=ppt/slideLayouts/slideLayout9.xml><?xml version="1.0" encoding="utf-8"?>
-<p:sldLayout xmlns:a="http://schemas.openxmlformats.org/drawingml/2006/main" xmlns:r="http://schemas.openxmlformats.org/officeDocument/2006/relationships" xmlns:p="http://schemas.openxmlformats.org/presentationml/2006/main" type="picTx" preserve="1">
+<p:sldLayout xmlns:a="http://schemas.openxmlformats.org/drawingml/2006/main" xmlns:r="http://schemas.openxmlformats.org/officeDocument/2006/relationships" xmlns:p="http://schemas.openxmlformats.org/presentationml/2006/main" showMasterSp="0" type="picTx" preserve="1">
   <p:cSld name="Obrázek s titulkem">
     <p:spTree>
       <p:nvGrpSpPr>
@@ -2180,25 +3343,107 @@
       </p:grpSpPr>
       <p:sp>
         <p:nvSpPr>
-          <p:cNvPr id="2" name="Nadpis 1"/>
-          <p:cNvSpPr>
-            <a:spLocks noGrp="1"/>
-          </p:cNvSpPr>
-          <p:nvPr>
-            <p:ph type="title"/>
-          </p:nvPr>
+          <p:cNvPr id="8" name="Rectangle 7"/>
+          <p:cNvSpPr/>
+          <p:nvPr/>
         </p:nvSpPr>
         <p:spPr>
           <a:xfrm>
-            <a:off x="839788" y="457200"/>
-            <a:ext cx="3932237" cy="1600200"/>
+            <a:off x="0" y="4953000"/>
+            <a:ext cx="12188825" cy="1905000"/>
+          </a:xfrm>
+          <a:prstGeom prst="rect">
+            <a:avLst/>
+          </a:prstGeom>
+          <a:solidFill>
+            <a:schemeClr val="accent2"/>
+          </a:solidFill>
+          <a:ln>
+            <a:noFill/>
+          </a:ln>
+        </p:spPr>
+        <p:style>
+          <a:lnRef idx="2">
+            <a:schemeClr val="accent1">
+              <a:shade val="50000"/>
+            </a:schemeClr>
+          </a:lnRef>
+          <a:fillRef idx="1">
+            <a:schemeClr val="accent1"/>
+          </a:fillRef>
+          <a:effectRef idx="0">
+            <a:schemeClr val="accent1"/>
+          </a:effectRef>
+          <a:fontRef idx="minor">
+            <a:schemeClr val="lt1"/>
+          </a:fontRef>
+        </p:style>
+      </p:sp>
+      <p:sp>
+        <p:nvSpPr>
+          <p:cNvPr id="9" name="Rectangle 8"/>
+          <p:cNvSpPr/>
+          <p:nvPr/>
+        </p:nvSpPr>
+        <p:spPr>
+          <a:xfrm>
+            <a:off x="15" y="4915076"/>
+            <a:ext cx="12188825" cy="64008"/>
+          </a:xfrm>
+          <a:prstGeom prst="rect">
+            <a:avLst/>
+          </a:prstGeom>
+          <a:solidFill>
+            <a:schemeClr val="accent1"/>
+          </a:solidFill>
+          <a:ln>
+            <a:noFill/>
+          </a:ln>
+        </p:spPr>
+        <p:style>
+          <a:lnRef idx="2">
+            <a:schemeClr val="accent1">
+              <a:shade val="50000"/>
+            </a:schemeClr>
+          </a:lnRef>
+          <a:fillRef idx="1">
+            <a:schemeClr val="accent1"/>
+          </a:fillRef>
+          <a:effectRef idx="0">
+            <a:schemeClr val="accent1"/>
+          </a:effectRef>
+          <a:fontRef idx="minor">
+            <a:schemeClr val="lt1"/>
+          </a:fontRef>
+        </p:style>
+      </p:sp>
+      <p:sp>
+        <p:nvSpPr>
+          <p:cNvPr id="2" name="Title 1"/>
+          <p:cNvSpPr>
+            <a:spLocks noGrp="1"/>
+          </p:cNvSpPr>
+          <p:nvPr>
+            <p:ph type="title"/>
+          </p:nvPr>
+        </p:nvSpPr>
+        <p:spPr>
+          <a:xfrm>
+            <a:off x="1097280" y="5074920"/>
+            <a:ext cx="10113264" cy="822960"/>
           </a:xfrm>
         </p:spPr>
         <p:txBody>
-          <a:bodyPr anchor="b"/>
+          <a:bodyPr lIns="91440" tIns="0" rIns="91440" bIns="0" anchor="b">
+            <a:noAutofit/>
+          </a:bodyPr>
           <a:lstStyle>
             <a:lvl1pPr>
-              <a:defRPr sz="3200"/>
+              <a:defRPr sz="3600" b="0">
+                <a:solidFill>
+                  <a:srgbClr val="FFFFFF"/>
+                </a:solidFill>
+              </a:defRPr>
             </a:lvl1pPr>
           </a:lstStyle>
           <a:p>
@@ -2206,15 +3451,15 @@
               <a:rPr lang="cs-CZ" smtClean="0"/>
               <a:t>Kliknutím lze upravit styl.</a:t>
             </a:r>
-            <a:endParaRPr lang="cs-CZ"/>
-          </a:p>
-        </p:txBody>
-      </p:sp>
-      <p:sp>
-        <p:nvSpPr>
-          <p:cNvPr id="3" name="Zástupný symbol pro obrázek 2"/>
-          <p:cNvSpPr>
-            <a:spLocks noGrp="1"/>
+            <a:endParaRPr lang="en-US" dirty="0"/>
+          </a:p>
+        </p:txBody>
+      </p:sp>
+      <p:sp>
+        <p:nvSpPr>
+          <p:cNvPr id="3" name="Picture Placeholder 2"/>
+          <p:cNvSpPr>
+            <a:spLocks noGrp="1" noChangeAspect="1"/>
           </p:cNvSpPr>
           <p:nvPr>
             <p:ph type="pic" idx="1"/>
@@ -2222,16 +3467,26 @@
         </p:nvSpPr>
         <p:spPr>
           <a:xfrm>
-            <a:off x="5183188" y="987425"/>
-            <a:ext cx="6172200" cy="4873625"/>
+            <a:off x="15" y="0"/>
+            <a:ext cx="12191985" cy="4915076"/>
           </a:xfrm>
+          <a:blipFill>
+            <a:blip r:embed="rId2"/>
+            <a:stretch>
+              <a:fillRect/>
+            </a:stretch>
+          </a:blipFill>
         </p:spPr>
         <p:txBody>
-          <a:bodyPr/>
+          <a:bodyPr lIns="457200" tIns="457200" anchor="t"/>
           <a:lstStyle>
             <a:lvl1pPr marL="0" indent="0">
               <a:buNone/>
-              <a:defRPr sz="3200"/>
+              <a:defRPr sz="3200">
+                <a:solidFill>
+                  <a:schemeClr val="bg1"/>
+                </a:solidFill>
+              </a:defRPr>
             </a:lvl1pPr>
             <a:lvl2pPr marL="457200" indent="0">
               <a:buNone/>
@@ -2267,13 +3522,17 @@
             </a:lvl9pPr>
           </a:lstStyle>
           <a:p>
-            <a:endParaRPr lang="cs-CZ"/>
-          </a:p>
-        </p:txBody>
-      </p:sp>
-      <p:sp>
-        <p:nvSpPr>
-          <p:cNvPr id="4" name="Zástupný symbol pro text 3"/>
+            <a:r>
+              <a:rPr lang="cs-CZ" smtClean="0"/>
+              <a:t>Kliknutím na ikonu přidáte obrázek.</a:t>
+            </a:r>
+            <a:endParaRPr lang="en-US" dirty="0"/>
+          </a:p>
+        </p:txBody>
+      </p:sp>
+      <p:sp>
+        <p:nvSpPr>
+          <p:cNvPr id="4" name="Text Placeholder 3"/>
           <p:cNvSpPr>
             <a:spLocks noGrp="1"/>
           </p:cNvSpPr>
@@ -2283,48 +3542,60 @@
         </p:nvSpPr>
         <p:spPr>
           <a:xfrm>
-            <a:off x="839788" y="2057400"/>
-            <a:ext cx="3932237" cy="3811588"/>
+            <a:off x="1097280" y="5907023"/>
+            <a:ext cx="10113264" cy="594360"/>
           </a:xfrm>
         </p:spPr>
         <p:txBody>
-          <a:bodyPr/>
+          <a:bodyPr lIns="91440" tIns="0" rIns="91440" bIns="0">
+            <a:normAutofit/>
+          </a:bodyPr>
           <a:lstStyle>
             <a:lvl1pPr marL="0" indent="0">
+              <a:spcBef>
+                <a:spcPts val="0"/>
+              </a:spcBef>
+              <a:spcAft>
+                <a:spcPts val="600"/>
+              </a:spcAft>
               <a:buNone/>
-              <a:defRPr sz="1600"/>
+              <a:defRPr sz="1500">
+                <a:solidFill>
+                  <a:srgbClr val="FFFFFF"/>
+                </a:solidFill>
+              </a:defRPr>
             </a:lvl1pPr>
             <a:lvl2pPr marL="457200" indent="0">
               <a:buNone/>
-              <a:defRPr sz="1400"/>
+              <a:defRPr sz="1200"/>
             </a:lvl2pPr>
             <a:lvl3pPr marL="914400" indent="0">
               <a:buNone/>
-              <a:defRPr sz="1200"/>
+              <a:defRPr sz="1000"/>
             </a:lvl3pPr>
             <a:lvl4pPr marL="1371600" indent="0">
               <a:buNone/>
-              <a:defRPr sz="1000"/>
+              <a:defRPr sz="900"/>
             </a:lvl4pPr>
             <a:lvl5pPr marL="1828800" indent="0">
               <a:buNone/>
-              <a:defRPr sz="1000"/>
+              <a:defRPr sz="900"/>
             </a:lvl5pPr>
             <a:lvl6pPr marL="2286000" indent="0">
               <a:buNone/>
-              <a:defRPr sz="1000"/>
+              <a:defRPr sz="900"/>
             </a:lvl6pPr>
             <a:lvl7pPr marL="2743200" indent="0">
               <a:buNone/>
-              <a:defRPr sz="1000"/>
+              <a:defRPr sz="900"/>
             </a:lvl7pPr>
             <a:lvl8pPr marL="3200400" indent="0">
               <a:buNone/>
-              <a:defRPr sz="1000"/>
+              <a:defRPr sz="900"/>
             </a:lvl8pPr>
             <a:lvl9pPr marL="3657600" indent="0">
               <a:buNone/>
-              <a:defRPr sz="1000"/>
+              <a:defRPr sz="900"/>
             </a:lvl9pPr>
           </a:lstStyle>
           <a:p>
@@ -2338,7 +3609,7 @@
       </p:sp>
       <p:sp>
         <p:nvSpPr>
-          <p:cNvPr id="5" name="Zástupný symbol pro datum 4"/>
+          <p:cNvPr id="5" name="Date Placeholder 4"/>
           <p:cNvSpPr>
             <a:spLocks noGrp="1"/>
           </p:cNvSpPr>
@@ -2351,9 +3622,9 @@
           <a:bodyPr/>
           <a:lstStyle/>
           <a:p>
-            <a:fld id="{A6F1EB30-63D5-4FC7-881E-359212295E2F}" type="datetimeFigureOut">
-              <a:rPr lang="cs-CZ" smtClean="0"/>
-              <a:t>31.10.2019</a:t>
+            <a:fld id="{4E0288E6-CF60-489E-8B05-5B156EAD4FE4}" type="datetime1">
+              <a:rPr lang="cs-CZ" smtClean="0"/>
+              <a:t>03.11.2019</a:t>
             </a:fld>
             <a:endParaRPr lang="cs-CZ"/>
           </a:p>
@@ -2361,7 +3632,7 @@
       </p:sp>
       <p:sp>
         <p:nvSpPr>
-          <p:cNvPr id="6" name="Zástupný symbol pro zápatí 5"/>
+          <p:cNvPr id="6" name="Footer Placeholder 5"/>
           <p:cNvSpPr>
             <a:spLocks noGrp="1"/>
           </p:cNvSpPr>
@@ -2380,7 +3651,7 @@
       </p:sp>
       <p:sp>
         <p:nvSpPr>
-          <p:cNvPr id="7" name="Zástupný symbol pro číslo snímku 6"/>
+          <p:cNvPr id="7" name="Slide Number Placeholder 6"/>
           <p:cNvSpPr>
             <a:spLocks noGrp="1"/>
           </p:cNvSpPr>
@@ -2404,7 +3675,7 @@
     </p:spTree>
     <p:extLst>
       <p:ext uri="{BB962C8B-B14F-4D97-AF65-F5344CB8AC3E}">
-        <p14:creationId xmlns:p14="http://schemas.microsoft.com/office/powerpoint/2010/main" val="3435960525"/>
+        <p14:creationId xmlns:p14="http://schemas.microsoft.com/office/powerpoint/2010/main" val="872981470"/>
       </p:ext>
     </p:extLst>
   </p:cSld>
@@ -2438,25 +3709,101 @@
       </p:grpSpPr>
       <p:sp>
         <p:nvSpPr>
-          <p:cNvPr id="2" name="Zástupný symbol pro nadpis 1"/>
-          <p:cNvSpPr>
-            <a:spLocks noGrp="1"/>
-          </p:cNvSpPr>
-          <p:nvPr>
-            <p:ph type="title"/>
-          </p:nvPr>
+          <p:cNvPr id="7" name="Rectangle 6"/>
+          <p:cNvSpPr/>
+          <p:nvPr/>
         </p:nvSpPr>
         <p:spPr>
           <a:xfrm>
-            <a:off x="838200" y="365125"/>
-            <a:ext cx="10515600" cy="1325563"/>
+            <a:off x="1" y="6400800"/>
+            <a:ext cx="12192000" cy="457200"/>
+          </a:xfrm>
+          <a:prstGeom prst="rect">
+            <a:avLst/>
+          </a:prstGeom>
+          <a:solidFill>
+            <a:schemeClr val="accent2"/>
+          </a:solidFill>
+          <a:ln>
+            <a:noFill/>
+          </a:ln>
+        </p:spPr>
+        <p:style>
+          <a:lnRef idx="2">
+            <a:schemeClr val="accent1">
+              <a:shade val="50000"/>
+            </a:schemeClr>
+          </a:lnRef>
+          <a:fillRef idx="1">
+            <a:schemeClr val="accent1"/>
+          </a:fillRef>
+          <a:effectRef idx="0">
+            <a:schemeClr val="accent1"/>
+          </a:effectRef>
+          <a:fontRef idx="minor">
+            <a:schemeClr val="lt1"/>
+          </a:fontRef>
+        </p:style>
+      </p:sp>
+      <p:sp>
+        <p:nvSpPr>
+          <p:cNvPr id="9" name="Rectangle 8"/>
+          <p:cNvSpPr/>
+          <p:nvPr/>
+        </p:nvSpPr>
+        <p:spPr>
+          <a:xfrm>
+            <a:off x="0" y="6334316"/>
+            <a:ext cx="12192001" cy="65998"/>
+          </a:xfrm>
+          <a:prstGeom prst="rect">
+            <a:avLst/>
+          </a:prstGeom>
+          <a:solidFill>
+            <a:schemeClr val="accent1"/>
+          </a:solidFill>
+          <a:ln>
+            <a:noFill/>
+          </a:ln>
+        </p:spPr>
+        <p:style>
+          <a:lnRef idx="2">
+            <a:schemeClr val="accent1">
+              <a:shade val="50000"/>
+            </a:schemeClr>
+          </a:lnRef>
+          <a:fillRef idx="1">
+            <a:schemeClr val="accent1"/>
+          </a:fillRef>
+          <a:effectRef idx="0">
+            <a:schemeClr val="accent1"/>
+          </a:effectRef>
+          <a:fontRef idx="minor">
+            <a:schemeClr val="lt1"/>
+          </a:fontRef>
+        </p:style>
+      </p:sp>
+      <p:sp>
+        <p:nvSpPr>
+          <p:cNvPr id="2" name="Title Placeholder 1"/>
+          <p:cNvSpPr>
+            <a:spLocks noGrp="1"/>
+          </p:cNvSpPr>
+          <p:nvPr>
+            <p:ph type="title"/>
+          </p:nvPr>
+        </p:nvSpPr>
+        <p:spPr>
+          <a:xfrm>
+            <a:off x="1097280" y="286603"/>
+            <a:ext cx="10058400" cy="1450757"/>
           </a:xfrm>
           <a:prstGeom prst="rect">
             <a:avLst/>
           </a:prstGeom>
         </p:spPr>
         <p:txBody>
-          <a:bodyPr vert="horz" lIns="91440" tIns="45720" rIns="91440" bIns="45720" rtlCol="0" anchor="ctr">
+          <a:bodyPr vert="horz" lIns="91440" tIns="45720" rIns="91440" bIns="45720" rtlCol="0" anchor="b">
             <a:normAutofit/>
           </a:bodyPr>
           <a:lstStyle/>
@@ -2465,13 +3812,13 @@
               <a:rPr lang="cs-CZ" smtClean="0"/>
               <a:t>Kliknutím lze upravit styl.</a:t>
             </a:r>
-            <a:endParaRPr lang="cs-CZ"/>
-          </a:p>
-        </p:txBody>
-      </p:sp>
-      <p:sp>
-        <p:nvSpPr>
-          <p:cNvPr id="3" name="Zástupný symbol pro text 2"/>
+            <a:endParaRPr lang="en-US" dirty="0"/>
+          </a:p>
+        </p:txBody>
+      </p:sp>
+      <p:sp>
+        <p:nvSpPr>
+          <p:cNvPr id="3" name="Text Placeholder 2"/>
           <p:cNvSpPr>
             <a:spLocks noGrp="1"/>
           </p:cNvSpPr>
@@ -2481,15 +3828,15 @@
         </p:nvSpPr>
         <p:spPr>
           <a:xfrm>
-            <a:off x="838200" y="1825625"/>
-            <a:ext cx="10515600" cy="4351338"/>
+            <a:off x="1097280" y="1845734"/>
+            <a:ext cx="10058400" cy="4023360"/>
           </a:xfrm>
           <a:prstGeom prst="rect">
             <a:avLst/>
           </a:prstGeom>
         </p:spPr>
         <p:txBody>
-          <a:bodyPr vert="horz" lIns="91440" tIns="45720" rIns="91440" bIns="45720" rtlCol="0">
+          <a:bodyPr vert="horz" lIns="0" tIns="45720" rIns="0" bIns="45720" rtlCol="0">
             <a:normAutofit/>
           </a:bodyPr>
           <a:lstStyle/>
@@ -2527,13 +3874,13 @@
               <a:rPr lang="cs-CZ" smtClean="0"/>
               <a:t>Pátá úroveň</a:t>
             </a:r>
-            <a:endParaRPr lang="cs-CZ"/>
-          </a:p>
-        </p:txBody>
-      </p:sp>
-      <p:sp>
-        <p:nvSpPr>
-          <p:cNvPr id="4" name="Zástupný symbol pro datum 3"/>
+            <a:endParaRPr lang="en-US" dirty="0"/>
+          </a:p>
+        </p:txBody>
+      </p:sp>
+      <p:sp>
+        <p:nvSpPr>
+          <p:cNvPr id="4" name="Date Placeholder 3"/>
           <p:cNvSpPr>
             <a:spLocks noGrp="1"/>
           </p:cNvSpPr>
@@ -2543,8 +3890,8 @@
         </p:nvSpPr>
         <p:spPr>
           <a:xfrm>
-            <a:off x="838200" y="6356350"/>
-            <a:ext cx="2743200" cy="365125"/>
+            <a:off x="1097280" y="6459785"/>
+            <a:ext cx="2472271" cy="365125"/>
           </a:xfrm>
           <a:prstGeom prst="rect">
             <a:avLst/>
@@ -2554,19 +3901,17 @@
           <a:bodyPr vert="horz" lIns="91440" tIns="45720" rIns="91440" bIns="45720" rtlCol="0" anchor="ctr"/>
           <a:lstStyle>
             <a:lvl1pPr algn="l">
-              <a:defRPr sz="1200">
+              <a:defRPr sz="900">
                 <a:solidFill>
-                  <a:schemeClr val="tx1">
-                    <a:tint val="75000"/>
-                  </a:schemeClr>
+                  <a:srgbClr val="FFFFFF"/>
                 </a:solidFill>
               </a:defRPr>
             </a:lvl1pPr>
           </a:lstStyle>
           <a:p>
-            <a:fld id="{A6F1EB30-63D5-4FC7-881E-359212295E2F}" type="datetimeFigureOut">
-              <a:rPr lang="cs-CZ" smtClean="0"/>
-              <a:t>31.10.2019</a:t>
+            <a:fld id="{6A11A720-566C-432F-AC66-B37570E08CED}" type="datetime1">
+              <a:rPr lang="cs-CZ" smtClean="0"/>
+              <a:t>03.11.2019</a:t>
             </a:fld>
             <a:endParaRPr lang="cs-CZ"/>
           </a:p>
@@ -2574,7 +3919,7 @@
       </p:sp>
       <p:sp>
         <p:nvSpPr>
-          <p:cNvPr id="5" name="Zástupný symbol pro zápatí 4"/>
+          <p:cNvPr id="5" name="Footer Placeholder 4"/>
           <p:cNvSpPr>
             <a:spLocks noGrp="1"/>
           </p:cNvSpPr>
@@ -2584,8 +3929,8 @@
         </p:nvSpPr>
         <p:spPr>
           <a:xfrm>
-            <a:off x="4038600" y="6356350"/>
-            <a:ext cx="4114800" cy="365125"/>
+            <a:off x="3686185" y="6459785"/>
+            <a:ext cx="4822804" cy="365125"/>
           </a:xfrm>
           <a:prstGeom prst="rect">
             <a:avLst/>
@@ -2595,11 +3940,9 @@
           <a:bodyPr vert="horz" lIns="91440" tIns="45720" rIns="91440" bIns="45720" rtlCol="0" anchor="ctr"/>
           <a:lstStyle>
             <a:lvl1pPr algn="ctr">
-              <a:defRPr sz="1200">
+              <a:defRPr sz="900" cap="all" baseline="0">
                 <a:solidFill>
-                  <a:schemeClr val="tx1">
-                    <a:tint val="75000"/>
-                  </a:schemeClr>
+                  <a:srgbClr val="FFFFFF"/>
                 </a:solidFill>
               </a:defRPr>
             </a:lvl1pPr>
@@ -2611,7 +3954,7 @@
       </p:sp>
       <p:sp>
         <p:nvSpPr>
-          <p:cNvPr id="6" name="Zástupný symbol pro číslo snímku 5"/>
+          <p:cNvPr id="6" name="Slide Number Placeholder 5"/>
           <p:cNvSpPr>
             <a:spLocks noGrp="1"/>
           </p:cNvSpPr>
@@ -2621,8 +3964,8 @@
         </p:nvSpPr>
         <p:spPr>
           <a:xfrm>
-            <a:off x="8610600" y="6356350"/>
-            <a:ext cx="2743200" cy="365125"/>
+            <a:off x="9900458" y="6459785"/>
+            <a:ext cx="1312025" cy="365125"/>
           </a:xfrm>
           <a:prstGeom prst="rect">
             <a:avLst/>
@@ -2632,11 +3975,9 @@
           <a:bodyPr vert="horz" lIns="91440" tIns="45720" rIns="91440" bIns="45720" rtlCol="0" anchor="ctr"/>
           <a:lstStyle>
             <a:lvl1pPr algn="r">
-              <a:defRPr sz="1200">
+              <a:defRPr sz="1050">
                 <a:solidFill>
-                  <a:schemeClr val="tx1">
-                    <a:tint val="75000"/>
-                  </a:schemeClr>
+                  <a:srgbClr val="FFFFFF"/>
                 </a:solidFill>
               </a:defRPr>
             </a:lvl1pPr>
@@ -2650,40 +3991,82 @@
           </a:p>
         </p:txBody>
       </p:sp>
+      <p:cxnSp>
+        <p:nvCxnSpPr>
+          <p:cNvPr id="10" name="Straight Connector 9"/>
+          <p:cNvCxnSpPr/>
+          <p:nvPr/>
+        </p:nvCxnSpPr>
+        <p:spPr>
+          <a:xfrm>
+            <a:off x="1193532" y="1737845"/>
+            <a:ext cx="9966960" cy="0"/>
+          </a:xfrm>
+          <a:prstGeom prst="line">
+            <a:avLst/>
+          </a:prstGeom>
+          <a:ln w="6350">
+            <a:solidFill>
+              <a:schemeClr val="tx1">
+                <a:lumMod val="50000"/>
+                <a:lumOff val="50000"/>
+              </a:schemeClr>
+            </a:solidFill>
+          </a:ln>
+        </p:spPr>
+        <p:style>
+          <a:lnRef idx="1">
+            <a:schemeClr val="accent1"/>
+          </a:lnRef>
+          <a:fillRef idx="0">
+            <a:schemeClr val="accent1"/>
+          </a:fillRef>
+          <a:effectRef idx="0">
+            <a:schemeClr val="accent1"/>
+          </a:effectRef>
+          <a:fontRef idx="minor">
+            <a:schemeClr val="tx1"/>
+          </a:fontRef>
+        </p:style>
+      </p:cxnSp>
     </p:spTree>
     <p:extLst>
       <p:ext uri="{BB962C8B-B14F-4D97-AF65-F5344CB8AC3E}">
-        <p14:creationId xmlns:p14="http://schemas.microsoft.com/office/powerpoint/2010/main" val="2672984005"/>
+        <p14:creationId xmlns:p14="http://schemas.microsoft.com/office/powerpoint/2010/main" val="3299845376"/>
       </p:ext>
     </p:extLst>
   </p:cSld>
   <p:clrMap bg1="lt1" tx1="dk1" bg2="lt2" tx2="dk2" accent1="accent1" accent2="accent2" accent3="accent3" accent4="accent4" accent5="accent5" accent6="accent6" hlink="hlink" folHlink="folHlink"/>
   <p:sldLayoutIdLst>
-    <p:sldLayoutId id="2147483649" r:id="rId1"/>
-    <p:sldLayoutId id="2147483650" r:id="rId2"/>
-    <p:sldLayoutId id="2147483651" r:id="rId3"/>
-    <p:sldLayoutId id="2147483652" r:id="rId4"/>
-    <p:sldLayoutId id="2147483653" r:id="rId5"/>
-    <p:sldLayoutId id="2147483654" r:id="rId6"/>
-    <p:sldLayoutId id="2147483655" r:id="rId7"/>
-    <p:sldLayoutId id="2147483656" r:id="rId8"/>
-    <p:sldLayoutId id="2147483657" r:id="rId9"/>
-    <p:sldLayoutId id="2147483658" r:id="rId10"/>
-    <p:sldLayoutId id="2147483659" r:id="rId11"/>
+    <p:sldLayoutId id="2147483691" r:id="rId1"/>
+    <p:sldLayoutId id="2147483692" r:id="rId2"/>
+    <p:sldLayoutId id="2147483693" r:id="rId3"/>
+    <p:sldLayoutId id="2147483694" r:id="rId4"/>
+    <p:sldLayoutId id="2147483695" r:id="rId5"/>
+    <p:sldLayoutId id="2147483696" r:id="rId6"/>
+    <p:sldLayoutId id="2147483697" r:id="rId7"/>
+    <p:sldLayoutId id="2147483698" r:id="rId8"/>
+    <p:sldLayoutId id="2147483699" r:id="rId9"/>
+    <p:sldLayoutId id="2147483700" r:id="rId10"/>
+    <p:sldLayoutId id="2147483701" r:id="rId11"/>
   </p:sldLayoutIdLst>
+  <p:hf hdr="0" ftr="0" dt="0"/>
   <p:txStyles>
     <p:titleStyle>
       <a:lvl1pPr algn="l" defTabSz="914400" rtl="0" eaLnBrk="1" latinLnBrk="0" hangingPunct="1">
         <a:lnSpc>
-          <a:spcPct val="90000"/>
+          <a:spcPct val="85000"/>
         </a:lnSpc>
         <a:spcBef>
           <a:spcPct val="0"/>
         </a:spcBef>
         <a:buNone/>
-        <a:defRPr sz="4400" kern="1200">
+        <a:defRPr sz="4800" kern="1200" spc="-50" baseline="0">
           <a:solidFill>
-            <a:schemeClr val="tx1"/>
+            <a:schemeClr val="tx1">
+              <a:lumMod val="75000"/>
+              <a:lumOff val="25000"/>
+            </a:schemeClr>
           </a:solidFill>
           <a:latin typeface="+mj-lt"/>
           <a:ea typeface="+mj-ea"/>
@@ -2692,162 +4075,244 @@
       </a:lvl1pPr>
     </p:titleStyle>
     <p:bodyStyle>
-      <a:lvl1pPr marL="228600" indent="-228600" algn="l" defTabSz="914400" rtl="0" eaLnBrk="1" latinLnBrk="0" hangingPunct="1">
+      <a:lvl1pPr marL="91440" indent="-91440" algn="l" defTabSz="914400" rtl="0" eaLnBrk="1" latinLnBrk="0" hangingPunct="1">
         <a:lnSpc>
           <a:spcPct val="90000"/>
         </a:lnSpc>
         <a:spcBef>
-          <a:spcPts val="1000"/>
+          <a:spcPts val="1200"/>
         </a:spcBef>
-        <a:buFont typeface="Arial" panose="020B0604020202020204" pitchFamily="34" charset="0"/>
-        <a:buChar char="•"/>
-        <a:defRPr sz="2800" kern="1200">
+        <a:spcAft>
+          <a:spcPts val="200"/>
+        </a:spcAft>
+        <a:buClr>
+          <a:schemeClr val="accent1"/>
+        </a:buClr>
+        <a:buSzPct val="100000"/>
+        <a:buFont typeface="Calibri" panose="020F0502020204030204" pitchFamily="34" charset="0"/>
+        <a:buChar char=" "/>
+        <a:defRPr sz="2000" kern="1200">
           <a:solidFill>
-            <a:schemeClr val="tx1"/>
+            <a:schemeClr val="tx1">
+              <a:lumMod val="75000"/>
+              <a:lumOff val="25000"/>
+            </a:schemeClr>
           </a:solidFill>
           <a:latin typeface="+mn-lt"/>
           <a:ea typeface="+mn-ea"/>
           <a:cs typeface="+mn-cs"/>
         </a:defRPr>
       </a:lvl1pPr>
-      <a:lvl2pPr marL="685800" indent="-228600" algn="l" defTabSz="914400" rtl="0" eaLnBrk="1" latinLnBrk="0" hangingPunct="1">
+      <a:lvl2pPr marL="384048" indent="-182880" algn="l" defTabSz="914400" rtl="0" eaLnBrk="1" latinLnBrk="0" hangingPunct="1">
         <a:lnSpc>
           <a:spcPct val="90000"/>
         </a:lnSpc>
         <a:spcBef>
-          <a:spcPts val="500"/>
+          <a:spcPts val="200"/>
         </a:spcBef>
-        <a:buFont typeface="Arial" panose="020B0604020202020204" pitchFamily="34" charset="0"/>
-        <a:buChar char="•"/>
-        <a:defRPr sz="2400" kern="1200">
+        <a:spcAft>
+          <a:spcPts val="400"/>
+        </a:spcAft>
+        <a:buClr>
+          <a:schemeClr val="accent1"/>
+        </a:buClr>
+        <a:buFont typeface="Calibri" pitchFamily="34" charset="0"/>
+        <a:buChar char="◦"/>
+        <a:defRPr sz="1800" kern="1200">
           <a:solidFill>
-            <a:schemeClr val="tx1"/>
+            <a:schemeClr val="tx1">
+              <a:lumMod val="75000"/>
+              <a:lumOff val="25000"/>
+            </a:schemeClr>
           </a:solidFill>
           <a:latin typeface="+mn-lt"/>
           <a:ea typeface="+mn-ea"/>
           <a:cs typeface="+mn-cs"/>
         </a:defRPr>
       </a:lvl2pPr>
-      <a:lvl3pPr marL="1143000" indent="-228600" algn="l" defTabSz="914400" rtl="0" eaLnBrk="1" latinLnBrk="0" hangingPunct="1">
+      <a:lvl3pPr marL="566928" indent="-182880" algn="l" defTabSz="914400" rtl="0" eaLnBrk="1" latinLnBrk="0" hangingPunct="1">
         <a:lnSpc>
           <a:spcPct val="90000"/>
         </a:lnSpc>
         <a:spcBef>
-          <a:spcPts val="500"/>
+          <a:spcPts val="200"/>
         </a:spcBef>
-        <a:buFont typeface="Arial" panose="020B0604020202020204" pitchFamily="34" charset="0"/>
-        <a:buChar char="•"/>
-        <a:defRPr sz="2000" kern="1200">
+        <a:spcAft>
+          <a:spcPts val="400"/>
+        </a:spcAft>
+        <a:buClr>
+          <a:schemeClr val="accent1"/>
+        </a:buClr>
+        <a:buFont typeface="Calibri" pitchFamily="34" charset="0"/>
+        <a:buChar char="◦"/>
+        <a:defRPr sz="1400" kern="1200">
           <a:solidFill>
-            <a:schemeClr val="tx1"/>
+            <a:schemeClr val="tx1">
+              <a:lumMod val="75000"/>
+              <a:lumOff val="25000"/>
+            </a:schemeClr>
           </a:solidFill>
           <a:latin typeface="+mn-lt"/>
           <a:ea typeface="+mn-ea"/>
           <a:cs typeface="+mn-cs"/>
         </a:defRPr>
       </a:lvl3pPr>
-      <a:lvl4pPr marL="1600200" indent="-228600" algn="l" defTabSz="914400" rtl="0" eaLnBrk="1" latinLnBrk="0" hangingPunct="1">
+      <a:lvl4pPr marL="749808" indent="-182880" algn="l" defTabSz="914400" rtl="0" eaLnBrk="1" latinLnBrk="0" hangingPunct="1">
         <a:lnSpc>
           <a:spcPct val="90000"/>
         </a:lnSpc>
         <a:spcBef>
-          <a:spcPts val="500"/>
+          <a:spcPts val="200"/>
         </a:spcBef>
-        <a:buFont typeface="Arial" panose="020B0604020202020204" pitchFamily="34" charset="0"/>
-        <a:buChar char="•"/>
-        <a:defRPr sz="1800" kern="1200">
+        <a:spcAft>
+          <a:spcPts val="400"/>
+        </a:spcAft>
+        <a:buClr>
+          <a:schemeClr val="accent1"/>
+        </a:buClr>
+        <a:buFont typeface="Calibri" pitchFamily="34" charset="0"/>
+        <a:buChar char="◦"/>
+        <a:defRPr sz="1400" kern="1200">
           <a:solidFill>
-            <a:schemeClr val="tx1"/>
+            <a:schemeClr val="tx1">
+              <a:lumMod val="75000"/>
+              <a:lumOff val="25000"/>
+            </a:schemeClr>
           </a:solidFill>
           <a:latin typeface="+mn-lt"/>
           <a:ea typeface="+mn-ea"/>
           <a:cs typeface="+mn-cs"/>
         </a:defRPr>
       </a:lvl4pPr>
-      <a:lvl5pPr marL="2057400" indent="-228600" algn="l" defTabSz="914400" rtl="0" eaLnBrk="1" latinLnBrk="0" hangingPunct="1">
+      <a:lvl5pPr marL="932688" indent="-182880" algn="l" defTabSz="914400" rtl="0" eaLnBrk="1" latinLnBrk="0" hangingPunct="1">
         <a:lnSpc>
           <a:spcPct val="90000"/>
         </a:lnSpc>
         <a:spcBef>
-          <a:spcPts val="500"/>
+          <a:spcPts val="200"/>
         </a:spcBef>
-        <a:buFont typeface="Arial" panose="020B0604020202020204" pitchFamily="34" charset="0"/>
-        <a:buChar char="•"/>
-        <a:defRPr sz="1800" kern="1200">
+        <a:spcAft>
+          <a:spcPts val="400"/>
+        </a:spcAft>
+        <a:buClr>
+          <a:schemeClr val="accent1"/>
+        </a:buClr>
+        <a:buFont typeface="Calibri" pitchFamily="34" charset="0"/>
+        <a:buChar char="◦"/>
+        <a:defRPr sz="1400" kern="1200">
           <a:solidFill>
-            <a:schemeClr val="tx1"/>
+            <a:schemeClr val="tx1">
+              <a:lumMod val="75000"/>
+              <a:lumOff val="25000"/>
+            </a:schemeClr>
           </a:solidFill>
           <a:latin typeface="+mn-lt"/>
           <a:ea typeface="+mn-ea"/>
           <a:cs typeface="+mn-cs"/>
         </a:defRPr>
       </a:lvl5pPr>
-      <a:lvl6pPr marL="2514600" indent="-228600" algn="l" defTabSz="914400" rtl="0" eaLnBrk="1" latinLnBrk="0" hangingPunct="1">
+      <a:lvl6pPr marL="1100000" indent="-228600" algn="l" defTabSz="914400" rtl="0" eaLnBrk="1" latinLnBrk="0" hangingPunct="1">
         <a:lnSpc>
           <a:spcPct val="90000"/>
         </a:lnSpc>
         <a:spcBef>
-          <a:spcPts val="500"/>
+          <a:spcPts val="200"/>
         </a:spcBef>
-        <a:buFont typeface="Arial" panose="020B0604020202020204" pitchFamily="34" charset="0"/>
-        <a:buChar char="•"/>
-        <a:defRPr sz="1800" kern="1200">
+        <a:spcAft>
+          <a:spcPts val="400"/>
+        </a:spcAft>
+        <a:buClr>
+          <a:schemeClr val="accent1"/>
+        </a:buClr>
+        <a:buFont typeface="Calibri" pitchFamily="34" charset="0"/>
+        <a:buChar char="◦"/>
+        <a:defRPr sz="1400" kern="1200">
           <a:solidFill>
-            <a:schemeClr val="tx1"/>
+            <a:schemeClr val="tx1">
+              <a:lumMod val="75000"/>
+              <a:lumOff val="25000"/>
+            </a:schemeClr>
           </a:solidFill>
           <a:latin typeface="+mn-lt"/>
           <a:ea typeface="+mn-ea"/>
           <a:cs typeface="+mn-cs"/>
         </a:defRPr>
       </a:lvl6pPr>
-      <a:lvl7pPr marL="2971800" indent="-228600" algn="l" defTabSz="914400" rtl="0" eaLnBrk="1" latinLnBrk="0" hangingPunct="1">
+      <a:lvl7pPr marL="1300000" indent="-228600" algn="l" defTabSz="914400" rtl="0" eaLnBrk="1" latinLnBrk="0" hangingPunct="1">
         <a:lnSpc>
           <a:spcPct val="90000"/>
         </a:lnSpc>
         <a:spcBef>
-          <a:spcPts val="500"/>
+          <a:spcPts val="200"/>
         </a:spcBef>
-        <a:buFont typeface="Arial" panose="020B0604020202020204" pitchFamily="34" charset="0"/>
-        <a:buChar char="•"/>
-        <a:defRPr sz="1800" kern="1200">
+        <a:spcAft>
+          <a:spcPts val="400"/>
+        </a:spcAft>
+        <a:buClr>
+          <a:schemeClr val="accent1"/>
+        </a:buClr>
+        <a:buFont typeface="Calibri" pitchFamily="34" charset="0"/>
+        <a:buChar char="◦"/>
+        <a:defRPr sz="1400" kern="1200">
           <a:solidFill>
-            <a:schemeClr val="tx1"/>
+            <a:schemeClr val="tx1">
+              <a:lumMod val="75000"/>
+              <a:lumOff val="25000"/>
+            </a:schemeClr>
           </a:solidFill>
           <a:latin typeface="+mn-lt"/>
           <a:ea typeface="+mn-ea"/>
           <a:cs typeface="+mn-cs"/>
         </a:defRPr>
       </a:lvl7pPr>
-      <a:lvl8pPr marL="3429000" indent="-228600" algn="l" defTabSz="914400" rtl="0" eaLnBrk="1" latinLnBrk="0" hangingPunct="1">
+      <a:lvl8pPr marL="1500000" indent="-228600" algn="l" defTabSz="914400" rtl="0" eaLnBrk="1" latinLnBrk="0" hangingPunct="1">
         <a:lnSpc>
           <a:spcPct val="90000"/>
         </a:lnSpc>
         <a:spcBef>
-          <a:spcPts val="500"/>
+          <a:spcPts val="200"/>
         </a:spcBef>
-        <a:buFont typeface="Arial" panose="020B0604020202020204" pitchFamily="34" charset="0"/>
-        <a:buChar char="•"/>
-        <a:defRPr sz="1800" kern="1200">
+        <a:spcAft>
+          <a:spcPts val="400"/>
+        </a:spcAft>
+        <a:buClr>
+          <a:schemeClr val="accent1"/>
+        </a:buClr>
+        <a:buFont typeface="Calibri" pitchFamily="34" charset="0"/>
+        <a:buChar char="◦"/>
+        <a:defRPr sz="1400" kern="1200">
           <a:solidFill>
-            <a:schemeClr val="tx1"/>
+            <a:schemeClr val="tx1">
+              <a:lumMod val="75000"/>
+              <a:lumOff val="25000"/>
+            </a:schemeClr>
           </a:solidFill>
           <a:latin typeface="+mn-lt"/>
           <a:ea typeface="+mn-ea"/>
           <a:cs typeface="+mn-cs"/>
         </a:defRPr>
       </a:lvl8pPr>
-      <a:lvl9pPr marL="3886200" indent="-228600" algn="l" defTabSz="914400" rtl="0" eaLnBrk="1" latinLnBrk="0" hangingPunct="1">
+      <a:lvl9pPr marL="1700000" indent="-228600" algn="l" defTabSz="914400" rtl="0" eaLnBrk="1" latinLnBrk="0" hangingPunct="1">
         <a:lnSpc>
           <a:spcPct val="90000"/>
         </a:lnSpc>
         <a:spcBef>
-          <a:spcPts val="500"/>
+          <a:spcPts val="200"/>
         </a:spcBef>
-        <a:buFont typeface="Arial" panose="020B0604020202020204" pitchFamily="34" charset="0"/>
-        <a:buChar char="•"/>
-        <a:defRPr sz="1800" kern="1200">
+        <a:spcAft>
+          <a:spcPts val="400"/>
+        </a:spcAft>
+        <a:buClr>
+          <a:schemeClr val="accent1"/>
+        </a:buClr>
+        <a:buFont typeface="Calibri" pitchFamily="34" charset="0"/>
+        <a:buChar char="◦"/>
+        <a:defRPr sz="1400" kern="1200">
           <a:solidFill>
-            <a:schemeClr val="tx1"/>
+            <a:schemeClr val="tx1">
+              <a:lumMod val="75000"/>
+              <a:lumOff val="25000"/>
+            </a:schemeClr>
           </a:solidFill>
           <a:latin typeface="+mn-lt"/>
           <a:ea typeface="+mn-ea"/>
@@ -2857,7 +4322,7 @@
     </p:bodyStyle>
     <p:otherStyle>
       <a:defPPr>
-        <a:defRPr lang="cs-CZ"/>
+        <a:defRPr lang="en-US"/>
       </a:defPPr>
       <a:lvl1pPr marL="0" algn="l" defTabSz="914400" rtl="0" eaLnBrk="1" latinLnBrk="0" hangingPunct="1">
         <a:defRPr sz="1800" kern="1200">
@@ -2981,16 +4446,59 @@
             <p:ph type="ctrTitle"/>
           </p:nvPr>
         </p:nvSpPr>
-        <p:spPr/>
+        <p:spPr>
+          <a:xfrm>
+            <a:off x="1097280" y="621792"/>
+            <a:ext cx="10058400" cy="3703320"/>
+          </a:xfrm>
+        </p:spPr>
         <p:txBody>
           <a:bodyPr/>
           <a:lstStyle/>
           <a:p>
-            <a:r>
-              <a:rPr lang="cs-CZ" dirty="0" smtClean="0"/>
+            <a:pPr>
+              <a:tabLst>
+                <a:tab pos="7351713" algn="l"/>
+              </a:tabLst>
+            </a:pPr>
+            <a:r>
+              <a:rPr lang="cs-CZ" sz="7000" dirty="0"/>
+              <a:t>Tvorba překladače zvoleného </a:t>
+            </a:r>
+            <a:r>
+              <a:rPr lang="cs-CZ" sz="7000" dirty="0" smtClean="0"/>
+              <a:t>jazyka</a:t>
+            </a:r>
+            <a:br>
+              <a:rPr lang="cs-CZ" sz="7000" dirty="0" smtClean="0"/>
+            </a:br>
+            <a:r>
+              <a:rPr lang="cs-CZ" sz="2000" dirty="0"/>
+              <a:t> </a:t>
+            </a:r>
+            <a:r>
+              <a:rPr lang="cs-CZ" dirty="0"/>
+              <a:t/>
+            </a:r>
+            <a:br>
+              <a:rPr lang="cs-CZ" dirty="0"/>
+            </a:br>
+            <a:r>
+              <a:rPr lang="cs-CZ" sz="4000" dirty="0" smtClean="0"/>
               <a:t>KIV/FJP</a:t>
             </a:r>
-            <a:endParaRPr lang="cs-CZ" dirty="0"/>
+            <a:br>
+              <a:rPr lang="cs-CZ" sz="4000" dirty="0" smtClean="0"/>
+            </a:br>
+            <a:r>
+              <a:rPr lang="cs-CZ" sz="1000" dirty="0"/>
+              <a:t> </a:t>
+            </a:r>
+            <a:r>
+              <a:rPr lang="cs-CZ" sz="700" dirty="0" smtClean="0"/>
+              <a:t> </a:t>
+            </a:r>
+            <a:endParaRPr lang="cs-CZ" sz="4000" dirty="0"/>
           </a:p>
         </p:txBody>
       </p:sp>
@@ -3011,7 +4519,17 @@
           <a:p>
             <a:r>
               <a:rPr lang="cs-CZ" dirty="0" smtClean="0"/>
-              <a:t>Jitka Poubová, Zdeněk Častorál</a:t>
+              <a:t>Jitka Poubová, Zdeněk </a:t>
+            </a:r>
+            <a:r>
+              <a:rPr lang="cs-CZ" dirty="0" smtClean="0"/>
+              <a:t>Častorál</a:t>
+            </a:r>
+          </a:p>
+          <a:p>
+            <a:r>
+              <a:rPr lang="cs-CZ" dirty="0" smtClean="0"/>
+              <a:t>4.11.2019</a:t>
             </a:r>
             <a:endParaRPr lang="cs-CZ" dirty="0"/>
           </a:p>
@@ -3027,6 +4545,1031 @@
   <p:clrMapOvr>
     <a:masterClrMapping/>
   </p:clrMapOvr>
+  <p:timing>
+    <p:tnLst>
+      <p:par>
+        <p:cTn id="1" dur="indefinite" restart="never" nodeType="tmRoot"/>
+      </p:par>
+    </p:tnLst>
+  </p:timing>
+</p:sld>
+</file>
+
+<file path=ppt/slides/slide10.xml><?xml version="1.0" encoding="utf-8"?>
+<p:sld xmlns:a="http://schemas.openxmlformats.org/drawingml/2006/main" xmlns:r="http://schemas.openxmlformats.org/officeDocument/2006/relationships" xmlns:p="http://schemas.openxmlformats.org/presentationml/2006/main">
+  <p:cSld>
+    <p:spTree>
+      <p:nvGrpSpPr>
+        <p:cNvPr id="1" name=""/>
+        <p:cNvGrpSpPr/>
+        <p:nvPr/>
+      </p:nvGrpSpPr>
+      <p:grpSpPr>
+        <a:xfrm>
+          <a:off x="0" y="0"/>
+          <a:ext cx="0" cy="0"/>
+          <a:chOff x="0" y="0"/>
+          <a:chExt cx="0" cy="0"/>
+        </a:xfrm>
+      </p:grpSpPr>
+      <p:sp>
+        <p:nvSpPr>
+          <p:cNvPr id="2" name="Nadpis 1"/>
+          <p:cNvSpPr>
+            <a:spLocks noGrp="1"/>
+          </p:cNvSpPr>
+          <p:nvPr>
+            <p:ph type="title"/>
+          </p:nvPr>
+        </p:nvSpPr>
+        <p:spPr/>
+        <p:txBody>
+          <a:bodyPr/>
+          <a:lstStyle/>
+          <a:p>
+            <a:r>
+              <a:rPr lang="cs-CZ" dirty="0" smtClean="0"/>
+              <a:t>Instrukční sada 2</a:t>
+            </a:r>
+            <a:endParaRPr lang="cs-CZ" dirty="0"/>
+          </a:p>
+        </p:txBody>
+      </p:sp>
+      <p:graphicFrame>
+        <p:nvGraphicFramePr>
+          <p:cNvPr id="4" name="Zástupný symbol pro obsah 3"/>
+          <p:cNvGraphicFramePr>
+            <a:graphicFrameLocks noGrp="1"/>
+          </p:cNvGraphicFramePr>
+          <p:nvPr>
+            <p:ph idx="1"/>
+            <p:extLst>
+              <p:ext uri="{D42A27DB-BD31-4B8C-83A1-F6EECF244321}">
+                <p14:modId xmlns:p14="http://schemas.microsoft.com/office/powerpoint/2010/main" val="1177593967"/>
+              </p:ext>
+            </p:extLst>
+          </p:nvPr>
+        </p:nvGraphicFramePr>
+        <p:xfrm>
+          <a:off x="2299731" y="1915711"/>
+          <a:ext cx="7653497" cy="3888000"/>
+        </p:xfrm>
+        <a:graphic>
+          <a:graphicData uri="http://schemas.openxmlformats.org/drawingml/2006/table">
+            <a:tbl>
+              <a:tblPr firstRow="1" bandRow="1">
+                <a:tableStyleId>{5C22544A-7EE6-4342-B048-85BDC9FD1C3A}</a:tableStyleId>
+              </a:tblPr>
+              <a:tblGrid>
+                <a:gridCol w="1602715">
+                  <a:extLst>
+                    <a:ext uri="{9D8B030D-6E8A-4147-A177-3AD203B41FA5}">
+                      <a16:colId xmlns:a16="http://schemas.microsoft.com/office/drawing/2014/main" val="4286658793"/>
+                    </a:ext>
+                  </a:extLst>
+                </a:gridCol>
+                <a:gridCol w="6050782">
+                  <a:extLst>
+                    <a:ext uri="{9D8B030D-6E8A-4147-A177-3AD203B41FA5}">
+                      <a16:colId xmlns:a16="http://schemas.microsoft.com/office/drawing/2014/main" val="2219233196"/>
+                    </a:ext>
+                  </a:extLst>
+                </a:gridCol>
+              </a:tblGrid>
+              <a:tr h="324000">
+                <a:tc>
+                  <a:txBody>
+                    <a:bodyPr/>
+                    <a:lstStyle/>
+                    <a:p>
+                      <a:pPr marL="450850" marR="0" indent="-184150" algn="l" defTabSz="914400" rtl="0" eaLnBrk="1" fontAlgn="auto" latinLnBrk="0" hangingPunct="1">
+                        <a:lnSpc>
+                          <a:spcPct val="100000"/>
+                        </a:lnSpc>
+                        <a:spcBef>
+                          <a:spcPts val="0"/>
+                        </a:spcBef>
+                        <a:spcAft>
+                          <a:spcPts val="0"/>
+                        </a:spcAft>
+                        <a:buClrTx/>
+                        <a:buSzTx/>
+                        <a:buFontTx/>
+                        <a:buNone/>
+                        <a:tabLst/>
+                        <a:defRPr/>
+                      </a:pPr>
+                      <a:r>
+                        <a:rPr lang="cs-CZ" sz="1500" b="0" kern="1200" dirty="0" err="1" smtClean="0">
+                          <a:solidFill>
+                            <a:schemeClr val="dk1"/>
+                          </a:solidFill>
+                          <a:latin typeface="+mn-lt"/>
+                          <a:ea typeface="+mn-ea"/>
+                          <a:cs typeface="+mn-cs"/>
+                        </a:rPr>
+                        <a:t>opr</a:t>
+                      </a:r>
+                      <a:r>
+                        <a:rPr lang="cs-CZ" sz="1500" b="0" kern="1200" dirty="0" smtClean="0">
+                          <a:solidFill>
+                            <a:schemeClr val="dk1"/>
+                          </a:solidFill>
+                          <a:latin typeface="+mn-lt"/>
+                          <a:ea typeface="+mn-ea"/>
+                          <a:cs typeface="+mn-cs"/>
+                        </a:rPr>
+                        <a:t> 0, 11</a:t>
+                      </a:r>
+                    </a:p>
+                  </a:txBody>
+                  <a:tcPr anchor="ctr">
+                    <a:lnB w="6350" cap="flat" cmpd="sng" algn="ctr">
+                      <a:solidFill>
+                        <a:schemeClr val="bg1"/>
+                      </a:solidFill>
+                      <a:prstDash val="solid"/>
+                      <a:round/>
+                      <a:headEnd type="none" w="med" len="med"/>
+                      <a:tailEnd type="none" w="med" len="med"/>
+                    </a:lnB>
+                    <a:solidFill>
+                      <a:srgbClr val="FAEDE7"/>
+                    </a:solidFill>
+                  </a:tcPr>
+                </a:tc>
+                <a:tc>
+                  <a:txBody>
+                    <a:bodyPr/>
+                    <a:lstStyle/>
+                    <a:p>
+                      <a:pPr marL="0" algn="l" defTabSz="914400" rtl="0" eaLnBrk="1" latinLnBrk="0" hangingPunct="1"/>
+                      <a:r>
+                        <a:rPr lang="cs-CZ" sz="1500" b="0" kern="1200" dirty="0" smtClean="0">
+                          <a:solidFill>
+                            <a:schemeClr val="dk1"/>
+                          </a:solidFill>
+                          <a:latin typeface="+mn-lt"/>
+                          <a:ea typeface="+mn-ea"/>
+                          <a:cs typeface="+mn-cs"/>
+                        </a:rPr>
+                        <a:t>&gt;=</a:t>
+                      </a:r>
+                      <a:endParaRPr lang="cs-CZ" sz="1500" b="0" kern="1200" dirty="0">
+                        <a:solidFill>
+                          <a:schemeClr val="dk1"/>
+                        </a:solidFill>
+                        <a:latin typeface="+mn-lt"/>
+                        <a:ea typeface="+mn-ea"/>
+                        <a:cs typeface="+mn-cs"/>
+                      </a:endParaRPr>
+                    </a:p>
+                  </a:txBody>
+                  <a:tcPr anchor="ctr">
+                    <a:lnB w="6350" cap="flat" cmpd="sng" algn="ctr">
+                      <a:solidFill>
+                        <a:schemeClr val="bg1"/>
+                      </a:solidFill>
+                      <a:prstDash val="solid"/>
+                      <a:round/>
+                      <a:headEnd type="none" w="med" len="med"/>
+                      <a:tailEnd type="none" w="med" len="med"/>
+                    </a:lnB>
+                    <a:solidFill>
+                      <a:srgbClr val="FAEDE7"/>
+                    </a:solidFill>
+                  </a:tcPr>
+                </a:tc>
+                <a:extLst>
+                  <a:ext uri="{0D108BD9-81ED-4DB2-BD59-A6C34878D82A}">
+                    <a16:rowId xmlns:a16="http://schemas.microsoft.com/office/drawing/2014/main" val="2108766756"/>
+                  </a:ext>
+                </a:extLst>
+              </a:tr>
+              <a:tr h="324000">
+                <a:tc>
+                  <a:txBody>
+                    <a:bodyPr/>
+                    <a:lstStyle/>
+                    <a:p>
+                      <a:pPr marL="450850" marR="0" indent="-184150" algn="l" defTabSz="914400" rtl="0" eaLnBrk="1" fontAlgn="auto" latinLnBrk="0" hangingPunct="1">
+                        <a:lnSpc>
+                          <a:spcPct val="100000"/>
+                        </a:lnSpc>
+                        <a:spcBef>
+                          <a:spcPts val="0"/>
+                        </a:spcBef>
+                        <a:spcAft>
+                          <a:spcPts val="0"/>
+                        </a:spcAft>
+                        <a:buClrTx/>
+                        <a:buSzTx/>
+                        <a:buFontTx/>
+                        <a:buNone/>
+                        <a:tabLst/>
+                        <a:defRPr/>
+                      </a:pPr>
+                      <a:r>
+                        <a:rPr lang="cs-CZ" sz="1500" kern="1200" dirty="0" err="1" smtClean="0">
+                          <a:solidFill>
+                            <a:schemeClr val="dk1"/>
+                          </a:solidFill>
+                          <a:latin typeface="+mn-lt"/>
+                          <a:ea typeface="+mn-ea"/>
+                          <a:cs typeface="+mn-cs"/>
+                        </a:rPr>
+                        <a:t>opr</a:t>
+                      </a:r>
+                      <a:r>
+                        <a:rPr lang="cs-CZ" sz="1500" kern="1200" dirty="0" smtClean="0">
+                          <a:solidFill>
+                            <a:schemeClr val="dk1"/>
+                          </a:solidFill>
+                          <a:latin typeface="+mn-lt"/>
+                          <a:ea typeface="+mn-ea"/>
+                          <a:cs typeface="+mn-cs"/>
+                        </a:rPr>
+                        <a:t> 0, 12</a:t>
+                      </a:r>
+                    </a:p>
+                  </a:txBody>
+                  <a:tcPr anchor="ctr">
+                    <a:lnT w="6350" cap="flat" cmpd="sng" algn="ctr">
+                      <a:solidFill>
+                        <a:schemeClr val="bg1"/>
+                      </a:solidFill>
+                      <a:prstDash val="solid"/>
+                      <a:round/>
+                      <a:headEnd type="none" w="med" len="med"/>
+                      <a:tailEnd type="none" w="med" len="med"/>
+                    </a:lnT>
+                  </a:tcPr>
+                </a:tc>
+                <a:tc>
+                  <a:txBody>
+                    <a:bodyPr/>
+                    <a:lstStyle/>
+                    <a:p>
+                      <a:r>
+                        <a:rPr lang="cs-CZ" sz="1500" dirty="0" smtClean="0"/>
+                        <a:t>&gt;</a:t>
+                      </a:r>
+                      <a:endParaRPr lang="cs-CZ" sz="1500" dirty="0"/>
+                    </a:p>
+                  </a:txBody>
+                  <a:tcPr anchor="ctr">
+                    <a:lnT w="6350" cap="flat" cmpd="sng" algn="ctr">
+                      <a:solidFill>
+                        <a:schemeClr val="bg1"/>
+                      </a:solidFill>
+                      <a:prstDash val="solid"/>
+                      <a:round/>
+                      <a:headEnd type="none" w="med" len="med"/>
+                      <a:tailEnd type="none" w="med" len="med"/>
+                    </a:lnT>
+                  </a:tcPr>
+                </a:tc>
+                <a:extLst>
+                  <a:ext uri="{0D108BD9-81ED-4DB2-BD59-A6C34878D82A}">
+                    <a16:rowId xmlns:a16="http://schemas.microsoft.com/office/drawing/2014/main" val="4069758975"/>
+                  </a:ext>
+                </a:extLst>
+              </a:tr>
+              <a:tr h="324000">
+                <a:tc>
+                  <a:txBody>
+                    <a:bodyPr/>
+                    <a:lstStyle/>
+                    <a:p>
+                      <a:pPr marL="450850" marR="0" indent="-184150" algn="l" defTabSz="914400" rtl="0" eaLnBrk="1" fontAlgn="auto" latinLnBrk="0" hangingPunct="1">
+                        <a:lnSpc>
+                          <a:spcPct val="100000"/>
+                        </a:lnSpc>
+                        <a:spcBef>
+                          <a:spcPts val="0"/>
+                        </a:spcBef>
+                        <a:spcAft>
+                          <a:spcPts val="0"/>
+                        </a:spcAft>
+                        <a:buClrTx/>
+                        <a:buSzTx/>
+                        <a:buFontTx/>
+                        <a:buNone/>
+                        <a:tabLst/>
+                        <a:defRPr/>
+                      </a:pPr>
+                      <a:r>
+                        <a:rPr lang="cs-CZ" sz="1500" kern="1200" dirty="0" err="1" smtClean="0">
+                          <a:solidFill>
+                            <a:schemeClr val="dk1"/>
+                          </a:solidFill>
+                          <a:latin typeface="+mn-lt"/>
+                          <a:ea typeface="+mn-ea"/>
+                          <a:cs typeface="+mn-cs"/>
+                        </a:rPr>
+                        <a:t>opr</a:t>
+                      </a:r>
+                      <a:r>
+                        <a:rPr lang="cs-CZ" sz="1500" kern="1200" dirty="0" smtClean="0">
+                          <a:solidFill>
+                            <a:schemeClr val="dk1"/>
+                          </a:solidFill>
+                          <a:latin typeface="+mn-lt"/>
+                          <a:ea typeface="+mn-ea"/>
+                          <a:cs typeface="+mn-cs"/>
+                        </a:rPr>
+                        <a:t> 0, 13</a:t>
+                      </a:r>
+                    </a:p>
+                  </a:txBody>
+                  <a:tcPr anchor="ctr"/>
+                </a:tc>
+                <a:tc>
+                  <a:txBody>
+                    <a:bodyPr/>
+                    <a:lstStyle/>
+                    <a:p>
+                      <a:r>
+                        <a:rPr lang="cs-CZ" sz="1500" dirty="0" smtClean="0"/>
+                        <a:t>&lt;=</a:t>
+                      </a:r>
+                      <a:endParaRPr lang="cs-CZ" sz="1500" dirty="0"/>
+                    </a:p>
+                  </a:txBody>
+                  <a:tcPr anchor="ctr"/>
+                </a:tc>
+                <a:extLst>
+                  <a:ext uri="{0D108BD9-81ED-4DB2-BD59-A6C34878D82A}">
+                    <a16:rowId xmlns:a16="http://schemas.microsoft.com/office/drawing/2014/main" val="2321427953"/>
+                  </a:ext>
+                </a:extLst>
+              </a:tr>
+              <a:tr h="324000">
+                <a:tc>
+                  <a:txBody>
+                    <a:bodyPr/>
+                    <a:lstStyle/>
+                    <a:p>
+                      <a:pPr marL="0" marR="0" indent="0" algn="l" defTabSz="914400" rtl="0" eaLnBrk="1" fontAlgn="auto" latinLnBrk="0" hangingPunct="1">
+                        <a:lnSpc>
+                          <a:spcPct val="100000"/>
+                        </a:lnSpc>
+                        <a:spcBef>
+                          <a:spcPts val="0"/>
+                        </a:spcBef>
+                        <a:spcAft>
+                          <a:spcPts val="0"/>
+                        </a:spcAft>
+                        <a:buClrTx/>
+                        <a:buSzTx/>
+                        <a:buFontTx/>
+                        <a:buNone/>
+                        <a:tabLst/>
+                        <a:defRPr/>
+                      </a:pPr>
+                      <a:r>
+                        <a:rPr lang="cs-CZ" sz="1500" dirty="0" err="1" smtClean="0"/>
+                        <a:t>lod</a:t>
+                      </a:r>
+                      <a:r>
+                        <a:rPr lang="cs-CZ" sz="1500" dirty="0" smtClean="0"/>
+                        <a:t> L, A</a:t>
+                      </a:r>
+                    </a:p>
+                  </a:txBody>
+                  <a:tcPr anchor="ctr"/>
+                </a:tc>
+                <a:tc>
+                  <a:txBody>
+                    <a:bodyPr/>
+                    <a:lstStyle/>
+                    <a:p>
+                      <a:pPr marL="0" marR="0" indent="0" algn="l" defTabSz="914400" rtl="0" eaLnBrk="1" fontAlgn="auto" latinLnBrk="0" hangingPunct="1">
+                        <a:lnSpc>
+                          <a:spcPct val="100000"/>
+                        </a:lnSpc>
+                        <a:spcBef>
+                          <a:spcPts val="0"/>
+                        </a:spcBef>
+                        <a:spcAft>
+                          <a:spcPts val="0"/>
+                        </a:spcAft>
+                        <a:buClrTx/>
+                        <a:buSzTx/>
+                        <a:buFontTx/>
+                        <a:buNone/>
+                        <a:tabLst/>
+                        <a:defRPr/>
+                      </a:pPr>
+                      <a:r>
+                        <a:rPr lang="cs-CZ" sz="1500" dirty="0" smtClean="0"/>
+                        <a:t>ulož hodnotu proměnné z </a:t>
+                      </a:r>
+                      <a:r>
+                        <a:rPr lang="cs-CZ" sz="1500" dirty="0" err="1" smtClean="0"/>
+                        <a:t>adr</a:t>
+                      </a:r>
+                      <a:r>
+                        <a:rPr lang="cs-CZ" sz="1500" dirty="0" smtClean="0"/>
+                        <a:t>. L,A na vrchol zásobníku</a:t>
+                      </a:r>
+                    </a:p>
+                  </a:txBody>
+                  <a:tcPr anchor="ctr"/>
+                </a:tc>
+                <a:extLst>
+                  <a:ext uri="{0D108BD9-81ED-4DB2-BD59-A6C34878D82A}">
+                    <a16:rowId xmlns:a16="http://schemas.microsoft.com/office/drawing/2014/main" val="2189021300"/>
+                  </a:ext>
+                </a:extLst>
+              </a:tr>
+              <a:tr h="324000">
+                <a:tc>
+                  <a:txBody>
+                    <a:bodyPr/>
+                    <a:lstStyle/>
+                    <a:p>
+                      <a:pPr marL="0" marR="0" indent="0" algn="l" defTabSz="914400" rtl="0" eaLnBrk="1" fontAlgn="auto" latinLnBrk="0" hangingPunct="1">
+                        <a:lnSpc>
+                          <a:spcPct val="100000"/>
+                        </a:lnSpc>
+                        <a:spcBef>
+                          <a:spcPts val="0"/>
+                        </a:spcBef>
+                        <a:spcAft>
+                          <a:spcPts val="0"/>
+                        </a:spcAft>
+                        <a:buClrTx/>
+                        <a:buSzTx/>
+                        <a:buFontTx/>
+                        <a:buNone/>
+                        <a:tabLst/>
+                        <a:defRPr/>
+                      </a:pPr>
+                      <a:r>
+                        <a:rPr lang="cs-CZ" sz="1500" dirty="0" smtClean="0"/>
+                        <a:t>sto L, A</a:t>
+                      </a:r>
+                    </a:p>
+                  </a:txBody>
+                  <a:tcPr anchor="ctr"/>
+                </a:tc>
+                <a:tc>
+                  <a:txBody>
+                    <a:bodyPr/>
+                    <a:lstStyle/>
+                    <a:p>
+                      <a:pPr marL="0" marR="0" indent="0" algn="l" defTabSz="914400" rtl="0" eaLnBrk="1" fontAlgn="auto" latinLnBrk="0" hangingPunct="1">
+                        <a:lnSpc>
+                          <a:spcPct val="100000"/>
+                        </a:lnSpc>
+                        <a:spcBef>
+                          <a:spcPts val="0"/>
+                        </a:spcBef>
+                        <a:spcAft>
+                          <a:spcPts val="0"/>
+                        </a:spcAft>
+                        <a:buClrTx/>
+                        <a:buSzTx/>
+                        <a:buFontTx/>
+                        <a:buNone/>
+                        <a:tabLst/>
+                        <a:defRPr/>
+                      </a:pPr>
+                      <a:r>
+                        <a:rPr lang="cs-CZ" sz="1500" dirty="0" smtClean="0"/>
+                        <a:t>zapiš do proměnné z </a:t>
+                      </a:r>
+                      <a:r>
+                        <a:rPr lang="cs-CZ" sz="1500" dirty="0" err="1" smtClean="0"/>
+                        <a:t>adr</a:t>
+                      </a:r>
+                      <a:r>
+                        <a:rPr lang="cs-CZ" sz="1500" dirty="0" smtClean="0"/>
+                        <a:t>. L,A hodnotu z vrcholu zásobníku</a:t>
+                      </a:r>
+                    </a:p>
+                  </a:txBody>
+                  <a:tcPr anchor="ctr"/>
+                </a:tc>
+                <a:extLst>
+                  <a:ext uri="{0D108BD9-81ED-4DB2-BD59-A6C34878D82A}">
+                    <a16:rowId xmlns:a16="http://schemas.microsoft.com/office/drawing/2014/main" val="1325194383"/>
+                  </a:ext>
+                </a:extLst>
+              </a:tr>
+              <a:tr h="324000">
+                <a:tc>
+                  <a:txBody>
+                    <a:bodyPr/>
+                    <a:lstStyle/>
+                    <a:p>
+                      <a:r>
+                        <a:rPr lang="cs-CZ" sz="1500" dirty="0" err="1" smtClean="0"/>
+                        <a:t>cal</a:t>
+                      </a:r>
+                      <a:r>
+                        <a:rPr lang="cs-CZ" sz="1500" dirty="0" smtClean="0"/>
+                        <a:t> L</a:t>
+                      </a:r>
+                      <a:r>
+                        <a:rPr lang="cs-CZ" sz="1500" dirty="0" smtClean="0"/>
+                        <a:t>, A</a:t>
+                      </a:r>
+                      <a:endParaRPr lang="cs-CZ" sz="1500" dirty="0" smtClean="0"/>
+                    </a:p>
+                  </a:txBody>
+                  <a:tcPr anchor="ctr"/>
+                </a:tc>
+                <a:tc>
+                  <a:txBody>
+                    <a:bodyPr/>
+                    <a:lstStyle/>
+                    <a:p>
+                      <a:r>
+                        <a:rPr lang="cs-CZ" sz="1500" dirty="0" smtClean="0"/>
+                        <a:t>volej proceduru A z úrovně L</a:t>
+                      </a:r>
+                      <a:endParaRPr lang="cs-CZ" sz="1500" dirty="0"/>
+                    </a:p>
+                  </a:txBody>
+                  <a:tcPr anchor="ctr"/>
+                </a:tc>
+                <a:extLst>
+                  <a:ext uri="{0D108BD9-81ED-4DB2-BD59-A6C34878D82A}">
+                    <a16:rowId xmlns:a16="http://schemas.microsoft.com/office/drawing/2014/main" val="3187682699"/>
+                  </a:ext>
+                </a:extLst>
+              </a:tr>
+              <a:tr h="324000">
+                <a:tc>
+                  <a:txBody>
+                    <a:bodyPr/>
+                    <a:lstStyle/>
+                    <a:p>
+                      <a:pPr marL="0" marR="0" indent="0" algn="l" defTabSz="914400" rtl="0" eaLnBrk="1" fontAlgn="auto" latinLnBrk="0" hangingPunct="1">
+                        <a:lnSpc>
+                          <a:spcPct val="100000"/>
+                        </a:lnSpc>
+                        <a:spcBef>
+                          <a:spcPts val="0"/>
+                        </a:spcBef>
+                        <a:spcAft>
+                          <a:spcPts val="0"/>
+                        </a:spcAft>
+                        <a:buClrTx/>
+                        <a:buSzTx/>
+                        <a:buFontTx/>
+                        <a:buNone/>
+                        <a:tabLst/>
+                        <a:defRPr/>
+                      </a:pPr>
+                      <a:r>
+                        <a:rPr lang="cs-CZ" sz="1500" dirty="0" err="1" smtClean="0"/>
+                        <a:t>int</a:t>
+                      </a:r>
+                      <a:r>
+                        <a:rPr lang="cs-CZ" sz="1500" dirty="0" smtClean="0"/>
+                        <a:t> 0</a:t>
+                      </a:r>
+                      <a:r>
+                        <a:rPr lang="cs-CZ" sz="1500" dirty="0" smtClean="0"/>
+                        <a:t>, A</a:t>
+                      </a:r>
+                      <a:endParaRPr lang="cs-CZ" sz="1500" dirty="0" smtClean="0"/>
+                    </a:p>
+                  </a:txBody>
+                  <a:tcPr anchor="ctr"/>
+                </a:tc>
+                <a:tc>
+                  <a:txBody>
+                    <a:bodyPr/>
+                    <a:lstStyle/>
+                    <a:p>
+                      <a:pPr marL="0" marR="0" indent="0" algn="l" defTabSz="914400" rtl="0" eaLnBrk="1" fontAlgn="auto" latinLnBrk="0" hangingPunct="1">
+                        <a:lnSpc>
+                          <a:spcPct val="100000"/>
+                        </a:lnSpc>
+                        <a:spcBef>
+                          <a:spcPts val="0"/>
+                        </a:spcBef>
+                        <a:spcAft>
+                          <a:spcPts val="0"/>
+                        </a:spcAft>
+                        <a:buClrTx/>
+                        <a:buSzTx/>
+                        <a:buFontTx/>
+                        <a:buNone/>
+                        <a:tabLst/>
+                        <a:defRPr/>
+                      </a:pPr>
+                      <a:r>
+                        <a:rPr lang="cs-CZ" sz="1500" dirty="0" smtClean="0"/>
+                        <a:t>zvyš obsah top-registru zásobníku o hodnotu A</a:t>
+                      </a:r>
+                    </a:p>
+                  </a:txBody>
+                  <a:tcPr anchor="ctr"/>
+                </a:tc>
+                <a:extLst>
+                  <a:ext uri="{0D108BD9-81ED-4DB2-BD59-A6C34878D82A}">
+                    <a16:rowId xmlns:a16="http://schemas.microsoft.com/office/drawing/2014/main" val="1142361874"/>
+                  </a:ext>
+                </a:extLst>
+              </a:tr>
+              <a:tr h="324000">
+                <a:tc>
+                  <a:txBody>
+                    <a:bodyPr/>
+                    <a:lstStyle/>
+                    <a:p>
+                      <a:r>
+                        <a:rPr lang="cs-CZ" sz="1500" dirty="0" err="1" smtClean="0"/>
+                        <a:t>jmp</a:t>
+                      </a:r>
+                      <a:r>
+                        <a:rPr lang="cs-CZ" sz="1500" dirty="0" smtClean="0"/>
+                        <a:t> </a:t>
+                      </a:r>
+                      <a:r>
+                        <a:rPr lang="cs-CZ" sz="1500" dirty="0" smtClean="0"/>
+                        <a:t>0, A</a:t>
+                      </a:r>
+                      <a:endParaRPr lang="cs-CZ" sz="1500" dirty="0" smtClean="0"/>
+                    </a:p>
+                  </a:txBody>
+                  <a:tcPr anchor="ctr"/>
+                </a:tc>
+                <a:tc>
+                  <a:txBody>
+                    <a:bodyPr/>
+                    <a:lstStyle/>
+                    <a:p>
+                      <a:pPr marL="0" marR="0" indent="0" algn="l" defTabSz="914400" rtl="0" eaLnBrk="1" fontAlgn="auto" latinLnBrk="0" hangingPunct="1">
+                        <a:lnSpc>
+                          <a:spcPct val="100000"/>
+                        </a:lnSpc>
+                        <a:spcBef>
+                          <a:spcPts val="0"/>
+                        </a:spcBef>
+                        <a:spcAft>
+                          <a:spcPts val="0"/>
+                        </a:spcAft>
+                        <a:buClrTx/>
+                        <a:buSzTx/>
+                        <a:buFontTx/>
+                        <a:buNone/>
+                        <a:tabLst/>
+                        <a:defRPr/>
+                      </a:pPr>
+                      <a:r>
+                        <a:rPr lang="cs-CZ" sz="1500" dirty="0" smtClean="0"/>
+                        <a:t>proveď skok na adresu A</a:t>
+                      </a:r>
+                    </a:p>
+                  </a:txBody>
+                  <a:tcPr anchor="ctr"/>
+                </a:tc>
+                <a:extLst>
+                  <a:ext uri="{0D108BD9-81ED-4DB2-BD59-A6C34878D82A}">
+                    <a16:rowId xmlns:a16="http://schemas.microsoft.com/office/drawing/2014/main" val="473560203"/>
+                  </a:ext>
+                </a:extLst>
+              </a:tr>
+              <a:tr h="324000">
+                <a:tc>
+                  <a:txBody>
+                    <a:bodyPr/>
+                    <a:lstStyle/>
+                    <a:p>
+                      <a:r>
+                        <a:rPr lang="cs-CZ" sz="1500" dirty="0" err="1" smtClean="0"/>
+                        <a:t>jpc</a:t>
+                      </a:r>
+                      <a:r>
+                        <a:rPr lang="cs-CZ" sz="1500" dirty="0" smtClean="0"/>
+                        <a:t> </a:t>
+                      </a:r>
+                      <a:r>
+                        <a:rPr lang="cs-CZ" sz="1500" dirty="0" smtClean="0"/>
+                        <a:t>0</a:t>
+                      </a:r>
+                      <a:r>
+                        <a:rPr lang="cs-CZ" sz="1500" dirty="0" smtClean="0"/>
+                        <a:t>, A</a:t>
+                      </a:r>
+                      <a:endParaRPr lang="cs-CZ" sz="1500" dirty="0" smtClean="0"/>
+                    </a:p>
+                  </a:txBody>
+                  <a:tcPr anchor="ctr"/>
+                </a:tc>
+                <a:tc>
+                  <a:txBody>
+                    <a:bodyPr/>
+                    <a:lstStyle/>
+                    <a:p>
+                      <a:pPr marL="0" marR="0" indent="0" algn="l" defTabSz="914400" rtl="0" eaLnBrk="1" fontAlgn="auto" latinLnBrk="0" hangingPunct="1">
+                        <a:lnSpc>
+                          <a:spcPct val="100000"/>
+                        </a:lnSpc>
+                        <a:spcBef>
+                          <a:spcPts val="0"/>
+                        </a:spcBef>
+                        <a:spcAft>
+                          <a:spcPts val="0"/>
+                        </a:spcAft>
+                        <a:buClrTx/>
+                        <a:buSzTx/>
+                        <a:buFontTx/>
+                        <a:buNone/>
+                        <a:tabLst/>
+                        <a:defRPr/>
+                      </a:pPr>
+                      <a:r>
+                        <a:rPr lang="cs-CZ" sz="1500" dirty="0" smtClean="0"/>
+                        <a:t>proveď skok na adresu A, je-li hodnota na vrcholu zásobníku 0</a:t>
+                      </a:r>
+                    </a:p>
+                  </a:txBody>
+                  <a:tcPr anchor="ctr"/>
+                </a:tc>
+                <a:extLst>
+                  <a:ext uri="{0D108BD9-81ED-4DB2-BD59-A6C34878D82A}">
+                    <a16:rowId xmlns:a16="http://schemas.microsoft.com/office/drawing/2014/main" val="2973503988"/>
+                  </a:ext>
+                </a:extLst>
+              </a:tr>
+              <a:tr h="324000">
+                <a:tc>
+                  <a:txBody>
+                    <a:bodyPr/>
+                    <a:lstStyle/>
+                    <a:p>
+                      <a:pPr marL="0" marR="0" indent="0" algn="l" defTabSz="914400" rtl="0" eaLnBrk="1" fontAlgn="auto" latinLnBrk="0" hangingPunct="1">
+                        <a:lnSpc>
+                          <a:spcPct val="100000"/>
+                        </a:lnSpc>
+                        <a:spcBef>
+                          <a:spcPts val="0"/>
+                        </a:spcBef>
+                        <a:spcAft>
+                          <a:spcPts val="0"/>
+                        </a:spcAft>
+                        <a:buClrTx/>
+                        <a:buSzTx/>
+                        <a:buFontTx/>
+                        <a:buNone/>
+                        <a:tabLst/>
+                        <a:defRPr/>
+                      </a:pPr>
+                      <a:r>
+                        <a:rPr lang="cs-CZ" sz="1500" dirty="0" smtClean="0"/>
+                        <a:t>ret 0</a:t>
+                      </a:r>
+                      <a:r>
+                        <a:rPr lang="cs-CZ" sz="1500" dirty="0" smtClean="0"/>
+                        <a:t>, 0</a:t>
+                      </a:r>
+                      <a:endParaRPr lang="cs-CZ" sz="1500" dirty="0" smtClean="0"/>
+                    </a:p>
+                  </a:txBody>
+                  <a:tcPr anchor="ctr"/>
+                </a:tc>
+                <a:tc>
+                  <a:txBody>
+                    <a:bodyPr/>
+                    <a:lstStyle/>
+                    <a:p>
+                      <a:r>
+                        <a:rPr lang="cs-CZ" sz="1500" dirty="0" smtClean="0"/>
+                        <a:t>návrat z procedury (return)</a:t>
+                      </a:r>
+                      <a:endParaRPr lang="cs-CZ" sz="1500" dirty="0"/>
+                    </a:p>
+                  </a:txBody>
+                  <a:tcPr anchor="ctr"/>
+                </a:tc>
+                <a:extLst>
+                  <a:ext uri="{0D108BD9-81ED-4DB2-BD59-A6C34878D82A}">
+                    <a16:rowId xmlns:a16="http://schemas.microsoft.com/office/drawing/2014/main" val="156616528"/>
+                  </a:ext>
+                </a:extLst>
+              </a:tr>
+              <a:tr h="324000">
+                <a:tc>
+                  <a:txBody>
+                    <a:bodyPr/>
+                    <a:lstStyle/>
+                    <a:p>
+                      <a:r>
+                        <a:rPr lang="cs-CZ" sz="1500" b="1" dirty="0" err="1" smtClean="0"/>
+                        <a:t>wrt</a:t>
+                      </a:r>
+                      <a:r>
+                        <a:rPr lang="cs-CZ" sz="1500" b="1" baseline="0" dirty="0" smtClean="0"/>
+                        <a:t> 0, 0</a:t>
+                      </a:r>
+                      <a:endParaRPr lang="cs-CZ" sz="1500" b="1" dirty="0" smtClean="0"/>
+                    </a:p>
+                  </a:txBody>
+                  <a:tcPr anchor="ctr"/>
+                </a:tc>
+                <a:tc>
+                  <a:txBody>
+                    <a:bodyPr/>
+                    <a:lstStyle/>
+                    <a:p>
+                      <a:r>
+                        <a:rPr lang="cs-CZ" sz="1500" b="1" dirty="0" smtClean="0"/>
+                        <a:t>vezmi</a:t>
+                      </a:r>
+                      <a:r>
+                        <a:rPr lang="cs-CZ" sz="1500" b="1" baseline="0" dirty="0" smtClean="0"/>
+                        <a:t> obsah vrcholu zásobníku a vypiš</a:t>
+                      </a:r>
+                      <a:endParaRPr lang="cs-CZ" sz="1500" b="1" dirty="0"/>
+                    </a:p>
+                  </a:txBody>
+                  <a:tcPr anchor="ctr"/>
+                </a:tc>
+                <a:extLst>
+                  <a:ext uri="{0D108BD9-81ED-4DB2-BD59-A6C34878D82A}">
+                    <a16:rowId xmlns:a16="http://schemas.microsoft.com/office/drawing/2014/main" val="2297879489"/>
+                  </a:ext>
+                </a:extLst>
+              </a:tr>
+              <a:tr h="324000">
+                <a:tc>
+                  <a:txBody>
+                    <a:bodyPr/>
+                    <a:lstStyle/>
+                    <a:p>
+                      <a:r>
+                        <a:rPr lang="cs-CZ" sz="1500" b="1" dirty="0" err="1" smtClean="0"/>
+                        <a:t>rea</a:t>
+                      </a:r>
+                      <a:r>
+                        <a:rPr lang="cs-CZ" sz="1500" b="1" baseline="0" dirty="0" smtClean="0"/>
+                        <a:t> 0, 0</a:t>
+                      </a:r>
+                      <a:endParaRPr lang="cs-CZ" sz="1500" b="1" dirty="0" smtClean="0"/>
+                    </a:p>
+                  </a:txBody>
+                  <a:tcPr anchor="ctr"/>
+                </a:tc>
+                <a:tc>
+                  <a:txBody>
+                    <a:bodyPr/>
+                    <a:lstStyle/>
+                    <a:p>
+                      <a:r>
+                        <a:rPr lang="cs-CZ" sz="1500" b="1" dirty="0" smtClean="0"/>
+                        <a:t>přečti vstup a ulož ho na vrchol zásobníku</a:t>
+                      </a:r>
+                      <a:endParaRPr lang="cs-CZ" sz="1500" b="1" dirty="0"/>
+                    </a:p>
+                  </a:txBody>
+                  <a:tcPr anchor="ctr"/>
+                </a:tc>
+                <a:extLst>
+                  <a:ext uri="{0D108BD9-81ED-4DB2-BD59-A6C34878D82A}">
+                    <a16:rowId xmlns:a16="http://schemas.microsoft.com/office/drawing/2014/main" val="2468885546"/>
+                  </a:ext>
+                </a:extLst>
+              </a:tr>
+            </a:tbl>
+          </a:graphicData>
+        </a:graphic>
+      </p:graphicFrame>
+      <p:sp>
+        <p:nvSpPr>
+          <p:cNvPr id="5" name="Zástupný symbol pro číslo snímku 4"/>
+          <p:cNvSpPr>
+            <a:spLocks noGrp="1"/>
+          </p:cNvSpPr>
+          <p:nvPr>
+            <p:ph type="sldNum" sz="quarter" idx="12"/>
+          </p:nvPr>
+        </p:nvSpPr>
+        <p:spPr/>
+        <p:txBody>
+          <a:bodyPr/>
+          <a:lstStyle/>
+          <a:p>
+            <a:fld id="{D8B01677-E260-4E98-B77E-BB7A87F37343}" type="slidenum">
+              <a:rPr lang="cs-CZ" sz="1200" smtClean="0"/>
+              <a:t>10</a:t>
+            </a:fld>
+            <a:r>
+              <a:rPr lang="cs-CZ" sz="1200" dirty="0" smtClean="0"/>
+              <a:t> / 10</a:t>
+            </a:r>
+            <a:endParaRPr lang="cs-CZ" sz="1200" dirty="0"/>
+          </a:p>
+        </p:txBody>
+      </p:sp>
+    </p:spTree>
+    <p:extLst>
+      <p:ext uri="{BB962C8B-B14F-4D97-AF65-F5344CB8AC3E}">
+        <p14:creationId xmlns:p14="http://schemas.microsoft.com/office/powerpoint/2010/main" val="929649619"/>
+      </p:ext>
+    </p:extLst>
+  </p:cSld>
+  <p:clrMapOvr>
+    <a:masterClrMapping/>
+  </p:clrMapOvr>
+  <p:timing>
+    <p:tnLst>
+      <p:par>
+        <p:cTn id="1" dur="indefinite" restart="never" nodeType="tmRoot"/>
+      </p:par>
+    </p:tnLst>
+  </p:timing>
+</p:sld>
+</file>
+
+<file path=ppt/slides/slide11.xml><?xml version="1.0" encoding="utf-8"?>
+<p:sld xmlns:a="http://schemas.openxmlformats.org/drawingml/2006/main" xmlns:r="http://schemas.openxmlformats.org/officeDocument/2006/relationships" xmlns:p="http://schemas.openxmlformats.org/presentationml/2006/main">
+  <p:cSld>
+    <p:spTree>
+      <p:nvGrpSpPr>
+        <p:cNvPr id="1" name=""/>
+        <p:cNvGrpSpPr/>
+        <p:nvPr/>
+      </p:nvGrpSpPr>
+      <p:grpSpPr>
+        <a:xfrm>
+          <a:off x="0" y="0"/>
+          <a:ext cx="0" cy="0"/>
+          <a:chOff x="0" y="0"/>
+          <a:chExt cx="0" cy="0"/>
+        </a:xfrm>
+      </p:grpSpPr>
+      <p:sp>
+        <p:nvSpPr>
+          <p:cNvPr id="2" name="Nadpis 1"/>
+          <p:cNvSpPr>
+            <a:spLocks noGrp="1"/>
+          </p:cNvSpPr>
+          <p:nvPr>
+            <p:ph type="title"/>
+          </p:nvPr>
+        </p:nvSpPr>
+        <p:spPr>
+          <a:xfrm>
+            <a:off x="1097280" y="316992"/>
+            <a:ext cx="10058400" cy="3791712"/>
+          </a:xfrm>
+        </p:spPr>
+        <p:txBody>
+          <a:bodyPr/>
+          <a:lstStyle/>
+          <a:p>
+            <a:pPr algn="ctr"/>
+            <a:r>
+              <a:rPr lang="cs-CZ" dirty="0" smtClean="0"/>
+              <a:t>Děkujeme za pozornost</a:t>
+            </a:r>
+            <a:endParaRPr lang="cs-CZ" dirty="0"/>
+          </a:p>
+        </p:txBody>
+      </p:sp>
+      <p:sp>
+        <p:nvSpPr>
+          <p:cNvPr id="3" name="Zástupný symbol pro text 2"/>
+          <p:cNvSpPr>
+            <a:spLocks noGrp="1"/>
+          </p:cNvSpPr>
+          <p:nvPr>
+            <p:ph type="body" idx="1"/>
+          </p:nvPr>
+        </p:nvSpPr>
+        <p:spPr/>
+        <p:txBody>
+          <a:bodyPr/>
+          <a:lstStyle/>
+          <a:p>
+            <a:endParaRPr lang="cs-CZ"/>
+          </a:p>
+        </p:txBody>
+      </p:sp>
+    </p:spTree>
+    <p:extLst>
+      <p:ext uri="{BB962C8B-B14F-4D97-AF65-F5344CB8AC3E}">
+        <p14:creationId xmlns:p14="http://schemas.microsoft.com/office/powerpoint/2010/main" val="2928206668"/>
+      </p:ext>
+    </p:extLst>
+  </p:cSld>
+  <p:clrMapOvr>
+    <a:masterClrMapping/>
+  </p:clrMapOvr>
+  <p:timing>
+    <p:tnLst>
+      <p:par>
+        <p:cTn id="1" dur="indefinite" restart="never" nodeType="tmRoot"/>
+      </p:par>
+    </p:tnLst>
+  </p:timing>
 </p:sld>
 </file>
 
@@ -3054,7 +5597,7 @@
             <a:spLocks noGrp="1"/>
           </p:cNvSpPr>
           <p:nvPr>
-            <p:ph type="title"/>
+            <p:ph type="ctrTitle"/>
           </p:nvPr>
         </p:nvSpPr>
         <p:spPr/>
@@ -3064,7 +5607,7 @@
           <a:p>
             <a:r>
               <a:rPr lang="cs-CZ" dirty="0" smtClean="0"/>
-              <a:t>Základní jazykové konstrukce</a:t>
+              <a:t>Jazykové konstrukce</a:t>
             </a:r>
             <a:endParaRPr lang="cs-CZ" dirty="0"/>
           </a:p>
@@ -3072,99 +5615,48 @@
       </p:sp>
       <p:sp>
         <p:nvSpPr>
-          <p:cNvPr id="3" name="Zástupný symbol pro obsah 2"/>
-          <p:cNvSpPr>
-            <a:spLocks noGrp="1"/>
-          </p:cNvSpPr>
-          <p:nvPr>
-            <p:ph idx="1"/>
-          </p:nvPr>
-        </p:nvSpPr>
-        <p:spPr>
-          <a:xfrm>
-            <a:off x="1117600" y="1825625"/>
-            <a:ext cx="10236200" cy="4351338"/>
-          </a:xfrm>
-        </p:spPr>
+          <p:cNvPr id="4" name="Zástupný symbol pro číslo snímku 3"/>
+          <p:cNvSpPr>
+            <a:spLocks noGrp="1"/>
+          </p:cNvSpPr>
+          <p:nvPr>
+            <p:ph type="sldNum" sz="quarter" idx="12"/>
+          </p:nvPr>
+        </p:nvSpPr>
+        <p:spPr/>
         <p:txBody>
           <a:bodyPr/>
           <a:lstStyle/>
           <a:p>
-            <a:r>
-              <a:rPr lang="cs-CZ" dirty="0" smtClean="0"/>
-              <a:t>definice celočíselných proměnných</a:t>
-            </a:r>
-          </a:p>
-          <a:p>
-            <a:r>
-              <a:rPr lang="cs-CZ" dirty="0" smtClean="0"/>
-              <a:t>definice celočíselných konstant</a:t>
-            </a:r>
-          </a:p>
-          <a:p>
-            <a:r>
-              <a:rPr lang="cs-CZ" dirty="0" smtClean="0"/>
-              <a:t>přiřazení</a:t>
-            </a:r>
-          </a:p>
-          <a:p>
-            <a:r>
-              <a:rPr lang="cs-CZ" dirty="0" smtClean="0"/>
-              <a:t>základní aritmetika a logiku </a:t>
-            </a:r>
-          </a:p>
-          <a:p>
-            <a:r>
-              <a:rPr lang="cs-CZ" dirty="0" smtClean="0"/>
-              <a:t>cyklus </a:t>
-            </a:r>
-            <a:r>
-              <a:rPr lang="cs-CZ" i="1" dirty="0" err="1" smtClean="0"/>
-              <a:t>while</a:t>
-            </a:r>
-            <a:endParaRPr lang="cs-CZ" i="1" dirty="0" smtClean="0"/>
-          </a:p>
-          <a:p>
-            <a:r>
-              <a:rPr lang="cs-CZ" dirty="0" smtClean="0"/>
-              <a:t>jednoduchá podmínka (</a:t>
-            </a:r>
-            <a:r>
-              <a:rPr lang="cs-CZ" i="1" dirty="0" err="1" smtClean="0"/>
-              <a:t>if</a:t>
-            </a:r>
-            <a:r>
-              <a:rPr lang="cs-CZ" dirty="0" smtClean="0"/>
-              <a:t> bez </a:t>
-            </a:r>
-            <a:r>
-              <a:rPr lang="cs-CZ" i="1" dirty="0" err="1" smtClean="0"/>
-              <a:t>else</a:t>
-            </a:r>
-            <a:r>
-              <a:rPr lang="cs-CZ" dirty="0" smtClean="0"/>
-              <a:t>)</a:t>
-            </a:r>
-          </a:p>
-          <a:p>
-            <a:r>
-              <a:rPr lang="cs-CZ" dirty="0" smtClean="0"/>
-              <a:t>definice podprogramu (procedura) a jeho volání</a:t>
-            </a:r>
-            <a:endParaRPr lang="cs-CZ" dirty="0"/>
+            <a:fld id="{D8B01677-E260-4E98-B77E-BB7A87F37343}" type="slidenum">
+              <a:rPr lang="cs-CZ" sz="1200" smtClean="0"/>
+              <a:t>2</a:t>
+            </a:fld>
+            <a:r>
+              <a:rPr lang="cs-CZ" sz="1200" dirty="0" smtClean="0"/>
+              <a:t> / 10 </a:t>
+            </a:r>
+            <a:endParaRPr lang="cs-CZ" sz="1200" dirty="0"/>
           </a:p>
         </p:txBody>
       </p:sp>
     </p:spTree>
     <p:extLst>
       <p:ext uri="{BB962C8B-B14F-4D97-AF65-F5344CB8AC3E}">
-        <p14:creationId xmlns:p14="http://schemas.microsoft.com/office/powerpoint/2010/main" val="3186042097"/>
+        <p14:creationId xmlns:p14="http://schemas.microsoft.com/office/powerpoint/2010/main" val="1437373982"/>
       </p:ext>
     </p:extLst>
   </p:cSld>
   <p:clrMapOvr>
     <a:masterClrMapping/>
   </p:clrMapOvr>
+  <p:timing>
+    <p:tnLst>
+      <p:par>
+        <p:cTn id="1" dur="indefinite" restart="never" nodeType="tmRoot"/>
+      </p:par>
+    </p:tnLst>
+  </p:timing>
 </p:sld>
 </file>
 
@@ -3202,6 +5694,213 @@
           <a:p>
             <a:r>
               <a:rPr lang="cs-CZ" dirty="0" smtClean="0"/>
+              <a:t>Základní jazykové konstrukce</a:t>
+            </a:r>
+            <a:endParaRPr lang="cs-CZ" dirty="0"/>
+          </a:p>
+        </p:txBody>
+      </p:sp>
+      <p:sp>
+        <p:nvSpPr>
+          <p:cNvPr id="3" name="Zástupný symbol pro obsah 2"/>
+          <p:cNvSpPr>
+            <a:spLocks noGrp="1"/>
+          </p:cNvSpPr>
+          <p:nvPr>
+            <p:ph idx="1"/>
+          </p:nvPr>
+        </p:nvSpPr>
+        <p:spPr>
+          <a:xfrm>
+            <a:off x="1117600" y="1825625"/>
+            <a:ext cx="10236200" cy="4351338"/>
+          </a:xfrm>
+        </p:spPr>
+        <p:txBody>
+          <a:bodyPr/>
+          <a:lstStyle/>
+          <a:p>
+            <a:pPr marL="358775" indent="-266700">
+              <a:buFont typeface="Arial" panose="020B0604020202020204" pitchFamily="34" charset="0"/>
+              <a:buChar char="•"/>
+            </a:pPr>
+            <a:r>
+              <a:rPr lang="cs-CZ" dirty="0" smtClean="0"/>
+              <a:t>definice celočíselných proměnných</a:t>
+            </a:r>
+          </a:p>
+          <a:p>
+            <a:pPr marL="358775" indent="-266700">
+              <a:buFont typeface="Arial" panose="020B0604020202020204" pitchFamily="34" charset="0"/>
+              <a:buChar char="•"/>
+            </a:pPr>
+            <a:r>
+              <a:rPr lang="cs-CZ" dirty="0" smtClean="0"/>
+              <a:t>definice celočíselných konstant</a:t>
+            </a:r>
+          </a:p>
+          <a:p>
+            <a:pPr marL="358775" indent="-266700">
+              <a:buFont typeface="Arial" panose="020B0604020202020204" pitchFamily="34" charset="0"/>
+              <a:buChar char="•"/>
+            </a:pPr>
+            <a:r>
+              <a:rPr lang="cs-CZ" dirty="0" smtClean="0"/>
+              <a:t>přiřazení</a:t>
+            </a:r>
+          </a:p>
+          <a:p>
+            <a:pPr marL="358775" indent="-266700">
+              <a:buFont typeface="Arial" panose="020B0604020202020204" pitchFamily="34" charset="0"/>
+              <a:buChar char="•"/>
+            </a:pPr>
+            <a:r>
+              <a:rPr lang="cs-CZ" dirty="0" smtClean="0"/>
+              <a:t>základní aritmetika a logiku </a:t>
+            </a:r>
+          </a:p>
+          <a:p>
+            <a:pPr marL="358775" indent="-266700">
+              <a:buFont typeface="Arial" panose="020B0604020202020204" pitchFamily="34" charset="0"/>
+              <a:buChar char="•"/>
+            </a:pPr>
+            <a:r>
+              <a:rPr lang="cs-CZ" dirty="0" smtClean="0"/>
+              <a:t>cyklus </a:t>
+            </a:r>
+            <a:r>
+              <a:rPr lang="cs-CZ" i="1" dirty="0" err="1" smtClean="0"/>
+              <a:t>while</a:t>
+            </a:r>
+            <a:endParaRPr lang="cs-CZ" i="1" dirty="0" smtClean="0"/>
+          </a:p>
+          <a:p>
+            <a:pPr marL="358775" indent="-266700">
+              <a:buFont typeface="Arial" panose="020B0604020202020204" pitchFamily="34" charset="0"/>
+              <a:buChar char="•"/>
+            </a:pPr>
+            <a:r>
+              <a:rPr lang="cs-CZ" dirty="0" smtClean="0"/>
+              <a:t>jednoduchá podmínka (</a:t>
+            </a:r>
+            <a:r>
+              <a:rPr lang="cs-CZ" i="1" dirty="0" err="1" smtClean="0"/>
+              <a:t>if</a:t>
+            </a:r>
+            <a:r>
+              <a:rPr lang="cs-CZ" dirty="0" smtClean="0"/>
+              <a:t> bez </a:t>
+            </a:r>
+            <a:r>
+              <a:rPr lang="cs-CZ" i="1" dirty="0" err="1" smtClean="0"/>
+              <a:t>else</a:t>
+            </a:r>
+            <a:r>
+              <a:rPr lang="cs-CZ" dirty="0" smtClean="0"/>
+              <a:t>)</a:t>
+            </a:r>
+          </a:p>
+          <a:p>
+            <a:pPr marL="358775" indent="-266700">
+              <a:buFont typeface="Arial" panose="020B0604020202020204" pitchFamily="34" charset="0"/>
+              <a:buChar char="•"/>
+            </a:pPr>
+            <a:r>
+              <a:rPr lang="cs-CZ" dirty="0" smtClean="0"/>
+              <a:t>definice podprogramu (procedura) a jeho volání</a:t>
+            </a:r>
+            <a:endParaRPr lang="cs-CZ" dirty="0"/>
+          </a:p>
+        </p:txBody>
+      </p:sp>
+      <p:sp>
+        <p:nvSpPr>
+          <p:cNvPr id="4" name="Zástupný symbol pro číslo snímku 3"/>
+          <p:cNvSpPr>
+            <a:spLocks noGrp="1"/>
+          </p:cNvSpPr>
+          <p:nvPr>
+            <p:ph type="sldNum" sz="quarter" idx="12"/>
+          </p:nvPr>
+        </p:nvSpPr>
+        <p:spPr/>
+        <p:txBody>
+          <a:bodyPr/>
+          <a:lstStyle/>
+          <a:p>
+            <a:fld id="{D8B01677-E260-4E98-B77E-BB7A87F37343}" type="slidenum">
+              <a:rPr lang="cs-CZ" sz="1200" smtClean="0"/>
+              <a:t>3</a:t>
+            </a:fld>
+            <a:r>
+              <a:rPr lang="cs-CZ" sz="1200" dirty="0" smtClean="0"/>
+              <a:t> / 10</a:t>
+            </a:r>
+          </a:p>
+        </p:txBody>
+      </p:sp>
+    </p:spTree>
+    <p:extLst>
+      <p:ext uri="{BB962C8B-B14F-4D97-AF65-F5344CB8AC3E}">
+        <p14:creationId xmlns:p14="http://schemas.microsoft.com/office/powerpoint/2010/main" val="3186042097"/>
+      </p:ext>
+    </p:extLst>
+  </p:cSld>
+  <p:clrMapOvr>
+    <a:masterClrMapping/>
+  </p:clrMapOvr>
+  <p:timing>
+    <p:tnLst>
+      <p:par>
+        <p:cTn id="1" dur="indefinite" restart="never" nodeType="tmRoot"/>
+      </p:par>
+    </p:tnLst>
+  </p:timing>
+</p:sld>
+</file>
+
+<file path=ppt/slides/slide4.xml><?xml version="1.0" encoding="utf-8"?>
+<p:sld xmlns:a="http://schemas.openxmlformats.org/drawingml/2006/main" xmlns:r="http://schemas.openxmlformats.org/officeDocument/2006/relationships" xmlns:p="http://schemas.openxmlformats.org/presentationml/2006/main">
+  <p:cSld>
+    <p:bg>
+      <p:bgPr>
+        <a:solidFill>
+          <a:schemeClr val="bg1"/>
+        </a:solidFill>
+        <a:effectLst/>
+      </p:bgPr>
+    </p:bg>
+    <p:spTree>
+      <p:nvGrpSpPr>
+        <p:cNvPr id="1" name=""/>
+        <p:cNvGrpSpPr/>
+        <p:nvPr/>
+      </p:nvGrpSpPr>
+      <p:grpSpPr>
+        <a:xfrm>
+          <a:off x="0" y="0"/>
+          <a:ext cx="0" cy="0"/>
+          <a:chOff x="0" y="0"/>
+          <a:chExt cx="0" cy="0"/>
+        </a:xfrm>
+      </p:grpSpPr>
+      <p:sp>
+        <p:nvSpPr>
+          <p:cNvPr id="2" name="Nadpis 1"/>
+          <p:cNvSpPr>
+            <a:spLocks noGrp="1"/>
+          </p:cNvSpPr>
+          <p:nvPr>
+            <p:ph type="title"/>
+          </p:nvPr>
+        </p:nvSpPr>
+        <p:spPr/>
+        <p:txBody>
+          <a:bodyPr/>
+          <a:lstStyle/>
+          <a:p>
+            <a:r>
+              <a:rPr lang="cs-CZ" dirty="0" smtClean="0"/>
               <a:t>Rozšiřující jazykové konstrukce</a:t>
             </a:r>
             <a:endParaRPr lang="cs-CZ" dirty="0"/>
@@ -3217,14 +5916,14 @@
           <p:nvPr>
             <p:extLst>
               <p:ext uri="{D42A27DB-BD31-4B8C-83A1-F6EECF244321}">
-                <p14:modId xmlns:p14="http://schemas.microsoft.com/office/powerpoint/2010/main" val="1489772180"/>
+                <p14:modId xmlns:p14="http://schemas.microsoft.com/office/powerpoint/2010/main" val="3347005166"/>
               </p:ext>
             </p:extLst>
           </p:nvPr>
         </p:nvGraphicFramePr>
         <p:xfrm>
-          <a:off x="1178560" y="1690689"/>
-          <a:ext cx="10175240" cy="4669471"/>
+          <a:off x="1178560" y="1737359"/>
+          <a:ext cx="10175240" cy="4312920"/>
         </p:xfrm>
         <a:graphic>
           <a:graphicData uri="http://schemas.openxmlformats.org/drawingml/2006/table">
@@ -3248,7 +5947,7 @@
                   </a:extLst>
                 </a:gridCol>
               </a:tblGrid>
-              <a:tr h="845249">
+              <a:tr h="461831">
                 <a:tc>
                   <a:txBody>
                     <a:bodyPr/>
@@ -3256,16 +5955,22 @@
                     <a:p>
                       <a:pPr algn="l"/>
                       <a:r>
-                        <a:rPr lang="cs-CZ" sz="2800" b="0" dirty="0" smtClean="0">
+                        <a:rPr lang="cs-CZ" sz="2600" b="0" dirty="0" smtClean="0">
                           <a:solidFill>
-                            <a:schemeClr val="tx1"/>
+                            <a:schemeClr val="tx1">
+                              <a:lumMod val="75000"/>
+                              <a:lumOff val="25000"/>
+                            </a:schemeClr>
                           </a:solidFill>
                         </a:rPr>
                         <a:t>Za 1 bod</a:t>
                       </a:r>
-                      <a:endParaRPr lang="cs-CZ" sz="2800" b="0" dirty="0">
+                      <a:endParaRPr lang="cs-CZ" sz="2600" b="0" dirty="0">
                         <a:solidFill>
-                          <a:schemeClr val="tx1"/>
+                          <a:schemeClr val="tx1">
+                            <a:lumMod val="75000"/>
+                            <a:lumOff val="25000"/>
+                          </a:schemeClr>
                         </a:solidFill>
                       </a:endParaRPr>
                     </a:p>
@@ -3299,27 +6004,31 @@
                     <a:bodyPr/>
                     <a:lstStyle/>
                     <a:p>
-                      <a:pPr algn="l"/>
-                      <a:r>
-                        <a:rPr lang="cs-CZ" sz="2800" b="0" dirty="0" smtClean="0">
+                      <a:pPr marL="0" algn="l" defTabSz="914400" rtl="0" eaLnBrk="1" latinLnBrk="0" hangingPunct="1"/>
+                      <a:r>
+                        <a:rPr lang="cs-CZ" sz="2600" b="0" kern="1200" dirty="0" smtClean="0">
                           <a:solidFill>
-                            <a:schemeClr val="tx1"/>
+                            <a:schemeClr val="tx1">
+                              <a:lumMod val="75000"/>
+                              <a:lumOff val="25000"/>
+                            </a:schemeClr>
                           </a:solidFill>
+                          <a:latin typeface="+mn-lt"/>
+                          <a:ea typeface="+mn-ea"/>
+                          <a:cs typeface="+mn-cs"/>
                         </a:rPr>
-                        <a:t>Za 2</a:t>
-                      </a:r>
-                      <a:r>
-                        <a:rPr lang="cs-CZ" sz="2800" b="0" baseline="0" dirty="0" smtClean="0">
-                          <a:solidFill>
-                            <a:schemeClr val="tx1"/>
-                          </a:solidFill>
-                        </a:rPr>
-                        <a:t> body</a:t>
-                      </a:r>
-                      <a:endParaRPr lang="cs-CZ" sz="2800" b="0" dirty="0">
+                        <a:t>Za 2 body</a:t>
+                      </a:r>
+                      <a:endParaRPr lang="cs-CZ" sz="2600" b="0" kern="1200" dirty="0">
                         <a:solidFill>
-                          <a:schemeClr val="tx1"/>
+                          <a:schemeClr val="tx1">
+                            <a:lumMod val="75000"/>
+                            <a:lumOff val="25000"/>
+                          </a:schemeClr>
                         </a:solidFill>
+                        <a:latin typeface="+mn-lt"/>
+                        <a:ea typeface="+mn-ea"/>
+                        <a:cs typeface="+mn-cs"/>
                       </a:endParaRPr>
                     </a:p>
                   </a:txBody>
@@ -3353,507 +6062,13 @@
                   </a:ext>
                 </a:extLst>
               </a:tr>
-              <a:tr h="3824222">
+              <a:tr h="3786624">
                 <a:tc>
                   <a:txBody>
                     <a:bodyPr/>
                     <a:lstStyle/>
                     <a:p>
-                      <a:pPr marL="342900" indent="-342900" algn="l">
-                        <a:buFont typeface="Arial" panose="020B0604020202020204" pitchFamily="34" charset="0"/>
-                        <a:buChar char="•"/>
-                      </a:pPr>
-                      <a:r>
-                        <a:rPr lang="cs-CZ" sz="2400" dirty="0" smtClean="0">
-                          <a:solidFill>
-                            <a:schemeClr val="tx1"/>
-                          </a:solidFill>
-                        </a:rPr>
-                        <a:t>cyklus </a:t>
-                      </a:r>
-                      <a:r>
-                        <a:rPr lang="cs-CZ" sz="2400" i="1" dirty="0" err="1" smtClean="0">
-                          <a:solidFill>
-                            <a:schemeClr val="tx1"/>
-                          </a:solidFill>
-                        </a:rPr>
-                        <a:t>for</a:t>
-                      </a:r>
-                      <a:endParaRPr lang="cs-CZ" sz="2400" i="1" dirty="0" smtClean="0">
-                        <a:solidFill>
-                          <a:schemeClr val="tx1"/>
-                        </a:solidFill>
-                      </a:endParaRPr>
-                    </a:p>
-                    <a:p>
-                      <a:pPr marL="342900" indent="-342900" algn="l">
-                        <a:buFont typeface="Arial" panose="020B0604020202020204" pitchFamily="34" charset="0"/>
-                        <a:buChar char="•"/>
-                      </a:pPr>
-                      <a:r>
-                        <a:rPr lang="cs-CZ" sz="2400" i="1" dirty="0" smtClean="0">
-                          <a:solidFill>
-                            <a:schemeClr val="tx1"/>
-                          </a:solidFill>
-                        </a:rPr>
-                        <a:t>c</a:t>
-                      </a:r>
-                      <a:r>
-                        <a:rPr lang="cs-CZ" sz="2400" dirty="0" smtClean="0">
-                          <a:solidFill>
-                            <a:schemeClr val="tx1"/>
-                          </a:solidFill>
-                        </a:rPr>
-                        <a:t>yklus </a:t>
-                      </a:r>
-                      <a:r>
-                        <a:rPr lang="cs-CZ" sz="2400" i="1" dirty="0" smtClean="0">
-                          <a:solidFill>
-                            <a:schemeClr val="tx1"/>
-                          </a:solidFill>
-                        </a:rPr>
-                        <a:t>do – </a:t>
-                      </a:r>
-                      <a:r>
-                        <a:rPr lang="cs-CZ" sz="2400" i="1" dirty="0" err="1" smtClean="0">
-                          <a:solidFill>
-                            <a:schemeClr val="tx1"/>
-                          </a:solidFill>
-                        </a:rPr>
-                        <a:t>while</a:t>
-                      </a:r>
-                      <a:endParaRPr lang="cs-CZ" sz="2400" i="1" dirty="0" smtClean="0">
-                        <a:solidFill>
-                          <a:schemeClr val="tx1"/>
-                        </a:solidFill>
-                      </a:endParaRPr>
-                    </a:p>
-                    <a:p>
-                      <a:pPr marL="342900" indent="-342900" algn="l">
-                        <a:buFont typeface="Arial" panose="020B0604020202020204" pitchFamily="34" charset="0"/>
-                        <a:buChar char="•"/>
-                      </a:pPr>
-                      <a:r>
-                        <a:rPr lang="cs-CZ" sz="2400" i="1" dirty="0" err="1" smtClean="0">
-                          <a:solidFill>
-                            <a:schemeClr val="tx1"/>
-                          </a:solidFill>
-                        </a:rPr>
-                        <a:t>else</a:t>
-                      </a:r>
-                      <a:r>
-                        <a:rPr lang="cs-CZ" sz="2400" i="1" dirty="0" smtClean="0">
-                          <a:solidFill>
-                            <a:schemeClr val="tx1"/>
-                          </a:solidFill>
-                        </a:rPr>
-                        <a:t> </a:t>
-                      </a:r>
-                      <a:r>
-                        <a:rPr lang="cs-CZ" sz="2400" dirty="0" smtClean="0">
-                          <a:solidFill>
-                            <a:schemeClr val="tx1"/>
-                          </a:solidFill>
-                        </a:rPr>
-                        <a:t>větev</a:t>
-                      </a:r>
-                      <a:endParaRPr lang="cs-CZ" sz="2400" i="1" dirty="0" smtClean="0">
-                        <a:solidFill>
-                          <a:schemeClr val="tx1"/>
-                        </a:solidFill>
-                      </a:endParaRPr>
-                    </a:p>
-                    <a:p>
-                      <a:pPr marL="342900" indent="-342900" algn="l">
-                        <a:buFont typeface="Arial" panose="020B0604020202020204" pitchFamily="34" charset="0"/>
-                        <a:buChar char="•"/>
-                      </a:pPr>
-                      <a:r>
-                        <a:rPr lang="cs-CZ" sz="2400" dirty="0" smtClean="0">
-                          <a:solidFill>
-                            <a:schemeClr val="tx1"/>
-                          </a:solidFill>
-                        </a:rPr>
-                        <a:t>datový typ </a:t>
-                      </a:r>
-                      <a:r>
-                        <a:rPr lang="cs-CZ" sz="2400" i="1" dirty="0" err="1" smtClean="0">
-                          <a:solidFill>
-                            <a:schemeClr val="tx1"/>
-                          </a:solidFill>
-                        </a:rPr>
-                        <a:t>boolean</a:t>
-                      </a:r>
-                      <a:endParaRPr lang="cs-CZ" sz="2400" i="1" dirty="0" smtClean="0">
-                        <a:solidFill>
-                          <a:schemeClr val="tx1"/>
-                        </a:solidFill>
-                      </a:endParaRPr>
-                    </a:p>
-                    <a:p>
-                      <a:pPr marL="342900" indent="-342900" algn="l">
-                        <a:buFont typeface="Arial" panose="020B0604020202020204" pitchFamily="34" charset="0"/>
-                        <a:buChar char="•"/>
-                      </a:pPr>
-                      <a:r>
-                        <a:rPr lang="cs-CZ" sz="2400" dirty="0" smtClean="0">
-                          <a:solidFill>
-                            <a:schemeClr val="tx1"/>
-                          </a:solidFill>
-                        </a:rPr>
-                        <a:t>datový typ </a:t>
-                      </a:r>
-                      <a:r>
-                        <a:rPr lang="cs-CZ" sz="2400" i="1" dirty="0" err="1" smtClean="0">
-                          <a:solidFill>
-                            <a:schemeClr val="tx1"/>
-                          </a:solidFill>
-                        </a:rPr>
-                        <a:t>string</a:t>
-                      </a:r>
-                      <a:endParaRPr lang="cs-CZ" sz="2400" i="1" dirty="0" smtClean="0">
-                        <a:solidFill>
-                          <a:schemeClr val="tx1"/>
-                        </a:solidFill>
-                      </a:endParaRPr>
-                    </a:p>
-                    <a:p>
-                      <a:pPr marL="342900" indent="-342900" algn="l">
-                        <a:buFont typeface="Arial" panose="020B0604020202020204" pitchFamily="34" charset="0"/>
-                        <a:buChar char="•"/>
-                      </a:pPr>
-                      <a:r>
-                        <a:rPr lang="cs-CZ" sz="2400" dirty="0" smtClean="0">
-                          <a:solidFill>
-                            <a:schemeClr val="tx1"/>
-                          </a:solidFill>
-                        </a:rPr>
-                        <a:t>násobné přiřazení </a:t>
-                      </a:r>
-                    </a:p>
-                    <a:p>
-                      <a:pPr marL="358775" indent="0" algn="l">
-                        <a:buFont typeface="Arial" panose="020B0604020202020204" pitchFamily="34" charset="0"/>
-                        <a:buNone/>
-                      </a:pPr>
-                      <a:r>
-                        <a:rPr lang="pt-BR" sz="2400" dirty="0" smtClean="0">
-                          <a:solidFill>
-                            <a:schemeClr val="tx1"/>
-                          </a:solidFill>
-                        </a:rPr>
-                        <a:t>(</a:t>
-                      </a:r>
-                      <a:r>
-                        <a:rPr lang="cs-CZ" sz="2400" dirty="0" smtClean="0">
-                          <a:solidFill>
-                            <a:schemeClr val="tx1"/>
-                          </a:solidFill>
-                        </a:rPr>
-                        <a:t> </a:t>
-                      </a:r>
-                      <a:r>
-                        <a:rPr lang="pt-BR" sz="2400" i="1" dirty="0" smtClean="0">
-                          <a:solidFill>
-                            <a:schemeClr val="tx1"/>
-                          </a:solidFill>
-                        </a:rPr>
-                        <a:t>a</a:t>
-                      </a:r>
-                      <a:r>
-                        <a:rPr lang="pt-BR" sz="2400" dirty="0" smtClean="0">
-                          <a:solidFill>
-                            <a:schemeClr val="tx1"/>
-                          </a:solidFill>
-                        </a:rPr>
-                        <a:t> </a:t>
-                      </a:r>
-                      <a:r>
-                        <a:rPr lang="cs-CZ" sz="2400" dirty="0" smtClean="0">
-                          <a:solidFill>
-                            <a:schemeClr val="tx1"/>
-                          </a:solidFill>
-                        </a:rPr>
-                        <a:t>:</a:t>
-                      </a:r>
-                      <a:r>
-                        <a:rPr lang="pt-BR" sz="2400" dirty="0" smtClean="0">
-                          <a:solidFill>
-                            <a:schemeClr val="tx1"/>
-                          </a:solidFill>
-                        </a:rPr>
-                        <a:t>= </a:t>
-                      </a:r>
-                      <a:r>
-                        <a:rPr lang="pt-BR" sz="2400" i="1" dirty="0" smtClean="0">
-                          <a:solidFill>
-                            <a:schemeClr val="tx1"/>
-                          </a:solidFill>
-                        </a:rPr>
-                        <a:t>b</a:t>
-                      </a:r>
-                      <a:r>
-                        <a:rPr lang="pt-BR" sz="2400" dirty="0" smtClean="0">
-                          <a:solidFill>
-                            <a:schemeClr val="tx1"/>
-                          </a:solidFill>
-                        </a:rPr>
-                        <a:t> </a:t>
-                      </a:r>
-                      <a:r>
-                        <a:rPr lang="cs-CZ" sz="2400" dirty="0" smtClean="0">
-                          <a:solidFill>
-                            <a:schemeClr val="tx1"/>
-                          </a:solidFill>
-                        </a:rPr>
-                        <a:t>:</a:t>
-                      </a:r>
-                      <a:r>
-                        <a:rPr lang="pt-BR" sz="2400" dirty="0" smtClean="0">
-                          <a:solidFill>
-                            <a:schemeClr val="tx1"/>
-                          </a:solidFill>
-                        </a:rPr>
-                        <a:t>= </a:t>
-                      </a:r>
-                      <a:r>
-                        <a:rPr lang="pt-BR" sz="2400" i="1" dirty="0" smtClean="0">
-                          <a:solidFill>
-                            <a:schemeClr val="tx1"/>
-                          </a:solidFill>
-                        </a:rPr>
-                        <a:t>c</a:t>
-                      </a:r>
-                      <a:r>
-                        <a:rPr lang="pt-BR" sz="2400" dirty="0" smtClean="0">
-                          <a:solidFill>
-                            <a:schemeClr val="tx1"/>
-                          </a:solidFill>
-                        </a:rPr>
-                        <a:t> </a:t>
-                      </a:r>
-                      <a:r>
-                        <a:rPr lang="cs-CZ" sz="2400" dirty="0" smtClean="0">
-                          <a:solidFill>
-                            <a:schemeClr val="tx1"/>
-                          </a:solidFill>
-                        </a:rPr>
-                        <a:t>:</a:t>
-                      </a:r>
-                      <a:r>
-                        <a:rPr lang="pt-BR" sz="2400" dirty="0" smtClean="0">
-                          <a:solidFill>
-                            <a:schemeClr val="tx1"/>
-                          </a:solidFill>
-                        </a:rPr>
-                        <a:t>= </a:t>
-                      </a:r>
-                      <a:r>
-                        <a:rPr lang="pt-BR" sz="2400" i="1" dirty="0" smtClean="0">
-                          <a:solidFill>
-                            <a:schemeClr val="tx1"/>
-                          </a:solidFill>
-                        </a:rPr>
-                        <a:t>d</a:t>
-                      </a:r>
-                      <a:r>
-                        <a:rPr lang="pt-BR" sz="2400" dirty="0" smtClean="0">
-                          <a:solidFill>
-                            <a:schemeClr val="tx1"/>
-                          </a:solidFill>
-                        </a:rPr>
-                        <a:t> </a:t>
-                      </a:r>
-                      <a:r>
-                        <a:rPr lang="cs-CZ" sz="2400" dirty="0" smtClean="0">
-                          <a:solidFill>
-                            <a:schemeClr val="tx1"/>
-                          </a:solidFill>
-                        </a:rPr>
-                        <a:t>:</a:t>
-                      </a:r>
-                      <a:r>
-                        <a:rPr lang="pt-BR" sz="2400" dirty="0" smtClean="0">
-                          <a:solidFill>
-                            <a:schemeClr val="tx1"/>
-                          </a:solidFill>
-                        </a:rPr>
-                        <a:t>= 3;</a:t>
-                      </a:r>
-                      <a:r>
-                        <a:rPr lang="cs-CZ" sz="2400" dirty="0" smtClean="0">
-                          <a:solidFill>
-                            <a:schemeClr val="tx1"/>
-                          </a:solidFill>
-                        </a:rPr>
-                        <a:t> </a:t>
-                      </a:r>
-                      <a:r>
-                        <a:rPr lang="pt-BR" sz="2400" dirty="0" smtClean="0">
-                          <a:solidFill>
-                            <a:schemeClr val="tx1"/>
-                          </a:solidFill>
-                        </a:rPr>
-                        <a:t>)</a:t>
-                      </a:r>
-                      <a:endParaRPr lang="cs-CZ" sz="2400" dirty="0" smtClean="0">
-                        <a:solidFill>
-                          <a:schemeClr val="tx1"/>
-                        </a:solidFill>
-                      </a:endParaRPr>
-                    </a:p>
-                    <a:p>
-                      <a:pPr marL="342900" indent="-342900" algn="l">
-                        <a:buFont typeface="Arial" panose="020B0604020202020204" pitchFamily="34" charset="0"/>
-                        <a:buChar char="•"/>
-                      </a:pPr>
-                      <a:r>
-                        <a:rPr lang="pt-BR" sz="2400" dirty="0" smtClean="0">
-                          <a:solidFill>
-                            <a:schemeClr val="tx1"/>
-                          </a:solidFill>
-                        </a:rPr>
-                        <a:t>ternární operátor </a:t>
-                      </a:r>
-                      <a:endParaRPr lang="cs-CZ" sz="2400" dirty="0" smtClean="0">
-                        <a:solidFill>
-                          <a:schemeClr val="tx1"/>
-                        </a:solidFill>
-                      </a:endParaRPr>
-                    </a:p>
-                    <a:p>
-                      <a:pPr marL="358775" indent="0" algn="l">
-                        <a:buFont typeface="Arial" panose="020B0604020202020204" pitchFamily="34" charset="0"/>
-                        <a:buNone/>
-                      </a:pPr>
-                      <a:r>
-                        <a:rPr lang="pt-BR" sz="2400" dirty="0" smtClean="0">
-                          <a:solidFill>
-                            <a:schemeClr val="tx1"/>
-                          </a:solidFill>
-                        </a:rPr>
-                        <a:t>(</a:t>
-                      </a:r>
-                      <a:r>
-                        <a:rPr lang="cs-CZ" sz="2400" dirty="0" smtClean="0">
-                          <a:solidFill>
-                            <a:schemeClr val="tx1"/>
-                          </a:solidFill>
-                        </a:rPr>
-                        <a:t> </a:t>
-                      </a:r>
-                      <a:r>
-                        <a:rPr lang="pt-BR" sz="2400" i="1" dirty="0" smtClean="0">
-                          <a:solidFill>
-                            <a:schemeClr val="tx1"/>
-                          </a:solidFill>
-                        </a:rPr>
-                        <a:t>min</a:t>
-                      </a:r>
-                      <a:r>
-                        <a:rPr lang="pt-BR" sz="2400" dirty="0" smtClean="0">
-                          <a:solidFill>
-                            <a:schemeClr val="tx1"/>
-                          </a:solidFill>
-                        </a:rPr>
-                        <a:t> = (</a:t>
-                      </a:r>
-                      <a:r>
-                        <a:rPr lang="pt-BR" sz="2400" i="1" dirty="0" smtClean="0">
-                          <a:solidFill>
-                            <a:schemeClr val="tx1"/>
-                          </a:solidFill>
-                        </a:rPr>
-                        <a:t>a</a:t>
-                      </a:r>
-                      <a:r>
-                        <a:rPr lang="pt-BR" sz="2400" dirty="0" smtClean="0">
-                          <a:solidFill>
-                            <a:schemeClr val="tx1"/>
-                          </a:solidFill>
-                        </a:rPr>
-                        <a:t> &lt; </a:t>
-                      </a:r>
-                      <a:r>
-                        <a:rPr lang="pt-BR" sz="2400" i="1" dirty="0" smtClean="0">
-                          <a:solidFill>
-                            <a:schemeClr val="tx1"/>
-                          </a:solidFill>
-                        </a:rPr>
-                        <a:t>b</a:t>
-                      </a:r>
-                      <a:r>
-                        <a:rPr lang="pt-BR" sz="2400" dirty="0" smtClean="0">
-                          <a:solidFill>
-                            <a:schemeClr val="tx1"/>
-                          </a:solidFill>
-                        </a:rPr>
-                        <a:t>) ? </a:t>
-                      </a:r>
-                      <a:r>
-                        <a:rPr lang="pt-BR" sz="2400" i="1" dirty="0" smtClean="0">
-                          <a:solidFill>
-                            <a:schemeClr val="tx1"/>
-                          </a:solidFill>
-                        </a:rPr>
-                        <a:t>a</a:t>
-                      </a:r>
-                      <a:r>
-                        <a:rPr lang="pt-BR" sz="2400" dirty="0" smtClean="0">
-                          <a:solidFill>
-                            <a:schemeClr val="tx1"/>
-                          </a:solidFill>
-                        </a:rPr>
-                        <a:t> :</a:t>
-                      </a:r>
-                      <a:r>
-                        <a:rPr lang="cs-CZ" sz="2400" baseline="0" dirty="0" smtClean="0">
-                          <a:solidFill>
-                            <a:schemeClr val="tx1"/>
-                          </a:solidFill>
-                        </a:rPr>
-                        <a:t> </a:t>
-                      </a:r>
-                      <a:r>
-                        <a:rPr lang="pt-BR" sz="2400" i="1" dirty="0" smtClean="0">
-                          <a:solidFill>
-                            <a:schemeClr val="tx1"/>
-                          </a:solidFill>
-                        </a:rPr>
-                        <a:t>b</a:t>
-                      </a:r>
-                      <a:r>
-                        <a:rPr lang="pt-BR" sz="2400" dirty="0" smtClean="0">
-                          <a:solidFill>
-                            <a:schemeClr val="tx1"/>
-                          </a:solidFill>
-                        </a:rPr>
-                        <a:t>;</a:t>
-                      </a:r>
-                      <a:r>
-                        <a:rPr lang="cs-CZ" sz="2400" dirty="0" smtClean="0">
-                          <a:solidFill>
-                            <a:schemeClr val="tx1"/>
-                          </a:solidFill>
-                        </a:rPr>
-                        <a:t> </a:t>
-                      </a:r>
-                      <a:r>
-                        <a:rPr lang="pt-BR" sz="2400" dirty="0" smtClean="0">
-                          <a:solidFill>
-                            <a:schemeClr val="tx1"/>
-                          </a:solidFill>
-                        </a:rPr>
-                        <a:t>)</a:t>
-                      </a:r>
-                      <a:endParaRPr lang="cs-CZ" sz="2400" dirty="0" smtClean="0">
-                        <a:solidFill>
-                          <a:schemeClr val="tx1"/>
-                        </a:solidFill>
-                      </a:endParaRPr>
-                    </a:p>
-                    <a:p>
-                      <a:pPr marL="342900" marR="0" lvl="0" indent="-342900" algn="l" defTabSz="914400" rtl="0" eaLnBrk="1" fontAlgn="auto" latinLnBrk="0" hangingPunct="1">
+                      <a:pPr marL="358775" indent="-266700" algn="l" defTabSz="914400" rtl="0" eaLnBrk="1" latinLnBrk="0" hangingPunct="1">
                         <a:lnSpc>
                           <a:spcPct val="100000"/>
                         </a:lnSpc>
@@ -3861,36 +6076,975 @@
                           <a:spcPts val="0"/>
                         </a:spcBef>
                         <a:spcAft>
+                          <a:spcPts val="600"/>
+                        </a:spcAft>
+                        <a:buClr>
+                          <a:schemeClr val="accent1"/>
+                        </a:buClr>
+                        <a:buSzPct val="100000"/>
+                        <a:buFont typeface="Arial" panose="020B0604020202020204" pitchFamily="34" charset="0"/>
+                        <a:buChar char="•"/>
+                      </a:pPr>
+                      <a:r>
+                        <a:rPr lang="cs-CZ" sz="2000" kern="1200" dirty="0" smtClean="0">
+                          <a:solidFill>
+                            <a:schemeClr val="tx1">
+                              <a:lumMod val="75000"/>
+                              <a:lumOff val="25000"/>
+                            </a:schemeClr>
+                          </a:solidFill>
+                          <a:latin typeface="+mn-lt"/>
+                          <a:ea typeface="+mn-ea"/>
+                          <a:cs typeface="+mn-cs"/>
+                        </a:rPr>
+                        <a:t>cyklus </a:t>
+                      </a:r>
+                      <a:r>
+                        <a:rPr lang="cs-CZ" sz="2000" i="1" kern="1200" dirty="0" err="1" smtClean="0">
+                          <a:solidFill>
+                            <a:schemeClr val="tx1">
+                              <a:lumMod val="75000"/>
+                              <a:lumOff val="25000"/>
+                            </a:schemeClr>
+                          </a:solidFill>
+                          <a:latin typeface="+mn-lt"/>
+                          <a:ea typeface="+mn-ea"/>
+                          <a:cs typeface="+mn-cs"/>
+                        </a:rPr>
+                        <a:t>for</a:t>
+                      </a:r>
+                      <a:endParaRPr lang="cs-CZ" sz="2000" i="1" kern="1200" dirty="0" smtClean="0">
+                        <a:solidFill>
+                          <a:schemeClr val="tx1">
+                            <a:lumMod val="75000"/>
+                            <a:lumOff val="25000"/>
+                          </a:schemeClr>
+                        </a:solidFill>
+                        <a:latin typeface="+mn-lt"/>
+                        <a:ea typeface="+mn-ea"/>
+                        <a:cs typeface="+mn-cs"/>
+                      </a:endParaRPr>
+                    </a:p>
+                    <a:p>
+                      <a:pPr marL="358775" indent="-266700" algn="l" defTabSz="914400" rtl="0" eaLnBrk="1" latinLnBrk="0" hangingPunct="1">
+                        <a:lnSpc>
+                          <a:spcPct val="100000"/>
+                        </a:lnSpc>
+                        <a:spcBef>
                           <a:spcPts val="0"/>
+                        </a:spcBef>
+                        <a:spcAft>
+                          <a:spcPts val="600"/>
                         </a:spcAft>
-                        <a:buClrTx/>
-                        <a:buSzTx/>
+                        <a:buClr>
+                          <a:schemeClr val="accent1"/>
+                        </a:buClr>
+                        <a:buSzPct val="100000"/>
+                        <a:buFont typeface="Arial" panose="020B0604020202020204" pitchFamily="34" charset="0"/>
+                        <a:buChar char="•"/>
+                      </a:pPr>
+                      <a:r>
+                        <a:rPr lang="cs-CZ" sz="2000" kern="1200" dirty="0" smtClean="0">
+                          <a:solidFill>
+                            <a:schemeClr val="tx1">
+                              <a:lumMod val="75000"/>
+                              <a:lumOff val="25000"/>
+                            </a:schemeClr>
+                          </a:solidFill>
+                          <a:latin typeface="+mn-lt"/>
+                          <a:ea typeface="+mn-ea"/>
+                          <a:cs typeface="+mn-cs"/>
+                        </a:rPr>
+                        <a:t>cyklus </a:t>
+                      </a:r>
+                      <a:r>
+                        <a:rPr lang="cs-CZ" sz="2000" i="1" kern="1200" dirty="0" smtClean="0">
+                          <a:solidFill>
+                            <a:schemeClr val="tx1">
+                              <a:lumMod val="75000"/>
+                              <a:lumOff val="25000"/>
+                            </a:schemeClr>
+                          </a:solidFill>
+                          <a:latin typeface="+mn-lt"/>
+                          <a:ea typeface="+mn-ea"/>
+                          <a:cs typeface="+mn-cs"/>
+                        </a:rPr>
+                        <a:t>do</a:t>
+                      </a:r>
+                      <a:r>
+                        <a:rPr lang="cs-CZ" sz="2000" kern="1200" dirty="0" smtClean="0">
+                          <a:solidFill>
+                            <a:schemeClr val="tx1">
+                              <a:lumMod val="75000"/>
+                              <a:lumOff val="25000"/>
+                            </a:schemeClr>
+                          </a:solidFill>
+                          <a:latin typeface="+mn-lt"/>
+                          <a:ea typeface="+mn-ea"/>
+                          <a:cs typeface="+mn-cs"/>
+                        </a:rPr>
+                        <a:t> – </a:t>
+                      </a:r>
+                      <a:r>
+                        <a:rPr lang="cs-CZ" sz="2000" i="1" kern="1200" dirty="0" err="1" smtClean="0">
+                          <a:solidFill>
+                            <a:schemeClr val="tx1">
+                              <a:lumMod val="75000"/>
+                              <a:lumOff val="25000"/>
+                            </a:schemeClr>
+                          </a:solidFill>
+                          <a:latin typeface="+mn-lt"/>
+                          <a:ea typeface="+mn-ea"/>
+                          <a:cs typeface="+mn-cs"/>
+                        </a:rPr>
+                        <a:t>while</a:t>
+                      </a:r>
+                      <a:endParaRPr lang="cs-CZ" sz="2000" i="1" kern="1200" dirty="0" smtClean="0">
+                        <a:solidFill>
+                          <a:schemeClr val="tx1">
+                            <a:lumMod val="75000"/>
+                            <a:lumOff val="25000"/>
+                          </a:schemeClr>
+                        </a:solidFill>
+                        <a:latin typeface="+mn-lt"/>
+                        <a:ea typeface="+mn-ea"/>
+                        <a:cs typeface="+mn-cs"/>
+                      </a:endParaRPr>
+                    </a:p>
+                    <a:p>
+                      <a:pPr marL="358775" indent="-266700" algn="l" defTabSz="914400" rtl="0" eaLnBrk="1" latinLnBrk="0" hangingPunct="1">
+                        <a:lnSpc>
+                          <a:spcPct val="100000"/>
+                        </a:lnSpc>
+                        <a:spcBef>
+                          <a:spcPts val="0"/>
+                        </a:spcBef>
+                        <a:spcAft>
+                          <a:spcPts val="600"/>
+                        </a:spcAft>
+                        <a:buClr>
+                          <a:schemeClr val="accent1"/>
+                        </a:buClr>
+                        <a:buSzPct val="100000"/>
+                        <a:buFont typeface="Arial" panose="020B0604020202020204" pitchFamily="34" charset="0"/>
+                        <a:buChar char="•"/>
+                      </a:pPr>
+                      <a:r>
+                        <a:rPr lang="cs-CZ" sz="2000" i="1" kern="1200" dirty="0" err="1" smtClean="0">
+                          <a:solidFill>
+                            <a:schemeClr val="tx1">
+                              <a:lumMod val="75000"/>
+                              <a:lumOff val="25000"/>
+                            </a:schemeClr>
+                          </a:solidFill>
+                          <a:latin typeface="+mn-lt"/>
+                          <a:ea typeface="+mn-ea"/>
+                          <a:cs typeface="+mn-cs"/>
+                        </a:rPr>
+                        <a:t>else</a:t>
+                      </a:r>
+                      <a:r>
+                        <a:rPr lang="cs-CZ" sz="2000" kern="1200" dirty="0" smtClean="0">
+                          <a:solidFill>
+                            <a:schemeClr val="tx1">
+                              <a:lumMod val="75000"/>
+                              <a:lumOff val="25000"/>
+                            </a:schemeClr>
+                          </a:solidFill>
+                          <a:latin typeface="+mn-lt"/>
+                          <a:ea typeface="+mn-ea"/>
+                          <a:cs typeface="+mn-cs"/>
+                        </a:rPr>
+                        <a:t> větev</a:t>
+                      </a:r>
+                    </a:p>
+                    <a:p>
+                      <a:pPr marL="358775" indent="-266700" algn="l" defTabSz="914400" rtl="0" eaLnBrk="1" latinLnBrk="0" hangingPunct="1">
+                        <a:lnSpc>
+                          <a:spcPct val="100000"/>
+                        </a:lnSpc>
+                        <a:spcBef>
+                          <a:spcPts val="0"/>
+                        </a:spcBef>
+                        <a:spcAft>
+                          <a:spcPts val="600"/>
+                        </a:spcAft>
+                        <a:buClr>
+                          <a:schemeClr val="accent1"/>
+                        </a:buClr>
+                        <a:buSzPct val="100000"/>
+                        <a:buFont typeface="Arial" panose="020B0604020202020204" pitchFamily="34" charset="0"/>
+                        <a:buChar char="•"/>
+                      </a:pPr>
+                      <a:r>
+                        <a:rPr lang="cs-CZ" sz="2000" kern="1200" dirty="0" smtClean="0">
+                          <a:solidFill>
+                            <a:schemeClr val="tx1">
+                              <a:lumMod val="75000"/>
+                              <a:lumOff val="25000"/>
+                            </a:schemeClr>
+                          </a:solidFill>
+                          <a:latin typeface="+mn-lt"/>
+                          <a:ea typeface="+mn-ea"/>
+                          <a:cs typeface="+mn-cs"/>
+                        </a:rPr>
+                        <a:t>datový typ </a:t>
+                      </a:r>
+                      <a:r>
+                        <a:rPr lang="cs-CZ" sz="2000" i="1" kern="1200" dirty="0" err="1" smtClean="0">
+                          <a:solidFill>
+                            <a:schemeClr val="tx1">
+                              <a:lumMod val="75000"/>
+                              <a:lumOff val="25000"/>
+                            </a:schemeClr>
+                          </a:solidFill>
+                          <a:latin typeface="+mn-lt"/>
+                          <a:ea typeface="+mn-ea"/>
+                          <a:cs typeface="+mn-cs"/>
+                        </a:rPr>
+                        <a:t>boolean</a:t>
+                      </a:r>
+                      <a:endParaRPr lang="cs-CZ" sz="2000" i="1" kern="1200" dirty="0" smtClean="0">
+                        <a:solidFill>
+                          <a:schemeClr val="tx1">
+                            <a:lumMod val="75000"/>
+                            <a:lumOff val="25000"/>
+                          </a:schemeClr>
+                        </a:solidFill>
+                        <a:latin typeface="+mn-lt"/>
+                        <a:ea typeface="+mn-ea"/>
+                        <a:cs typeface="+mn-cs"/>
+                      </a:endParaRPr>
+                    </a:p>
+                    <a:p>
+                      <a:pPr marL="358775" indent="-266700" algn="l" defTabSz="914400" rtl="0" eaLnBrk="1" latinLnBrk="0" hangingPunct="1">
+                        <a:lnSpc>
+                          <a:spcPct val="100000"/>
+                        </a:lnSpc>
+                        <a:spcBef>
+                          <a:spcPts val="0"/>
+                        </a:spcBef>
+                        <a:spcAft>
+                          <a:spcPts val="600"/>
+                        </a:spcAft>
+                        <a:buClr>
+                          <a:schemeClr val="accent1"/>
+                        </a:buClr>
+                        <a:buSzPct val="100000"/>
+                        <a:buFont typeface="Arial" panose="020B0604020202020204" pitchFamily="34" charset="0"/>
+                        <a:buChar char="•"/>
+                      </a:pPr>
+                      <a:r>
+                        <a:rPr lang="cs-CZ" sz="2000" kern="1200" dirty="0" smtClean="0">
+                          <a:solidFill>
+                            <a:schemeClr val="tx1">
+                              <a:lumMod val="75000"/>
+                              <a:lumOff val="25000"/>
+                            </a:schemeClr>
+                          </a:solidFill>
+                          <a:latin typeface="+mn-lt"/>
+                          <a:ea typeface="+mn-ea"/>
+                          <a:cs typeface="+mn-cs"/>
+                        </a:rPr>
+                        <a:t>datový typ </a:t>
+                      </a:r>
+                      <a:r>
+                        <a:rPr lang="cs-CZ" sz="2000" i="1" kern="1200" dirty="0" err="1" smtClean="0">
+                          <a:solidFill>
+                            <a:schemeClr val="tx1">
+                              <a:lumMod val="75000"/>
+                              <a:lumOff val="25000"/>
+                            </a:schemeClr>
+                          </a:solidFill>
+                          <a:latin typeface="+mn-lt"/>
+                          <a:ea typeface="+mn-ea"/>
+                          <a:cs typeface="+mn-cs"/>
+                        </a:rPr>
+                        <a:t>string</a:t>
+                      </a:r>
+                      <a:endParaRPr lang="cs-CZ" sz="2000" i="1" kern="1200" dirty="0" smtClean="0">
+                        <a:solidFill>
+                          <a:schemeClr val="tx1">
+                            <a:lumMod val="75000"/>
+                            <a:lumOff val="25000"/>
+                          </a:schemeClr>
+                        </a:solidFill>
+                        <a:latin typeface="+mn-lt"/>
+                        <a:ea typeface="+mn-ea"/>
+                        <a:cs typeface="+mn-cs"/>
+                      </a:endParaRPr>
+                    </a:p>
+                    <a:p>
+                      <a:pPr marL="358775" indent="-266700" algn="l" defTabSz="914400" rtl="0" eaLnBrk="1" latinLnBrk="0" hangingPunct="1">
+                        <a:lnSpc>
+                          <a:spcPct val="100000"/>
+                        </a:lnSpc>
+                        <a:spcBef>
+                          <a:spcPts val="0"/>
+                        </a:spcBef>
+                        <a:spcAft>
+                          <a:spcPts val="600"/>
+                        </a:spcAft>
+                        <a:buClr>
+                          <a:schemeClr val="accent1"/>
+                        </a:buClr>
+                        <a:buSzPct val="100000"/>
+                        <a:buFont typeface="Arial" panose="020B0604020202020204" pitchFamily="34" charset="0"/>
+                        <a:buChar char="•"/>
+                      </a:pPr>
+                      <a:r>
+                        <a:rPr lang="cs-CZ" sz="2000" kern="1200" dirty="0" smtClean="0">
+                          <a:solidFill>
+                            <a:schemeClr val="tx1">
+                              <a:lumMod val="75000"/>
+                              <a:lumOff val="25000"/>
+                            </a:schemeClr>
+                          </a:solidFill>
+                          <a:latin typeface="+mn-lt"/>
+                          <a:ea typeface="+mn-ea"/>
+                          <a:cs typeface="+mn-cs"/>
+                        </a:rPr>
+                        <a:t>násobné přiřazení </a:t>
+                      </a:r>
+                    </a:p>
+                    <a:p>
+                      <a:pPr marL="358775" indent="-266700" algn="l" defTabSz="914400" rtl="0" eaLnBrk="1" latinLnBrk="0" hangingPunct="1">
+                        <a:lnSpc>
+                          <a:spcPct val="100000"/>
+                        </a:lnSpc>
+                        <a:spcBef>
+                          <a:spcPts val="0"/>
+                        </a:spcBef>
+                        <a:spcAft>
+                          <a:spcPts val="600"/>
+                        </a:spcAft>
+                        <a:buClr>
+                          <a:schemeClr val="accent1"/>
+                        </a:buClr>
+                        <a:buSzPct val="100000"/>
+                        <a:buFont typeface="Arial" panose="020B0604020202020204" pitchFamily="34" charset="0"/>
+                        <a:buChar char="•"/>
+                      </a:pPr>
+                      <a:r>
+                        <a:rPr lang="pt-BR" sz="2000" kern="1200" dirty="0" smtClean="0">
+                          <a:solidFill>
+                            <a:schemeClr val="tx1">
+                              <a:lumMod val="75000"/>
+                              <a:lumOff val="25000"/>
+                            </a:schemeClr>
+                          </a:solidFill>
+                          <a:latin typeface="+mn-lt"/>
+                          <a:ea typeface="+mn-ea"/>
+                          <a:cs typeface="+mn-cs"/>
+                        </a:rPr>
+                        <a:t>(</a:t>
+                      </a:r>
+                      <a:r>
+                        <a:rPr lang="cs-CZ" sz="2000" kern="1200" dirty="0" smtClean="0">
+                          <a:solidFill>
+                            <a:schemeClr val="tx1">
+                              <a:lumMod val="75000"/>
+                              <a:lumOff val="25000"/>
+                            </a:schemeClr>
+                          </a:solidFill>
+                          <a:latin typeface="+mn-lt"/>
+                          <a:ea typeface="+mn-ea"/>
+                          <a:cs typeface="+mn-cs"/>
+                        </a:rPr>
+                        <a:t> </a:t>
+                      </a:r>
+                      <a:r>
+                        <a:rPr lang="pt-BR" sz="2000" i="1" kern="1200" dirty="0" smtClean="0">
+                          <a:solidFill>
+                            <a:schemeClr val="tx1">
+                              <a:lumMod val="75000"/>
+                              <a:lumOff val="25000"/>
+                            </a:schemeClr>
+                          </a:solidFill>
+                          <a:latin typeface="+mn-lt"/>
+                          <a:ea typeface="+mn-ea"/>
+                          <a:cs typeface="+mn-cs"/>
+                        </a:rPr>
+                        <a:t>a</a:t>
+                      </a:r>
+                      <a:r>
+                        <a:rPr lang="pt-BR" sz="2000" kern="1200" dirty="0" smtClean="0">
+                          <a:solidFill>
+                            <a:schemeClr val="tx1">
+                              <a:lumMod val="75000"/>
+                              <a:lumOff val="25000"/>
+                            </a:schemeClr>
+                          </a:solidFill>
+                          <a:latin typeface="+mn-lt"/>
+                          <a:ea typeface="+mn-ea"/>
+                          <a:cs typeface="+mn-cs"/>
+                        </a:rPr>
+                        <a:t> </a:t>
+                      </a:r>
+                      <a:r>
+                        <a:rPr lang="cs-CZ" sz="2000" kern="1200" dirty="0" smtClean="0">
+                          <a:solidFill>
+                            <a:schemeClr val="tx1">
+                              <a:lumMod val="75000"/>
+                              <a:lumOff val="25000"/>
+                            </a:schemeClr>
+                          </a:solidFill>
+                          <a:latin typeface="+mn-lt"/>
+                          <a:ea typeface="+mn-ea"/>
+                          <a:cs typeface="+mn-cs"/>
+                        </a:rPr>
+                        <a:t>:</a:t>
+                      </a:r>
+                      <a:r>
+                        <a:rPr lang="pt-BR" sz="2000" kern="1200" dirty="0" smtClean="0">
+                          <a:solidFill>
+                            <a:schemeClr val="tx1">
+                              <a:lumMod val="75000"/>
+                              <a:lumOff val="25000"/>
+                            </a:schemeClr>
+                          </a:solidFill>
+                          <a:latin typeface="+mn-lt"/>
+                          <a:ea typeface="+mn-ea"/>
+                          <a:cs typeface="+mn-cs"/>
+                        </a:rPr>
+                        <a:t>= </a:t>
+                      </a:r>
+                      <a:r>
+                        <a:rPr lang="pt-BR" sz="2000" i="1" kern="1200" dirty="0" smtClean="0">
+                          <a:solidFill>
+                            <a:schemeClr val="tx1">
+                              <a:lumMod val="75000"/>
+                              <a:lumOff val="25000"/>
+                            </a:schemeClr>
+                          </a:solidFill>
+                          <a:latin typeface="+mn-lt"/>
+                          <a:ea typeface="+mn-ea"/>
+                          <a:cs typeface="+mn-cs"/>
+                        </a:rPr>
+                        <a:t>b</a:t>
+                      </a:r>
+                      <a:r>
+                        <a:rPr lang="pt-BR" sz="2000" kern="1200" dirty="0" smtClean="0">
+                          <a:solidFill>
+                            <a:schemeClr val="tx1">
+                              <a:lumMod val="75000"/>
+                              <a:lumOff val="25000"/>
+                            </a:schemeClr>
+                          </a:solidFill>
+                          <a:latin typeface="+mn-lt"/>
+                          <a:ea typeface="+mn-ea"/>
+                          <a:cs typeface="+mn-cs"/>
+                        </a:rPr>
+                        <a:t> </a:t>
+                      </a:r>
+                      <a:r>
+                        <a:rPr lang="cs-CZ" sz="2000" kern="1200" dirty="0" smtClean="0">
+                          <a:solidFill>
+                            <a:schemeClr val="tx1">
+                              <a:lumMod val="75000"/>
+                              <a:lumOff val="25000"/>
+                            </a:schemeClr>
+                          </a:solidFill>
+                          <a:latin typeface="+mn-lt"/>
+                          <a:ea typeface="+mn-ea"/>
+                          <a:cs typeface="+mn-cs"/>
+                        </a:rPr>
+                        <a:t>:</a:t>
+                      </a:r>
+                      <a:r>
+                        <a:rPr lang="pt-BR" sz="2000" kern="1200" dirty="0" smtClean="0">
+                          <a:solidFill>
+                            <a:schemeClr val="tx1">
+                              <a:lumMod val="75000"/>
+                              <a:lumOff val="25000"/>
+                            </a:schemeClr>
+                          </a:solidFill>
+                          <a:latin typeface="+mn-lt"/>
+                          <a:ea typeface="+mn-ea"/>
+                          <a:cs typeface="+mn-cs"/>
+                        </a:rPr>
+                        <a:t>= </a:t>
+                      </a:r>
+                      <a:r>
+                        <a:rPr lang="pt-BR" sz="2000" i="1" kern="1200" dirty="0" smtClean="0">
+                          <a:solidFill>
+                            <a:schemeClr val="tx1">
+                              <a:lumMod val="75000"/>
+                              <a:lumOff val="25000"/>
+                            </a:schemeClr>
+                          </a:solidFill>
+                          <a:latin typeface="+mn-lt"/>
+                          <a:ea typeface="+mn-ea"/>
+                          <a:cs typeface="+mn-cs"/>
+                        </a:rPr>
+                        <a:t>c</a:t>
+                      </a:r>
+                      <a:r>
+                        <a:rPr lang="pt-BR" sz="2000" kern="1200" dirty="0" smtClean="0">
+                          <a:solidFill>
+                            <a:schemeClr val="tx1">
+                              <a:lumMod val="75000"/>
+                              <a:lumOff val="25000"/>
+                            </a:schemeClr>
+                          </a:solidFill>
+                          <a:latin typeface="+mn-lt"/>
+                          <a:ea typeface="+mn-ea"/>
+                          <a:cs typeface="+mn-cs"/>
+                        </a:rPr>
+                        <a:t> </a:t>
+                      </a:r>
+                      <a:r>
+                        <a:rPr lang="cs-CZ" sz="2000" kern="1200" dirty="0" smtClean="0">
+                          <a:solidFill>
+                            <a:schemeClr val="tx1">
+                              <a:lumMod val="75000"/>
+                              <a:lumOff val="25000"/>
+                            </a:schemeClr>
+                          </a:solidFill>
+                          <a:latin typeface="+mn-lt"/>
+                          <a:ea typeface="+mn-ea"/>
+                          <a:cs typeface="+mn-cs"/>
+                        </a:rPr>
+                        <a:t>:</a:t>
+                      </a:r>
+                      <a:r>
+                        <a:rPr lang="pt-BR" sz="2000" kern="1200" dirty="0" smtClean="0">
+                          <a:solidFill>
+                            <a:schemeClr val="tx1">
+                              <a:lumMod val="75000"/>
+                              <a:lumOff val="25000"/>
+                            </a:schemeClr>
+                          </a:solidFill>
+                          <a:latin typeface="+mn-lt"/>
+                          <a:ea typeface="+mn-ea"/>
+                          <a:cs typeface="+mn-cs"/>
+                        </a:rPr>
+                        <a:t>= </a:t>
+                      </a:r>
+                      <a:r>
+                        <a:rPr lang="pt-BR" sz="2000" i="1" kern="1200" dirty="0" smtClean="0">
+                          <a:solidFill>
+                            <a:schemeClr val="tx1">
+                              <a:lumMod val="75000"/>
+                              <a:lumOff val="25000"/>
+                            </a:schemeClr>
+                          </a:solidFill>
+                          <a:latin typeface="+mn-lt"/>
+                          <a:ea typeface="+mn-ea"/>
+                          <a:cs typeface="+mn-cs"/>
+                        </a:rPr>
+                        <a:t>d</a:t>
+                      </a:r>
+                      <a:r>
+                        <a:rPr lang="pt-BR" sz="2000" kern="1200" dirty="0" smtClean="0">
+                          <a:solidFill>
+                            <a:schemeClr val="tx1">
+                              <a:lumMod val="75000"/>
+                              <a:lumOff val="25000"/>
+                            </a:schemeClr>
+                          </a:solidFill>
+                          <a:latin typeface="+mn-lt"/>
+                          <a:ea typeface="+mn-ea"/>
+                          <a:cs typeface="+mn-cs"/>
+                        </a:rPr>
+                        <a:t> </a:t>
+                      </a:r>
+                      <a:r>
+                        <a:rPr lang="cs-CZ" sz="2000" kern="1200" dirty="0" smtClean="0">
+                          <a:solidFill>
+                            <a:schemeClr val="tx1">
+                              <a:lumMod val="75000"/>
+                              <a:lumOff val="25000"/>
+                            </a:schemeClr>
+                          </a:solidFill>
+                          <a:latin typeface="+mn-lt"/>
+                          <a:ea typeface="+mn-ea"/>
+                          <a:cs typeface="+mn-cs"/>
+                        </a:rPr>
+                        <a:t>:</a:t>
+                      </a:r>
+                      <a:r>
+                        <a:rPr lang="pt-BR" sz="2000" kern="1200" dirty="0" smtClean="0">
+                          <a:solidFill>
+                            <a:schemeClr val="tx1">
+                              <a:lumMod val="75000"/>
+                              <a:lumOff val="25000"/>
+                            </a:schemeClr>
+                          </a:solidFill>
+                          <a:latin typeface="+mn-lt"/>
+                          <a:ea typeface="+mn-ea"/>
+                          <a:cs typeface="+mn-cs"/>
+                        </a:rPr>
+                        <a:t>= 3;</a:t>
+                      </a:r>
+                      <a:r>
+                        <a:rPr lang="cs-CZ" sz="2000" kern="1200" dirty="0" smtClean="0">
+                          <a:solidFill>
+                            <a:schemeClr val="tx1">
+                              <a:lumMod val="75000"/>
+                              <a:lumOff val="25000"/>
+                            </a:schemeClr>
+                          </a:solidFill>
+                          <a:latin typeface="+mn-lt"/>
+                          <a:ea typeface="+mn-ea"/>
+                          <a:cs typeface="+mn-cs"/>
+                        </a:rPr>
+                        <a:t> </a:t>
+                      </a:r>
+                      <a:r>
+                        <a:rPr lang="pt-BR" sz="2000" kern="1200" dirty="0" smtClean="0">
+                          <a:solidFill>
+                            <a:schemeClr val="tx1">
+                              <a:lumMod val="75000"/>
+                              <a:lumOff val="25000"/>
+                            </a:schemeClr>
+                          </a:solidFill>
+                          <a:latin typeface="+mn-lt"/>
+                          <a:ea typeface="+mn-ea"/>
+                          <a:cs typeface="+mn-cs"/>
+                        </a:rPr>
+                        <a:t>)</a:t>
+                      </a:r>
+                      <a:endParaRPr lang="cs-CZ" sz="2000" kern="1200" dirty="0" smtClean="0">
+                        <a:solidFill>
+                          <a:schemeClr val="tx1">
+                            <a:lumMod val="75000"/>
+                            <a:lumOff val="25000"/>
+                          </a:schemeClr>
+                        </a:solidFill>
+                        <a:latin typeface="+mn-lt"/>
+                        <a:ea typeface="+mn-ea"/>
+                        <a:cs typeface="+mn-cs"/>
+                      </a:endParaRPr>
+                    </a:p>
+                    <a:p>
+                      <a:pPr marL="358775" indent="-266700" algn="l" defTabSz="914400" rtl="0" eaLnBrk="1" latinLnBrk="0" hangingPunct="1">
+                        <a:lnSpc>
+                          <a:spcPct val="100000"/>
+                        </a:lnSpc>
+                        <a:spcBef>
+                          <a:spcPts val="0"/>
+                        </a:spcBef>
+                        <a:spcAft>
+                          <a:spcPts val="600"/>
+                        </a:spcAft>
+                        <a:buClr>
+                          <a:schemeClr val="accent1"/>
+                        </a:buClr>
+                        <a:buSzPct val="100000"/>
+                        <a:buFont typeface="Arial" panose="020B0604020202020204" pitchFamily="34" charset="0"/>
+                        <a:buChar char="•"/>
+                      </a:pPr>
+                      <a:r>
+                        <a:rPr lang="pt-BR" sz="2000" kern="1200" dirty="0" smtClean="0">
+                          <a:solidFill>
+                            <a:schemeClr val="tx1">
+                              <a:lumMod val="75000"/>
+                              <a:lumOff val="25000"/>
+                            </a:schemeClr>
+                          </a:solidFill>
+                          <a:latin typeface="+mn-lt"/>
+                          <a:ea typeface="+mn-ea"/>
+                          <a:cs typeface="+mn-cs"/>
+                        </a:rPr>
+                        <a:t>ternární operátor </a:t>
+                      </a:r>
+                      <a:endParaRPr lang="cs-CZ" sz="2000" kern="1200" dirty="0" smtClean="0">
+                        <a:solidFill>
+                          <a:schemeClr val="tx1">
+                            <a:lumMod val="75000"/>
+                            <a:lumOff val="25000"/>
+                          </a:schemeClr>
+                        </a:solidFill>
+                        <a:latin typeface="+mn-lt"/>
+                        <a:ea typeface="+mn-ea"/>
+                        <a:cs typeface="+mn-cs"/>
+                      </a:endParaRPr>
+                    </a:p>
+                    <a:p>
+                      <a:pPr marL="358775" indent="-266700" algn="l" defTabSz="914400" rtl="0" eaLnBrk="1" latinLnBrk="0" hangingPunct="1">
+                        <a:lnSpc>
+                          <a:spcPct val="100000"/>
+                        </a:lnSpc>
+                        <a:spcBef>
+                          <a:spcPts val="0"/>
+                        </a:spcBef>
+                        <a:spcAft>
+                          <a:spcPts val="600"/>
+                        </a:spcAft>
+                        <a:buClr>
+                          <a:schemeClr val="accent1"/>
+                        </a:buClr>
+                        <a:buSzPct val="100000"/>
+                        <a:buFont typeface="Arial" panose="020B0604020202020204" pitchFamily="34" charset="0"/>
+                        <a:buChar char="•"/>
+                      </a:pPr>
+                      <a:r>
+                        <a:rPr lang="pt-BR" sz="2000" kern="1200" dirty="0" smtClean="0">
+                          <a:solidFill>
+                            <a:schemeClr val="tx1">
+                              <a:lumMod val="75000"/>
+                              <a:lumOff val="25000"/>
+                            </a:schemeClr>
+                          </a:solidFill>
+                          <a:latin typeface="+mn-lt"/>
+                          <a:ea typeface="+mn-ea"/>
+                          <a:cs typeface="+mn-cs"/>
+                        </a:rPr>
+                        <a:t>(</a:t>
+                      </a:r>
+                      <a:r>
+                        <a:rPr lang="cs-CZ" sz="2000" kern="1200" dirty="0" smtClean="0">
+                          <a:solidFill>
+                            <a:schemeClr val="tx1">
+                              <a:lumMod val="75000"/>
+                              <a:lumOff val="25000"/>
+                            </a:schemeClr>
+                          </a:solidFill>
+                          <a:latin typeface="+mn-lt"/>
+                          <a:ea typeface="+mn-ea"/>
+                          <a:cs typeface="+mn-cs"/>
+                        </a:rPr>
+                        <a:t> </a:t>
+                      </a:r>
+                      <a:r>
+                        <a:rPr lang="pt-BR" sz="2000" i="1" kern="1200" dirty="0" smtClean="0">
+                          <a:solidFill>
+                            <a:schemeClr val="tx1">
+                              <a:lumMod val="75000"/>
+                              <a:lumOff val="25000"/>
+                            </a:schemeClr>
+                          </a:solidFill>
+                          <a:latin typeface="+mn-lt"/>
+                          <a:ea typeface="+mn-ea"/>
+                          <a:cs typeface="+mn-cs"/>
+                        </a:rPr>
+                        <a:t>min</a:t>
+                      </a:r>
+                      <a:r>
+                        <a:rPr lang="pt-BR" sz="2000" kern="1200" dirty="0" smtClean="0">
+                          <a:solidFill>
+                            <a:schemeClr val="tx1">
+                              <a:lumMod val="75000"/>
+                              <a:lumOff val="25000"/>
+                            </a:schemeClr>
+                          </a:solidFill>
+                          <a:latin typeface="+mn-lt"/>
+                          <a:ea typeface="+mn-ea"/>
+                          <a:cs typeface="+mn-cs"/>
+                        </a:rPr>
+                        <a:t> = (</a:t>
+                      </a:r>
+                      <a:r>
+                        <a:rPr lang="pt-BR" sz="2000" i="1" kern="1200" dirty="0" smtClean="0">
+                          <a:solidFill>
+                            <a:schemeClr val="tx1">
+                              <a:lumMod val="75000"/>
+                              <a:lumOff val="25000"/>
+                            </a:schemeClr>
+                          </a:solidFill>
+                          <a:latin typeface="+mn-lt"/>
+                          <a:ea typeface="+mn-ea"/>
+                          <a:cs typeface="+mn-cs"/>
+                        </a:rPr>
+                        <a:t>a</a:t>
+                      </a:r>
+                      <a:r>
+                        <a:rPr lang="pt-BR" sz="2000" kern="1200" dirty="0" smtClean="0">
+                          <a:solidFill>
+                            <a:schemeClr val="tx1">
+                              <a:lumMod val="75000"/>
+                              <a:lumOff val="25000"/>
+                            </a:schemeClr>
+                          </a:solidFill>
+                          <a:latin typeface="+mn-lt"/>
+                          <a:ea typeface="+mn-ea"/>
+                          <a:cs typeface="+mn-cs"/>
+                        </a:rPr>
+                        <a:t> &lt; </a:t>
+                      </a:r>
+                      <a:r>
+                        <a:rPr lang="pt-BR" sz="2000" i="1" kern="1200" dirty="0" smtClean="0">
+                          <a:solidFill>
+                            <a:schemeClr val="tx1">
+                              <a:lumMod val="75000"/>
+                              <a:lumOff val="25000"/>
+                            </a:schemeClr>
+                          </a:solidFill>
+                          <a:latin typeface="+mn-lt"/>
+                          <a:ea typeface="+mn-ea"/>
+                          <a:cs typeface="+mn-cs"/>
+                        </a:rPr>
+                        <a:t>b</a:t>
+                      </a:r>
+                      <a:r>
+                        <a:rPr lang="pt-BR" sz="2000" kern="1200" dirty="0" smtClean="0">
+                          <a:solidFill>
+                            <a:schemeClr val="tx1">
+                              <a:lumMod val="75000"/>
+                              <a:lumOff val="25000"/>
+                            </a:schemeClr>
+                          </a:solidFill>
+                          <a:latin typeface="+mn-lt"/>
+                          <a:ea typeface="+mn-ea"/>
+                          <a:cs typeface="+mn-cs"/>
+                        </a:rPr>
+                        <a:t>) ? </a:t>
+                      </a:r>
+                      <a:r>
+                        <a:rPr lang="pt-BR" sz="2000" i="1" kern="1200" dirty="0" smtClean="0">
+                          <a:solidFill>
+                            <a:schemeClr val="tx1">
+                              <a:lumMod val="75000"/>
+                              <a:lumOff val="25000"/>
+                            </a:schemeClr>
+                          </a:solidFill>
+                          <a:latin typeface="+mn-lt"/>
+                          <a:ea typeface="+mn-ea"/>
+                          <a:cs typeface="+mn-cs"/>
+                        </a:rPr>
+                        <a:t>a</a:t>
+                      </a:r>
+                      <a:r>
+                        <a:rPr lang="pt-BR" sz="2000" kern="1200" dirty="0" smtClean="0">
+                          <a:solidFill>
+                            <a:schemeClr val="tx1">
+                              <a:lumMod val="75000"/>
+                              <a:lumOff val="25000"/>
+                            </a:schemeClr>
+                          </a:solidFill>
+                          <a:latin typeface="+mn-lt"/>
+                          <a:ea typeface="+mn-ea"/>
+                          <a:cs typeface="+mn-cs"/>
+                        </a:rPr>
+                        <a:t> :</a:t>
+                      </a:r>
+                      <a:r>
+                        <a:rPr lang="cs-CZ" sz="2000" kern="1200" dirty="0" smtClean="0">
+                          <a:solidFill>
+                            <a:schemeClr val="tx1">
+                              <a:lumMod val="75000"/>
+                              <a:lumOff val="25000"/>
+                            </a:schemeClr>
+                          </a:solidFill>
+                          <a:latin typeface="+mn-lt"/>
+                          <a:ea typeface="+mn-ea"/>
+                          <a:cs typeface="+mn-cs"/>
+                        </a:rPr>
+                        <a:t> </a:t>
+                      </a:r>
+                      <a:r>
+                        <a:rPr lang="pt-BR" sz="2000" i="1" kern="1200" dirty="0" smtClean="0">
+                          <a:solidFill>
+                            <a:schemeClr val="tx1">
+                              <a:lumMod val="75000"/>
+                              <a:lumOff val="25000"/>
+                            </a:schemeClr>
+                          </a:solidFill>
+                          <a:latin typeface="+mn-lt"/>
+                          <a:ea typeface="+mn-ea"/>
+                          <a:cs typeface="+mn-cs"/>
+                        </a:rPr>
+                        <a:t>b</a:t>
+                      </a:r>
+                      <a:r>
+                        <a:rPr lang="pt-BR" sz="2000" kern="1200" dirty="0" smtClean="0">
+                          <a:solidFill>
+                            <a:schemeClr val="tx1">
+                              <a:lumMod val="75000"/>
+                              <a:lumOff val="25000"/>
+                            </a:schemeClr>
+                          </a:solidFill>
+                          <a:latin typeface="+mn-lt"/>
+                          <a:ea typeface="+mn-ea"/>
+                          <a:cs typeface="+mn-cs"/>
+                        </a:rPr>
+                        <a:t>;</a:t>
+                      </a:r>
+                      <a:r>
+                        <a:rPr lang="cs-CZ" sz="2000" kern="1200" dirty="0" smtClean="0">
+                          <a:solidFill>
+                            <a:schemeClr val="tx1">
+                              <a:lumMod val="75000"/>
+                              <a:lumOff val="25000"/>
+                            </a:schemeClr>
+                          </a:solidFill>
+                          <a:latin typeface="+mn-lt"/>
+                          <a:ea typeface="+mn-ea"/>
+                          <a:cs typeface="+mn-cs"/>
+                        </a:rPr>
+                        <a:t> </a:t>
+                      </a:r>
+                      <a:r>
+                        <a:rPr lang="pt-BR" sz="2000" kern="1200" dirty="0" smtClean="0">
+                          <a:solidFill>
+                            <a:schemeClr val="tx1">
+                              <a:lumMod val="75000"/>
+                              <a:lumOff val="25000"/>
+                            </a:schemeClr>
+                          </a:solidFill>
+                          <a:latin typeface="+mn-lt"/>
+                          <a:ea typeface="+mn-ea"/>
+                          <a:cs typeface="+mn-cs"/>
+                        </a:rPr>
+                        <a:t>)</a:t>
+                      </a:r>
+                      <a:endParaRPr lang="cs-CZ" sz="2000" kern="1200" dirty="0" smtClean="0">
+                        <a:solidFill>
+                          <a:schemeClr val="tx1">
+                            <a:lumMod val="75000"/>
+                            <a:lumOff val="25000"/>
+                          </a:schemeClr>
+                        </a:solidFill>
+                        <a:latin typeface="+mn-lt"/>
+                        <a:ea typeface="+mn-ea"/>
+                        <a:cs typeface="+mn-cs"/>
+                      </a:endParaRPr>
+                    </a:p>
+                    <a:p>
+                      <a:pPr marL="358775" marR="0" lvl="0" indent="-266700" algn="l" defTabSz="914400" rtl="0" eaLnBrk="1" fontAlgn="auto" latinLnBrk="0" hangingPunct="1">
+                        <a:lnSpc>
+                          <a:spcPct val="100000"/>
+                        </a:lnSpc>
+                        <a:spcBef>
+                          <a:spcPts val="0"/>
+                        </a:spcBef>
+                        <a:spcAft>
+                          <a:spcPts val="600"/>
+                        </a:spcAft>
+                        <a:buClr>
+                          <a:schemeClr val="accent1"/>
+                        </a:buClr>
+                        <a:buSzPct val="100000"/>
                         <a:buFont typeface="Arial" panose="020B0604020202020204" pitchFamily="34" charset="0"/>
                         <a:buChar char="•"/>
                         <a:tabLst/>
                         <a:defRPr/>
                       </a:pPr>
                       <a:r>
-                        <a:rPr kumimoji="0" lang="cs-CZ" sz="2400" b="0" i="0" u="none" strike="noStrike" kern="1200" cap="none" spc="0" normalizeH="0" baseline="0" noProof="0" dirty="0" smtClean="0">
-                          <a:ln>
-                            <a:noFill/>
-                          </a:ln>
+                        <a:rPr lang="cs-CZ" sz="2000" kern="1200" noProof="0" dirty="0" smtClean="0">
                           <a:solidFill>
-                            <a:prstClr val="black"/>
+                            <a:schemeClr val="tx1">
+                              <a:lumMod val="75000"/>
+                              <a:lumOff val="25000"/>
+                            </a:schemeClr>
                           </a:solidFill>
-                          <a:effectLst/>
-                          <a:uLnTx/>
-                          <a:uFillTx/>
                           <a:latin typeface="+mn-lt"/>
                           <a:ea typeface="+mn-ea"/>
                           <a:cs typeface="+mn-cs"/>
                         </a:rPr>
                         <a:t>příkazy pro vstup a výstup</a:t>
                       </a:r>
-                      <a:endParaRPr lang="cs-CZ" dirty="0">
+                      <a:endParaRPr lang="cs-CZ" sz="2000" kern="1200" dirty="0">
                         <a:solidFill>
-                          <a:schemeClr val="tx1"/>
+                          <a:schemeClr val="tx1">
+                            <a:lumMod val="75000"/>
+                            <a:lumOff val="25000"/>
+                          </a:schemeClr>
                         </a:solidFill>
+                        <a:latin typeface="+mn-lt"/>
+                        <a:ea typeface="+mn-ea"/>
+                        <a:cs typeface="+mn-cs"/>
                       </a:endParaRPr>
                     </a:p>
                   </a:txBody>
@@ -3923,14 +7077,30 @@
                     <a:bodyPr/>
                     <a:lstStyle/>
                     <a:p>
-                      <a:pPr marL="342900" indent="-342900" algn="l">
+                      <a:pPr marL="358775" indent="-266700" algn="l" defTabSz="914400" rtl="0" eaLnBrk="1" latinLnBrk="0" hangingPunct="1">
+                        <a:lnSpc>
+                          <a:spcPct val="100000"/>
+                        </a:lnSpc>
+                        <a:spcBef>
+                          <a:spcPts val="0"/>
+                        </a:spcBef>
+                        <a:spcAft>
+                          <a:spcPts val="600"/>
+                        </a:spcAft>
+                        <a:buClr>
+                          <a:schemeClr val="accent1"/>
+                        </a:buClr>
+                        <a:buSzPct val="100000"/>
                         <a:buFont typeface="Arial" panose="020B0604020202020204" pitchFamily="34" charset="0"/>
                         <a:buChar char="•"/>
                       </a:pPr>
                       <a:r>
-                        <a:rPr lang="pt-BR" sz="2400" kern="1200" dirty="0" smtClean="0">
+                        <a:rPr lang="pt-BR" sz="2000" kern="1200" dirty="0" smtClean="0">
                           <a:solidFill>
-                            <a:schemeClr val="tx1"/>
+                            <a:schemeClr val="tx1">
+                              <a:lumMod val="75000"/>
+                              <a:lumOff val="25000"/>
+                            </a:schemeClr>
                           </a:solidFill>
                           <a:latin typeface="+mn-lt"/>
                           <a:ea typeface="+mn-ea"/>
@@ -3938,9 +7108,12 @@
                         </a:rPr>
                         <a:t>pole a práce s jeho prvky</a:t>
                       </a:r>
-                      <a:endParaRPr lang="cs-CZ" sz="2400" kern="1200" dirty="0" smtClean="0">
+                      <a:endParaRPr lang="cs-CZ" sz="2000" kern="1200" dirty="0" smtClean="0">
                         <a:solidFill>
-                          <a:schemeClr val="tx1"/>
+                          <a:schemeClr val="tx1">
+                            <a:lumMod val="75000"/>
+                            <a:lumOff val="25000"/>
+                          </a:schemeClr>
                         </a:solidFill>
                         <a:latin typeface="+mn-lt"/>
                         <a:ea typeface="+mn-ea"/>
@@ -3948,14 +7121,30 @@
                       </a:endParaRPr>
                     </a:p>
                     <a:p>
-                      <a:pPr marL="342900" indent="-342900" algn="l">
+                      <a:pPr marL="358775" indent="-266700" algn="l" defTabSz="914400" rtl="0" eaLnBrk="1" latinLnBrk="0" hangingPunct="1">
+                        <a:lnSpc>
+                          <a:spcPct val="100000"/>
+                        </a:lnSpc>
+                        <a:spcBef>
+                          <a:spcPts val="0"/>
+                        </a:spcBef>
+                        <a:spcAft>
+                          <a:spcPts val="600"/>
+                        </a:spcAft>
+                        <a:buClr>
+                          <a:schemeClr val="accent1"/>
+                        </a:buClr>
+                        <a:buSzPct val="100000"/>
                         <a:buFont typeface="Arial" panose="020B0604020202020204" pitchFamily="34" charset="0"/>
                         <a:buChar char="•"/>
                       </a:pPr>
                       <a:r>
-                        <a:rPr lang="cs-CZ" sz="2400" kern="1200" dirty="0" smtClean="0">
+                        <a:rPr lang="cs-CZ" sz="2000" kern="1200" dirty="0" smtClean="0">
                           <a:solidFill>
-                            <a:schemeClr val="tx1"/>
+                            <a:schemeClr val="tx1">
+                              <a:lumMod val="75000"/>
+                              <a:lumOff val="25000"/>
+                            </a:schemeClr>
                           </a:solidFill>
                           <a:latin typeface="+mn-lt"/>
                           <a:ea typeface="+mn-ea"/>
@@ -3963,9 +7152,12 @@
                         </a:rPr>
                         <a:t>porovnání řetězců</a:t>
                       </a:r>
-                      <a:endParaRPr lang="cs-CZ" sz="2400" kern="1200" dirty="0">
+                      <a:endParaRPr lang="cs-CZ" sz="2000" kern="1200" dirty="0">
                         <a:solidFill>
-                          <a:schemeClr val="tx1"/>
+                          <a:schemeClr val="tx1">
+                            <a:lumMod val="75000"/>
+                            <a:lumOff val="25000"/>
+                          </a:schemeClr>
                         </a:solidFill>
                         <a:latin typeface="+mn-lt"/>
                         <a:ea typeface="+mn-ea"/>
@@ -4007,6 +7199,33 @@
           </a:graphicData>
         </a:graphic>
       </p:graphicFrame>
+      <p:sp>
+        <p:nvSpPr>
+          <p:cNvPr id="3" name="Zástupný symbol pro číslo snímku 2"/>
+          <p:cNvSpPr>
+            <a:spLocks noGrp="1"/>
+          </p:cNvSpPr>
+          <p:nvPr>
+            <p:ph type="sldNum" sz="quarter" idx="12"/>
+          </p:nvPr>
+        </p:nvSpPr>
+        <p:spPr/>
+        <p:txBody>
+          <a:bodyPr/>
+          <a:lstStyle/>
+          <a:p>
+            <a:fld id="{D8B01677-E260-4E98-B77E-BB7A87F37343}" type="slidenum">
+              <a:rPr lang="cs-CZ" sz="1200" smtClean="0"/>
+              <a:t>4</a:t>
+            </a:fld>
+            <a:r>
+              <a:rPr lang="cs-CZ" sz="1200" dirty="0" smtClean="0"/>
+              <a:t> / 10</a:t>
+            </a:r>
+            <a:endParaRPr lang="cs-CZ" sz="1200" dirty="0"/>
+          </a:p>
+        </p:txBody>
+      </p:sp>
     </p:spTree>
     <p:extLst>
       <p:ext uri="{BB962C8B-B14F-4D97-AF65-F5344CB8AC3E}">
@@ -4017,10 +7236,1623 @@
   <p:clrMapOvr>
     <a:masterClrMapping/>
   </p:clrMapOvr>
+  <p:timing>
+    <p:tnLst>
+      <p:par>
+        <p:cTn id="1" dur="indefinite" restart="never" nodeType="tmRoot"/>
+      </p:par>
+    </p:tnLst>
+  </p:timing>
+</p:sld>
+</file>
+
+<file path=ppt/slides/slide5.xml><?xml version="1.0" encoding="utf-8"?>
+<p:sld xmlns:a="http://schemas.openxmlformats.org/drawingml/2006/main" xmlns:r="http://schemas.openxmlformats.org/officeDocument/2006/relationships" xmlns:p="http://schemas.openxmlformats.org/presentationml/2006/main">
+  <p:cSld>
+    <p:spTree>
+      <p:nvGrpSpPr>
+        <p:cNvPr id="1" name=""/>
+        <p:cNvGrpSpPr/>
+        <p:nvPr/>
+      </p:nvGrpSpPr>
+      <p:grpSpPr>
+        <a:xfrm>
+          <a:off x="0" y="0"/>
+          <a:ext cx="0" cy="0"/>
+          <a:chOff x="0" y="0"/>
+          <a:chExt cx="0" cy="0"/>
+        </a:xfrm>
+      </p:grpSpPr>
+      <p:sp>
+        <p:nvSpPr>
+          <p:cNvPr id="2" name="Nadpis 1"/>
+          <p:cNvSpPr>
+            <a:spLocks noGrp="1"/>
+          </p:cNvSpPr>
+          <p:nvPr>
+            <p:ph type="ctrTitle"/>
+          </p:nvPr>
+        </p:nvSpPr>
+        <p:spPr/>
+        <p:txBody>
+          <a:bodyPr/>
+          <a:lstStyle/>
+          <a:p>
+            <a:r>
+              <a:rPr lang="cs-CZ" dirty="0" smtClean="0"/>
+              <a:t>Gramatika</a:t>
+            </a:r>
+            <a:endParaRPr lang="cs-CZ" dirty="0"/>
+          </a:p>
+        </p:txBody>
+      </p:sp>
+      <p:sp>
+        <p:nvSpPr>
+          <p:cNvPr id="6" name="Zástupný symbol pro číslo snímku 5"/>
+          <p:cNvSpPr>
+            <a:spLocks noGrp="1"/>
+          </p:cNvSpPr>
+          <p:nvPr>
+            <p:ph type="sldNum" sz="quarter" idx="12"/>
+          </p:nvPr>
+        </p:nvSpPr>
+        <p:spPr/>
+        <p:txBody>
+          <a:bodyPr/>
+          <a:lstStyle/>
+          <a:p>
+            <a:fld id="{D8B01677-E260-4E98-B77E-BB7A87F37343}" type="slidenum">
+              <a:rPr lang="cs-CZ" sz="1200" smtClean="0"/>
+              <a:t>5</a:t>
+            </a:fld>
+            <a:r>
+              <a:rPr lang="cs-CZ" sz="1200" dirty="0" smtClean="0"/>
+              <a:t> / 10</a:t>
+            </a:r>
+            <a:endParaRPr lang="cs-CZ" sz="1200" dirty="0"/>
+          </a:p>
+        </p:txBody>
+      </p:sp>
+    </p:spTree>
+    <p:extLst>
+      <p:ext uri="{BB962C8B-B14F-4D97-AF65-F5344CB8AC3E}">
+        <p14:creationId xmlns:p14="http://schemas.microsoft.com/office/powerpoint/2010/main" val="66937721"/>
+      </p:ext>
+    </p:extLst>
+  </p:cSld>
+  <p:clrMapOvr>
+    <a:masterClrMapping/>
+  </p:clrMapOvr>
+  <p:timing>
+    <p:tnLst>
+      <p:par>
+        <p:cTn id="1" dur="indefinite" restart="never" nodeType="tmRoot"/>
+      </p:par>
+    </p:tnLst>
+  </p:timing>
+</p:sld>
+</file>
+
+<file path=ppt/slides/slide6.xml><?xml version="1.0" encoding="utf-8"?>
+<p:sld xmlns:a="http://schemas.openxmlformats.org/drawingml/2006/main" xmlns:r="http://schemas.openxmlformats.org/officeDocument/2006/relationships" xmlns:p="http://schemas.openxmlformats.org/presentationml/2006/main">
+  <p:cSld>
+    <p:spTree>
+      <p:nvGrpSpPr>
+        <p:cNvPr id="1" name=""/>
+        <p:cNvGrpSpPr/>
+        <p:nvPr/>
+      </p:nvGrpSpPr>
+      <p:grpSpPr>
+        <a:xfrm>
+          <a:off x="0" y="0"/>
+          <a:ext cx="0" cy="0"/>
+          <a:chOff x="0" y="0"/>
+          <a:chExt cx="0" cy="0"/>
+        </a:xfrm>
+      </p:grpSpPr>
+      <p:pic>
+        <p:nvPicPr>
+          <p:cNvPr id="3" name="Obrázek 2"/>
+          <p:cNvPicPr>
+            <a:picLocks noChangeAspect="1"/>
+          </p:cNvPicPr>
+          <p:nvPr/>
+        </p:nvPicPr>
+        <p:blipFill>
+          <a:blip r:embed="rId2"/>
+          <a:stretch>
+            <a:fillRect/>
+          </a:stretch>
+        </p:blipFill>
+        <p:spPr>
+          <a:xfrm>
+            <a:off x="1398758" y="191342"/>
+            <a:ext cx="9394483" cy="5973106"/>
+          </a:xfrm>
+          <a:prstGeom prst="rect">
+            <a:avLst/>
+          </a:prstGeom>
+        </p:spPr>
+      </p:pic>
+      <p:sp>
+        <p:nvSpPr>
+          <p:cNvPr id="5" name="Zástupný symbol pro číslo snímku 4"/>
+          <p:cNvSpPr>
+            <a:spLocks noGrp="1"/>
+          </p:cNvSpPr>
+          <p:nvPr>
+            <p:ph type="sldNum" sz="quarter" idx="12"/>
+          </p:nvPr>
+        </p:nvSpPr>
+        <p:spPr/>
+        <p:txBody>
+          <a:bodyPr/>
+          <a:lstStyle/>
+          <a:p>
+            <a:fld id="{D8B01677-E260-4E98-B77E-BB7A87F37343}" type="slidenum">
+              <a:rPr lang="cs-CZ" sz="1200" smtClean="0"/>
+              <a:t>6</a:t>
+            </a:fld>
+            <a:r>
+              <a:rPr lang="cs-CZ" sz="1200" dirty="0" smtClean="0"/>
+              <a:t> / 10</a:t>
+            </a:r>
+            <a:endParaRPr lang="cs-CZ" sz="1200" dirty="0"/>
+          </a:p>
+        </p:txBody>
+      </p:sp>
+    </p:spTree>
+    <p:extLst>
+      <p:ext uri="{BB962C8B-B14F-4D97-AF65-F5344CB8AC3E}">
+        <p14:creationId xmlns:p14="http://schemas.microsoft.com/office/powerpoint/2010/main" val="1986920801"/>
+      </p:ext>
+    </p:extLst>
+  </p:cSld>
+  <p:clrMapOvr>
+    <a:masterClrMapping/>
+  </p:clrMapOvr>
+  <p:timing>
+    <p:tnLst>
+      <p:par>
+        <p:cTn id="1" dur="indefinite" restart="never" nodeType="tmRoot"/>
+      </p:par>
+    </p:tnLst>
+  </p:timing>
+</p:sld>
+</file>
+
+<file path=ppt/slides/slide7.xml><?xml version="1.0" encoding="utf-8"?>
+<p:sld xmlns:a="http://schemas.openxmlformats.org/drawingml/2006/main" xmlns:r="http://schemas.openxmlformats.org/officeDocument/2006/relationships" xmlns:p="http://schemas.openxmlformats.org/presentationml/2006/main">
+  <p:cSld>
+    <p:spTree>
+      <p:nvGrpSpPr>
+        <p:cNvPr id="1" name=""/>
+        <p:cNvGrpSpPr/>
+        <p:nvPr/>
+      </p:nvGrpSpPr>
+      <p:grpSpPr>
+        <a:xfrm>
+          <a:off x="0" y="0"/>
+          <a:ext cx="0" cy="0"/>
+          <a:chOff x="0" y="0"/>
+          <a:chExt cx="0" cy="0"/>
+        </a:xfrm>
+      </p:grpSpPr>
+      <p:pic>
+        <p:nvPicPr>
+          <p:cNvPr id="3" name="Obrázek 2"/>
+          <p:cNvPicPr>
+            <a:picLocks noChangeAspect="1"/>
+          </p:cNvPicPr>
+          <p:nvPr/>
+        </p:nvPicPr>
+        <p:blipFill>
+          <a:blip r:embed="rId2"/>
+          <a:stretch>
+            <a:fillRect/>
+          </a:stretch>
+        </p:blipFill>
+        <p:spPr>
+          <a:xfrm>
+            <a:off x="1654808" y="491120"/>
+            <a:ext cx="8882383" cy="5539289"/>
+          </a:xfrm>
+          <a:prstGeom prst="rect">
+            <a:avLst/>
+          </a:prstGeom>
+        </p:spPr>
+      </p:pic>
+      <p:sp>
+        <p:nvSpPr>
+          <p:cNvPr id="4" name="Zástupný symbol pro číslo snímku 3"/>
+          <p:cNvSpPr>
+            <a:spLocks noGrp="1"/>
+          </p:cNvSpPr>
+          <p:nvPr>
+            <p:ph type="sldNum" sz="quarter" idx="12"/>
+          </p:nvPr>
+        </p:nvSpPr>
+        <p:spPr/>
+        <p:txBody>
+          <a:bodyPr/>
+          <a:lstStyle/>
+          <a:p>
+            <a:fld id="{D8B01677-E260-4E98-B77E-BB7A87F37343}" type="slidenum">
+              <a:rPr lang="cs-CZ" sz="1200" smtClean="0"/>
+              <a:t>7</a:t>
+            </a:fld>
+            <a:r>
+              <a:rPr lang="cs-CZ" sz="1200" dirty="0" smtClean="0"/>
+              <a:t> / 10</a:t>
+            </a:r>
+          </a:p>
+        </p:txBody>
+      </p:sp>
+    </p:spTree>
+    <p:extLst>
+      <p:ext uri="{BB962C8B-B14F-4D97-AF65-F5344CB8AC3E}">
+        <p14:creationId xmlns:p14="http://schemas.microsoft.com/office/powerpoint/2010/main" val="2341359963"/>
+      </p:ext>
+    </p:extLst>
+  </p:cSld>
+  <p:clrMapOvr>
+    <a:masterClrMapping/>
+  </p:clrMapOvr>
+  <p:timing>
+    <p:tnLst>
+      <p:par>
+        <p:cTn id="1" dur="indefinite" restart="never" nodeType="tmRoot"/>
+      </p:par>
+    </p:tnLst>
+  </p:timing>
+</p:sld>
+</file>
+
+<file path=ppt/slides/slide8.xml><?xml version="1.0" encoding="utf-8"?>
+<p:sld xmlns:a="http://schemas.openxmlformats.org/drawingml/2006/main" xmlns:r="http://schemas.openxmlformats.org/officeDocument/2006/relationships" xmlns:p="http://schemas.openxmlformats.org/presentationml/2006/main">
+  <p:cSld>
+    <p:spTree>
+      <p:nvGrpSpPr>
+        <p:cNvPr id="1" name=""/>
+        <p:cNvGrpSpPr/>
+        <p:nvPr/>
+      </p:nvGrpSpPr>
+      <p:grpSpPr>
+        <a:xfrm>
+          <a:off x="0" y="0"/>
+          <a:ext cx="0" cy="0"/>
+          <a:chOff x="0" y="0"/>
+          <a:chExt cx="0" cy="0"/>
+        </a:xfrm>
+      </p:grpSpPr>
+      <p:sp>
+        <p:nvSpPr>
+          <p:cNvPr id="2" name="Nadpis 1"/>
+          <p:cNvSpPr>
+            <a:spLocks noGrp="1"/>
+          </p:cNvSpPr>
+          <p:nvPr>
+            <p:ph type="ctrTitle"/>
+          </p:nvPr>
+        </p:nvSpPr>
+        <p:spPr/>
+        <p:txBody>
+          <a:bodyPr/>
+          <a:lstStyle/>
+          <a:p>
+            <a:r>
+              <a:rPr lang="cs-CZ" dirty="0" smtClean="0"/>
+              <a:t>Cílová platforma</a:t>
+            </a:r>
+            <a:endParaRPr lang="cs-CZ" dirty="0"/>
+          </a:p>
+        </p:txBody>
+      </p:sp>
+      <p:sp>
+        <p:nvSpPr>
+          <p:cNvPr id="4" name="Zástupný symbol pro číslo snímku 3"/>
+          <p:cNvSpPr>
+            <a:spLocks noGrp="1"/>
+          </p:cNvSpPr>
+          <p:nvPr>
+            <p:ph type="sldNum" sz="quarter" idx="12"/>
+          </p:nvPr>
+        </p:nvSpPr>
+        <p:spPr/>
+        <p:txBody>
+          <a:bodyPr/>
+          <a:lstStyle/>
+          <a:p>
+            <a:fld id="{D8B01677-E260-4E98-B77E-BB7A87F37343}" type="slidenum">
+              <a:rPr lang="cs-CZ" sz="1200" smtClean="0"/>
+              <a:t>8</a:t>
+            </a:fld>
+            <a:r>
+              <a:rPr lang="cs-CZ" sz="1200" dirty="0" smtClean="0"/>
+              <a:t> / 10</a:t>
+            </a:r>
+            <a:endParaRPr lang="cs-CZ" sz="1200" dirty="0"/>
+          </a:p>
+        </p:txBody>
+      </p:sp>
+    </p:spTree>
+    <p:extLst>
+      <p:ext uri="{BB962C8B-B14F-4D97-AF65-F5344CB8AC3E}">
+        <p14:creationId xmlns:p14="http://schemas.microsoft.com/office/powerpoint/2010/main" val="3049538364"/>
+      </p:ext>
+    </p:extLst>
+  </p:cSld>
+  <p:clrMapOvr>
+    <a:masterClrMapping/>
+  </p:clrMapOvr>
+  <p:timing>
+    <p:tnLst>
+      <p:par>
+        <p:cTn id="1" dur="indefinite" restart="never" nodeType="tmRoot"/>
+      </p:par>
+    </p:tnLst>
+  </p:timing>
+</p:sld>
+</file>
+
+<file path=ppt/slides/slide9.xml><?xml version="1.0" encoding="utf-8"?>
+<p:sld xmlns:a="http://schemas.openxmlformats.org/drawingml/2006/main" xmlns:r="http://schemas.openxmlformats.org/officeDocument/2006/relationships" xmlns:p="http://schemas.openxmlformats.org/presentationml/2006/main">
+  <p:cSld>
+    <p:spTree>
+      <p:nvGrpSpPr>
+        <p:cNvPr id="1" name=""/>
+        <p:cNvGrpSpPr/>
+        <p:nvPr/>
+      </p:nvGrpSpPr>
+      <p:grpSpPr>
+        <a:xfrm>
+          <a:off x="0" y="0"/>
+          <a:ext cx="0" cy="0"/>
+          <a:chOff x="0" y="0"/>
+          <a:chExt cx="0" cy="0"/>
+        </a:xfrm>
+      </p:grpSpPr>
+      <p:sp>
+        <p:nvSpPr>
+          <p:cNvPr id="2" name="Nadpis 1"/>
+          <p:cNvSpPr>
+            <a:spLocks noGrp="1"/>
+          </p:cNvSpPr>
+          <p:nvPr>
+            <p:ph type="title"/>
+          </p:nvPr>
+        </p:nvSpPr>
+        <p:spPr/>
+        <p:txBody>
+          <a:bodyPr/>
+          <a:lstStyle/>
+          <a:p>
+            <a:r>
+              <a:rPr lang="cs-CZ" dirty="0" smtClean="0"/>
+              <a:t>Instrukční sada</a:t>
+            </a:r>
+            <a:endParaRPr lang="cs-CZ" dirty="0"/>
+          </a:p>
+        </p:txBody>
+      </p:sp>
+      <p:graphicFrame>
+        <p:nvGraphicFramePr>
+          <p:cNvPr id="4" name="Zástupný symbol pro obsah 3"/>
+          <p:cNvGraphicFramePr>
+            <a:graphicFrameLocks noGrp="1"/>
+          </p:cNvGraphicFramePr>
+          <p:nvPr>
+            <p:ph idx="1"/>
+            <p:extLst>
+              <p:ext uri="{D42A27DB-BD31-4B8C-83A1-F6EECF244321}">
+                <p14:modId xmlns:p14="http://schemas.microsoft.com/office/powerpoint/2010/main" val="3446916893"/>
+              </p:ext>
+            </p:extLst>
+          </p:nvPr>
+        </p:nvGraphicFramePr>
+        <p:xfrm>
+          <a:off x="2299731" y="1890710"/>
+          <a:ext cx="7653497" cy="4223280"/>
+        </p:xfrm>
+        <a:graphic>
+          <a:graphicData uri="http://schemas.openxmlformats.org/drawingml/2006/table">
+            <a:tbl>
+              <a:tblPr firstRow="1" bandRow="1">
+                <a:tableStyleId>{5C22544A-7EE6-4342-B048-85BDC9FD1C3A}</a:tableStyleId>
+              </a:tblPr>
+              <a:tblGrid>
+                <a:gridCol w="1602715">
+                  <a:extLst>
+                    <a:ext uri="{9D8B030D-6E8A-4147-A177-3AD203B41FA5}">
+                      <a16:colId xmlns:a16="http://schemas.microsoft.com/office/drawing/2014/main" val="554331010"/>
+                    </a:ext>
+                  </a:extLst>
+                </a:gridCol>
+                <a:gridCol w="6050782">
+                  <a:extLst>
+                    <a:ext uri="{9D8B030D-6E8A-4147-A177-3AD203B41FA5}">
+                      <a16:colId xmlns:a16="http://schemas.microsoft.com/office/drawing/2014/main" val="1123542595"/>
+                    </a:ext>
+                  </a:extLst>
+                </a:gridCol>
+              </a:tblGrid>
+              <a:tr h="324000">
+                <a:tc>
+                  <a:txBody>
+                    <a:bodyPr/>
+                    <a:lstStyle/>
+                    <a:p>
+                      <a:r>
+                        <a:rPr lang="cs-CZ" sz="1600" dirty="0" smtClean="0"/>
+                        <a:t>Instrukce</a:t>
+                      </a:r>
+                    </a:p>
+                  </a:txBody>
+                  <a:tcPr anchor="ctr"/>
+                </a:tc>
+                <a:tc>
+                  <a:txBody>
+                    <a:bodyPr/>
+                    <a:lstStyle/>
+                    <a:p>
+                      <a:r>
+                        <a:rPr lang="cs-CZ" sz="1600" dirty="0" smtClean="0"/>
+                        <a:t>Popis</a:t>
+                      </a:r>
+                      <a:endParaRPr lang="cs-CZ" sz="1600" dirty="0"/>
+                    </a:p>
+                  </a:txBody>
+                  <a:tcPr anchor="ctr"/>
+                </a:tc>
+                <a:extLst>
+                  <a:ext uri="{0D108BD9-81ED-4DB2-BD59-A6C34878D82A}">
+                    <a16:rowId xmlns:a16="http://schemas.microsoft.com/office/drawing/2014/main" val="916565029"/>
+                  </a:ext>
+                </a:extLst>
+              </a:tr>
+              <a:tr h="324000">
+                <a:tc>
+                  <a:txBody>
+                    <a:bodyPr/>
+                    <a:lstStyle/>
+                    <a:p>
+                      <a:r>
+                        <a:rPr lang="cs-CZ" sz="1500" dirty="0" smtClean="0"/>
+                        <a:t>lit 0, A</a:t>
+                      </a:r>
+                    </a:p>
+                  </a:txBody>
+                  <a:tcPr anchor="ctr"/>
+                </a:tc>
+                <a:tc>
+                  <a:txBody>
+                    <a:bodyPr/>
+                    <a:lstStyle/>
+                    <a:p>
+                      <a:r>
+                        <a:rPr lang="cs-CZ" sz="1500" dirty="0" smtClean="0"/>
+                        <a:t>ulož konstantu A do zásobníku</a:t>
+                      </a:r>
+                      <a:endParaRPr lang="cs-CZ" sz="1500" dirty="0"/>
+                    </a:p>
+                  </a:txBody>
+                  <a:tcPr anchor="ctr"/>
+                </a:tc>
+                <a:extLst>
+                  <a:ext uri="{0D108BD9-81ED-4DB2-BD59-A6C34878D82A}">
+                    <a16:rowId xmlns:a16="http://schemas.microsoft.com/office/drawing/2014/main" val="579875342"/>
+                  </a:ext>
+                </a:extLst>
+              </a:tr>
+              <a:tr h="324000">
+                <a:tc>
+                  <a:txBody>
+                    <a:bodyPr/>
+                    <a:lstStyle/>
+                    <a:p>
+                      <a:r>
+                        <a:rPr lang="cs-CZ" sz="1500" dirty="0" err="1" smtClean="0"/>
+                        <a:t>opr</a:t>
+                      </a:r>
+                      <a:r>
+                        <a:rPr lang="cs-CZ" sz="1500" dirty="0" smtClean="0"/>
+                        <a:t> 0, A:</a:t>
+                      </a:r>
+                    </a:p>
+                  </a:txBody>
+                  <a:tcPr anchor="ctr"/>
+                </a:tc>
+                <a:tc>
+                  <a:txBody>
+                    <a:bodyPr/>
+                    <a:lstStyle/>
+                    <a:p>
+                      <a:r>
+                        <a:rPr lang="cs-CZ" sz="1500" dirty="0" smtClean="0"/>
+                        <a:t>proveď instrukci A</a:t>
+                      </a:r>
+                      <a:endParaRPr lang="cs-CZ" sz="1500" dirty="0"/>
+                    </a:p>
+                  </a:txBody>
+                  <a:tcPr anchor="ctr"/>
+                </a:tc>
+                <a:extLst>
+                  <a:ext uri="{0D108BD9-81ED-4DB2-BD59-A6C34878D82A}">
+                    <a16:rowId xmlns:a16="http://schemas.microsoft.com/office/drawing/2014/main" val="264722508"/>
+                  </a:ext>
+                </a:extLst>
+              </a:tr>
+              <a:tr h="324000">
+                <a:tc>
+                  <a:txBody>
+                    <a:bodyPr/>
+                    <a:lstStyle/>
+                    <a:p>
+                      <a:pPr marL="450850" marR="0" indent="-184150" algn="l" defTabSz="914400" rtl="0" eaLnBrk="1" fontAlgn="auto" latinLnBrk="0" hangingPunct="1">
+                        <a:lnSpc>
+                          <a:spcPct val="100000"/>
+                        </a:lnSpc>
+                        <a:spcBef>
+                          <a:spcPts val="0"/>
+                        </a:spcBef>
+                        <a:spcAft>
+                          <a:spcPts val="0"/>
+                        </a:spcAft>
+                        <a:buClrTx/>
+                        <a:buSzTx/>
+                        <a:buFontTx/>
+                        <a:buNone/>
+                        <a:tabLst/>
+                        <a:defRPr/>
+                      </a:pPr>
+                      <a:r>
+                        <a:rPr lang="cs-CZ" sz="1500" dirty="0" err="1" smtClean="0"/>
+                        <a:t>opr</a:t>
+                      </a:r>
+                      <a:r>
+                        <a:rPr lang="cs-CZ" sz="1500" dirty="0" smtClean="0"/>
+                        <a:t> 0, 1</a:t>
+                      </a:r>
+                    </a:p>
+                  </a:txBody>
+                  <a:tcPr anchor="ctr"/>
+                </a:tc>
+                <a:tc>
+                  <a:txBody>
+                    <a:bodyPr/>
+                    <a:lstStyle/>
+                    <a:p>
+                      <a:r>
+                        <a:rPr lang="cs-CZ" sz="1500" dirty="0" smtClean="0"/>
+                        <a:t>unární minus</a:t>
+                      </a:r>
+                      <a:endParaRPr lang="cs-CZ" sz="1500" dirty="0"/>
+                    </a:p>
+                  </a:txBody>
+                  <a:tcPr anchor="ctr"/>
+                </a:tc>
+                <a:extLst>
+                  <a:ext uri="{0D108BD9-81ED-4DB2-BD59-A6C34878D82A}">
+                    <a16:rowId xmlns:a16="http://schemas.microsoft.com/office/drawing/2014/main" val="1652189886"/>
+                  </a:ext>
+                </a:extLst>
+              </a:tr>
+              <a:tr h="324000">
+                <a:tc>
+                  <a:txBody>
+                    <a:bodyPr/>
+                    <a:lstStyle/>
+                    <a:p>
+                      <a:pPr marL="450850" marR="0" indent="-184150" algn="l" defTabSz="914400" rtl="0" eaLnBrk="1" fontAlgn="auto" latinLnBrk="0" hangingPunct="1">
+                        <a:lnSpc>
+                          <a:spcPct val="100000"/>
+                        </a:lnSpc>
+                        <a:spcBef>
+                          <a:spcPts val="0"/>
+                        </a:spcBef>
+                        <a:spcAft>
+                          <a:spcPts val="0"/>
+                        </a:spcAft>
+                        <a:buClrTx/>
+                        <a:buSzTx/>
+                        <a:buFontTx/>
+                        <a:buNone/>
+                        <a:tabLst/>
+                        <a:defRPr/>
+                      </a:pPr>
+                      <a:r>
+                        <a:rPr lang="cs-CZ" sz="1500" kern="1200" dirty="0" err="1" smtClean="0">
+                          <a:solidFill>
+                            <a:schemeClr val="dk1"/>
+                          </a:solidFill>
+                          <a:latin typeface="+mn-lt"/>
+                          <a:ea typeface="+mn-ea"/>
+                          <a:cs typeface="+mn-cs"/>
+                        </a:rPr>
+                        <a:t>opr</a:t>
+                      </a:r>
+                      <a:r>
+                        <a:rPr lang="cs-CZ" sz="1500" kern="1200" dirty="0" smtClean="0">
+                          <a:solidFill>
+                            <a:schemeClr val="dk1"/>
+                          </a:solidFill>
+                          <a:latin typeface="+mn-lt"/>
+                          <a:ea typeface="+mn-ea"/>
+                          <a:cs typeface="+mn-cs"/>
+                        </a:rPr>
+                        <a:t> 0, 2</a:t>
+                      </a:r>
+                    </a:p>
+                  </a:txBody>
+                  <a:tcPr anchor="ctr"/>
+                </a:tc>
+                <a:tc>
+                  <a:txBody>
+                    <a:bodyPr/>
+                    <a:lstStyle/>
+                    <a:p>
+                      <a:r>
+                        <a:rPr lang="cs-CZ" sz="1500" dirty="0" smtClean="0"/>
+                        <a:t>+</a:t>
+                      </a:r>
+                      <a:endParaRPr lang="cs-CZ" sz="1500" dirty="0"/>
+                    </a:p>
+                  </a:txBody>
+                  <a:tcPr anchor="ctr"/>
+                </a:tc>
+                <a:extLst>
+                  <a:ext uri="{0D108BD9-81ED-4DB2-BD59-A6C34878D82A}">
+                    <a16:rowId xmlns:a16="http://schemas.microsoft.com/office/drawing/2014/main" val="732940190"/>
+                  </a:ext>
+                </a:extLst>
+              </a:tr>
+              <a:tr h="324000">
+                <a:tc>
+                  <a:txBody>
+                    <a:bodyPr/>
+                    <a:lstStyle/>
+                    <a:p>
+                      <a:pPr marL="450850" marR="0" indent="-184150" algn="l" defTabSz="914400" rtl="0" eaLnBrk="1" fontAlgn="auto" latinLnBrk="0" hangingPunct="1">
+                        <a:lnSpc>
+                          <a:spcPct val="100000"/>
+                        </a:lnSpc>
+                        <a:spcBef>
+                          <a:spcPts val="0"/>
+                        </a:spcBef>
+                        <a:spcAft>
+                          <a:spcPts val="0"/>
+                        </a:spcAft>
+                        <a:buClrTx/>
+                        <a:buSzTx/>
+                        <a:buFontTx/>
+                        <a:buNone/>
+                        <a:tabLst/>
+                        <a:defRPr/>
+                      </a:pPr>
+                      <a:r>
+                        <a:rPr lang="cs-CZ" sz="1500" kern="1200" dirty="0" err="1" smtClean="0">
+                          <a:solidFill>
+                            <a:schemeClr val="dk1"/>
+                          </a:solidFill>
+                          <a:latin typeface="+mn-lt"/>
+                          <a:ea typeface="+mn-ea"/>
+                          <a:cs typeface="+mn-cs"/>
+                        </a:rPr>
+                        <a:t>opr</a:t>
+                      </a:r>
+                      <a:r>
+                        <a:rPr lang="cs-CZ" sz="1500" kern="1200" dirty="0" smtClean="0">
+                          <a:solidFill>
+                            <a:schemeClr val="dk1"/>
+                          </a:solidFill>
+                          <a:latin typeface="+mn-lt"/>
+                          <a:ea typeface="+mn-ea"/>
+                          <a:cs typeface="+mn-cs"/>
+                        </a:rPr>
+                        <a:t> 0, 3</a:t>
+                      </a:r>
+                    </a:p>
+                  </a:txBody>
+                  <a:tcPr anchor="ctr"/>
+                </a:tc>
+                <a:tc>
+                  <a:txBody>
+                    <a:bodyPr/>
+                    <a:lstStyle/>
+                    <a:p>
+                      <a:r>
+                        <a:rPr lang="cs-CZ" sz="1500" dirty="0" smtClean="0"/>
+                        <a:t>-</a:t>
+                      </a:r>
+                      <a:endParaRPr lang="cs-CZ" sz="1500" dirty="0"/>
+                    </a:p>
+                  </a:txBody>
+                  <a:tcPr anchor="ctr"/>
+                </a:tc>
+                <a:extLst>
+                  <a:ext uri="{0D108BD9-81ED-4DB2-BD59-A6C34878D82A}">
+                    <a16:rowId xmlns:a16="http://schemas.microsoft.com/office/drawing/2014/main" val="1389731642"/>
+                  </a:ext>
+                </a:extLst>
+              </a:tr>
+              <a:tr h="324000">
+                <a:tc>
+                  <a:txBody>
+                    <a:bodyPr/>
+                    <a:lstStyle/>
+                    <a:p>
+                      <a:pPr marL="450850" marR="0" indent="-184150" algn="l" defTabSz="914400" rtl="0" eaLnBrk="1" fontAlgn="auto" latinLnBrk="0" hangingPunct="1">
+                        <a:lnSpc>
+                          <a:spcPct val="100000"/>
+                        </a:lnSpc>
+                        <a:spcBef>
+                          <a:spcPts val="0"/>
+                        </a:spcBef>
+                        <a:spcAft>
+                          <a:spcPts val="0"/>
+                        </a:spcAft>
+                        <a:buClrTx/>
+                        <a:buSzTx/>
+                        <a:buFontTx/>
+                        <a:buNone/>
+                        <a:tabLst/>
+                        <a:defRPr/>
+                      </a:pPr>
+                      <a:r>
+                        <a:rPr lang="cs-CZ" sz="1500" kern="1200" dirty="0" err="1" smtClean="0">
+                          <a:solidFill>
+                            <a:schemeClr val="dk1"/>
+                          </a:solidFill>
+                          <a:latin typeface="+mn-lt"/>
+                          <a:ea typeface="+mn-ea"/>
+                          <a:cs typeface="+mn-cs"/>
+                        </a:rPr>
+                        <a:t>opr</a:t>
+                      </a:r>
+                      <a:r>
+                        <a:rPr lang="cs-CZ" sz="1500" kern="1200" dirty="0" smtClean="0">
+                          <a:solidFill>
+                            <a:schemeClr val="dk1"/>
+                          </a:solidFill>
+                          <a:latin typeface="+mn-lt"/>
+                          <a:ea typeface="+mn-ea"/>
+                          <a:cs typeface="+mn-cs"/>
+                        </a:rPr>
+                        <a:t> 0, 4</a:t>
+                      </a:r>
+                    </a:p>
+                  </a:txBody>
+                  <a:tcPr anchor="ctr"/>
+                </a:tc>
+                <a:tc>
+                  <a:txBody>
+                    <a:bodyPr/>
+                    <a:lstStyle/>
+                    <a:p>
+                      <a:r>
+                        <a:rPr lang="cs-CZ" sz="1500" dirty="0" smtClean="0"/>
+                        <a:t>*</a:t>
+                      </a:r>
+                      <a:endParaRPr lang="cs-CZ" sz="1500" dirty="0"/>
+                    </a:p>
+                  </a:txBody>
+                  <a:tcPr anchor="ctr"/>
+                </a:tc>
+                <a:extLst>
+                  <a:ext uri="{0D108BD9-81ED-4DB2-BD59-A6C34878D82A}">
+                    <a16:rowId xmlns:a16="http://schemas.microsoft.com/office/drawing/2014/main" val="1729321141"/>
+                  </a:ext>
+                </a:extLst>
+              </a:tr>
+              <a:tr h="324000">
+                <a:tc>
+                  <a:txBody>
+                    <a:bodyPr/>
+                    <a:lstStyle/>
+                    <a:p>
+                      <a:pPr marL="450850" marR="0" indent="-184150" algn="l" defTabSz="914400" rtl="0" eaLnBrk="1" fontAlgn="auto" latinLnBrk="0" hangingPunct="1">
+                        <a:lnSpc>
+                          <a:spcPct val="100000"/>
+                        </a:lnSpc>
+                        <a:spcBef>
+                          <a:spcPts val="0"/>
+                        </a:spcBef>
+                        <a:spcAft>
+                          <a:spcPts val="0"/>
+                        </a:spcAft>
+                        <a:buClrTx/>
+                        <a:buSzTx/>
+                        <a:buFontTx/>
+                        <a:buNone/>
+                        <a:tabLst/>
+                        <a:defRPr/>
+                      </a:pPr>
+                      <a:r>
+                        <a:rPr lang="cs-CZ" sz="1500" kern="1200" dirty="0" err="1" smtClean="0">
+                          <a:solidFill>
+                            <a:schemeClr val="dk1"/>
+                          </a:solidFill>
+                          <a:latin typeface="+mn-lt"/>
+                          <a:ea typeface="+mn-ea"/>
+                          <a:cs typeface="+mn-cs"/>
+                        </a:rPr>
+                        <a:t>opr</a:t>
+                      </a:r>
+                      <a:r>
+                        <a:rPr lang="cs-CZ" sz="1500" kern="1200" dirty="0" smtClean="0">
+                          <a:solidFill>
+                            <a:schemeClr val="dk1"/>
+                          </a:solidFill>
+                          <a:latin typeface="+mn-lt"/>
+                          <a:ea typeface="+mn-ea"/>
+                          <a:cs typeface="+mn-cs"/>
+                        </a:rPr>
+                        <a:t> 0, 5</a:t>
+                      </a:r>
+                    </a:p>
+                  </a:txBody>
+                  <a:tcPr anchor="ctr"/>
+                </a:tc>
+                <a:tc>
+                  <a:txBody>
+                    <a:bodyPr/>
+                    <a:lstStyle/>
+                    <a:p>
+                      <a:r>
+                        <a:rPr lang="cs-CZ" sz="1500" dirty="0" smtClean="0"/>
+                        <a:t>div - celočíselné dělení (znak /)</a:t>
+                      </a:r>
+                      <a:endParaRPr lang="cs-CZ" sz="1500" dirty="0"/>
+                    </a:p>
+                  </a:txBody>
+                  <a:tcPr anchor="ctr"/>
+                </a:tc>
+                <a:extLst>
+                  <a:ext uri="{0D108BD9-81ED-4DB2-BD59-A6C34878D82A}">
+                    <a16:rowId xmlns:a16="http://schemas.microsoft.com/office/drawing/2014/main" val="3931312382"/>
+                  </a:ext>
+                </a:extLst>
+              </a:tr>
+              <a:tr h="324000">
+                <a:tc>
+                  <a:txBody>
+                    <a:bodyPr/>
+                    <a:lstStyle/>
+                    <a:p>
+                      <a:pPr marL="450850" marR="0" indent="-184150" algn="l" defTabSz="914400" rtl="0" eaLnBrk="1" fontAlgn="auto" latinLnBrk="0" hangingPunct="1">
+                        <a:lnSpc>
+                          <a:spcPct val="100000"/>
+                        </a:lnSpc>
+                        <a:spcBef>
+                          <a:spcPts val="0"/>
+                        </a:spcBef>
+                        <a:spcAft>
+                          <a:spcPts val="0"/>
+                        </a:spcAft>
+                        <a:buClrTx/>
+                        <a:buSzTx/>
+                        <a:buFontTx/>
+                        <a:buNone/>
+                        <a:tabLst/>
+                        <a:defRPr/>
+                      </a:pPr>
+                      <a:r>
+                        <a:rPr lang="cs-CZ" sz="1500" kern="1200" dirty="0" err="1" smtClean="0">
+                          <a:solidFill>
+                            <a:schemeClr val="dk1"/>
+                          </a:solidFill>
+                          <a:latin typeface="+mn-lt"/>
+                          <a:ea typeface="+mn-ea"/>
+                          <a:cs typeface="+mn-cs"/>
+                        </a:rPr>
+                        <a:t>opr</a:t>
+                      </a:r>
+                      <a:r>
+                        <a:rPr lang="cs-CZ" sz="1500" kern="1200" dirty="0" smtClean="0">
+                          <a:solidFill>
+                            <a:schemeClr val="dk1"/>
+                          </a:solidFill>
+                          <a:latin typeface="+mn-lt"/>
+                          <a:ea typeface="+mn-ea"/>
+                          <a:cs typeface="+mn-cs"/>
+                        </a:rPr>
+                        <a:t> 0, 6</a:t>
+                      </a:r>
+                    </a:p>
+                  </a:txBody>
+                  <a:tcPr anchor="ctr"/>
+                </a:tc>
+                <a:tc>
+                  <a:txBody>
+                    <a:bodyPr/>
+                    <a:lstStyle/>
+                    <a:p>
+                      <a:pPr marL="0" marR="0" indent="0" algn="l" defTabSz="914400" rtl="0" eaLnBrk="1" fontAlgn="auto" latinLnBrk="0" hangingPunct="1">
+                        <a:lnSpc>
+                          <a:spcPct val="100000"/>
+                        </a:lnSpc>
+                        <a:spcBef>
+                          <a:spcPts val="0"/>
+                        </a:spcBef>
+                        <a:spcAft>
+                          <a:spcPts val="0"/>
+                        </a:spcAft>
+                        <a:buClrTx/>
+                        <a:buSzTx/>
+                        <a:buFontTx/>
+                        <a:buNone/>
+                        <a:tabLst/>
+                        <a:defRPr/>
+                      </a:pPr>
+                      <a:r>
+                        <a:rPr lang="cs-CZ" sz="1500" dirty="0" err="1" smtClean="0"/>
+                        <a:t>mod</a:t>
+                      </a:r>
+                      <a:r>
+                        <a:rPr lang="cs-CZ" sz="1500" dirty="0" smtClean="0"/>
+                        <a:t> - dělení modulo (znak %)</a:t>
+                      </a:r>
+                    </a:p>
+                  </a:txBody>
+                  <a:tcPr anchor="ctr"/>
+                </a:tc>
+                <a:extLst>
+                  <a:ext uri="{0D108BD9-81ED-4DB2-BD59-A6C34878D82A}">
+                    <a16:rowId xmlns:a16="http://schemas.microsoft.com/office/drawing/2014/main" val="2968297801"/>
+                  </a:ext>
+                </a:extLst>
+              </a:tr>
+              <a:tr h="324000">
+                <a:tc>
+                  <a:txBody>
+                    <a:bodyPr/>
+                    <a:lstStyle/>
+                    <a:p>
+                      <a:pPr marL="450850" marR="0" indent="-184150" algn="l" defTabSz="914400" rtl="0" eaLnBrk="1" fontAlgn="auto" latinLnBrk="0" hangingPunct="1">
+                        <a:lnSpc>
+                          <a:spcPct val="100000"/>
+                        </a:lnSpc>
+                        <a:spcBef>
+                          <a:spcPts val="0"/>
+                        </a:spcBef>
+                        <a:spcAft>
+                          <a:spcPts val="0"/>
+                        </a:spcAft>
+                        <a:buClrTx/>
+                        <a:buSzTx/>
+                        <a:buFontTx/>
+                        <a:buNone/>
+                        <a:tabLst/>
+                        <a:defRPr/>
+                      </a:pPr>
+                      <a:r>
+                        <a:rPr lang="cs-CZ" sz="1500" kern="1200" dirty="0" err="1" smtClean="0">
+                          <a:solidFill>
+                            <a:schemeClr val="dk1"/>
+                          </a:solidFill>
+                          <a:latin typeface="+mn-lt"/>
+                          <a:ea typeface="+mn-ea"/>
+                          <a:cs typeface="+mn-cs"/>
+                        </a:rPr>
+                        <a:t>opr</a:t>
+                      </a:r>
+                      <a:r>
+                        <a:rPr lang="cs-CZ" sz="1500" kern="1200" dirty="0" smtClean="0">
+                          <a:solidFill>
+                            <a:schemeClr val="dk1"/>
+                          </a:solidFill>
+                          <a:latin typeface="+mn-lt"/>
+                          <a:ea typeface="+mn-ea"/>
+                          <a:cs typeface="+mn-cs"/>
+                        </a:rPr>
+                        <a:t> 0, 7</a:t>
+                      </a:r>
+                    </a:p>
+                  </a:txBody>
+                  <a:tcPr anchor="ctr"/>
+                </a:tc>
+                <a:tc>
+                  <a:txBody>
+                    <a:bodyPr/>
+                    <a:lstStyle/>
+                    <a:p>
+                      <a:pPr marL="0" marR="0" indent="0" algn="l" defTabSz="914400" rtl="0" eaLnBrk="1" fontAlgn="auto" latinLnBrk="0" hangingPunct="1">
+                        <a:lnSpc>
+                          <a:spcPct val="100000"/>
+                        </a:lnSpc>
+                        <a:spcBef>
+                          <a:spcPts val="0"/>
+                        </a:spcBef>
+                        <a:spcAft>
+                          <a:spcPts val="0"/>
+                        </a:spcAft>
+                        <a:buClrTx/>
+                        <a:buSzTx/>
+                        <a:buFontTx/>
+                        <a:buNone/>
+                        <a:tabLst/>
+                        <a:defRPr/>
+                      </a:pPr>
+                      <a:r>
+                        <a:rPr lang="cs-CZ" sz="1500" dirty="0" err="1" smtClean="0"/>
+                        <a:t>odd</a:t>
+                      </a:r>
+                      <a:r>
+                        <a:rPr lang="cs-CZ" sz="1500" dirty="0" smtClean="0"/>
+                        <a:t> - test, zda je číslo liché</a:t>
+                      </a:r>
+                    </a:p>
+                  </a:txBody>
+                  <a:tcPr anchor="ctr"/>
+                </a:tc>
+                <a:extLst>
+                  <a:ext uri="{0D108BD9-81ED-4DB2-BD59-A6C34878D82A}">
+                    <a16:rowId xmlns:a16="http://schemas.microsoft.com/office/drawing/2014/main" val="3089841593"/>
+                  </a:ext>
+                </a:extLst>
+              </a:tr>
+              <a:tr h="324000">
+                <a:tc>
+                  <a:txBody>
+                    <a:bodyPr/>
+                    <a:lstStyle/>
+                    <a:p>
+                      <a:pPr marL="450850" marR="0" indent="-184150" algn="l" defTabSz="914400" rtl="0" eaLnBrk="1" fontAlgn="auto" latinLnBrk="0" hangingPunct="1">
+                        <a:lnSpc>
+                          <a:spcPct val="100000"/>
+                        </a:lnSpc>
+                        <a:spcBef>
+                          <a:spcPts val="0"/>
+                        </a:spcBef>
+                        <a:spcAft>
+                          <a:spcPts val="0"/>
+                        </a:spcAft>
+                        <a:buClrTx/>
+                        <a:buSzTx/>
+                        <a:buFontTx/>
+                        <a:buNone/>
+                        <a:tabLst/>
+                        <a:defRPr/>
+                      </a:pPr>
+                      <a:r>
+                        <a:rPr lang="cs-CZ" sz="1500" kern="1200" dirty="0" err="1" smtClean="0">
+                          <a:solidFill>
+                            <a:schemeClr val="dk1"/>
+                          </a:solidFill>
+                          <a:latin typeface="+mn-lt"/>
+                          <a:ea typeface="+mn-ea"/>
+                          <a:cs typeface="+mn-cs"/>
+                        </a:rPr>
+                        <a:t>opr</a:t>
+                      </a:r>
+                      <a:r>
+                        <a:rPr lang="cs-CZ" sz="1500" kern="1200" dirty="0" smtClean="0">
+                          <a:solidFill>
+                            <a:schemeClr val="dk1"/>
+                          </a:solidFill>
+                          <a:latin typeface="+mn-lt"/>
+                          <a:ea typeface="+mn-ea"/>
+                          <a:cs typeface="+mn-cs"/>
+                        </a:rPr>
+                        <a:t> 0, 8</a:t>
+                      </a:r>
+                    </a:p>
+                  </a:txBody>
+                  <a:tcPr anchor="ctr"/>
+                </a:tc>
+                <a:tc>
+                  <a:txBody>
+                    <a:bodyPr/>
+                    <a:lstStyle/>
+                    <a:p>
+                      <a:pPr marL="0" marR="0" indent="0" algn="l" defTabSz="914400" rtl="0" eaLnBrk="1" fontAlgn="auto" latinLnBrk="0" hangingPunct="1">
+                        <a:lnSpc>
+                          <a:spcPct val="100000"/>
+                        </a:lnSpc>
+                        <a:spcBef>
+                          <a:spcPts val="0"/>
+                        </a:spcBef>
+                        <a:spcAft>
+                          <a:spcPts val="0"/>
+                        </a:spcAft>
+                        <a:buClrTx/>
+                        <a:buSzTx/>
+                        <a:buFontTx/>
+                        <a:buNone/>
+                        <a:tabLst/>
+                        <a:defRPr/>
+                      </a:pPr>
+                      <a:r>
+                        <a:rPr lang="cs-CZ" sz="1500" dirty="0" smtClean="0"/>
+                        <a:t>test rovnosti (znak =)</a:t>
+                      </a:r>
+                    </a:p>
+                  </a:txBody>
+                  <a:tcPr anchor="ctr"/>
+                </a:tc>
+                <a:extLst>
+                  <a:ext uri="{0D108BD9-81ED-4DB2-BD59-A6C34878D82A}">
+                    <a16:rowId xmlns:a16="http://schemas.microsoft.com/office/drawing/2014/main" val="2036998732"/>
+                  </a:ext>
+                </a:extLst>
+              </a:tr>
+              <a:tr h="324000">
+                <a:tc>
+                  <a:txBody>
+                    <a:bodyPr/>
+                    <a:lstStyle/>
+                    <a:p>
+                      <a:pPr marL="450850" marR="0" indent="-184150" algn="l" defTabSz="914400" rtl="0" eaLnBrk="1" fontAlgn="auto" latinLnBrk="0" hangingPunct="1">
+                        <a:lnSpc>
+                          <a:spcPct val="100000"/>
+                        </a:lnSpc>
+                        <a:spcBef>
+                          <a:spcPts val="0"/>
+                        </a:spcBef>
+                        <a:spcAft>
+                          <a:spcPts val="0"/>
+                        </a:spcAft>
+                        <a:buClrTx/>
+                        <a:buSzTx/>
+                        <a:buFontTx/>
+                        <a:buNone/>
+                        <a:tabLst/>
+                        <a:defRPr/>
+                      </a:pPr>
+                      <a:r>
+                        <a:rPr lang="cs-CZ" sz="1500" kern="1200" dirty="0" err="1" smtClean="0">
+                          <a:solidFill>
+                            <a:schemeClr val="dk1"/>
+                          </a:solidFill>
+                          <a:latin typeface="+mn-lt"/>
+                          <a:ea typeface="+mn-ea"/>
+                          <a:cs typeface="+mn-cs"/>
+                        </a:rPr>
+                        <a:t>opr</a:t>
+                      </a:r>
+                      <a:r>
+                        <a:rPr lang="cs-CZ" sz="1500" kern="1200" dirty="0" smtClean="0">
+                          <a:solidFill>
+                            <a:schemeClr val="dk1"/>
+                          </a:solidFill>
+                          <a:latin typeface="+mn-lt"/>
+                          <a:ea typeface="+mn-ea"/>
+                          <a:cs typeface="+mn-cs"/>
+                        </a:rPr>
+                        <a:t> 0, 9</a:t>
+                      </a:r>
+                    </a:p>
+                  </a:txBody>
+                  <a:tcPr anchor="ctr"/>
+                </a:tc>
+                <a:tc>
+                  <a:txBody>
+                    <a:bodyPr/>
+                    <a:lstStyle/>
+                    <a:p>
+                      <a:r>
+                        <a:rPr lang="cs-CZ" sz="1500" dirty="0" smtClean="0"/>
+                        <a:t>test nerovnosti (znaky </a:t>
+                      </a:r>
+                      <a:r>
+                        <a:rPr lang="cs-CZ" sz="1500" dirty="0" smtClean="0"/>
+                        <a:t>!=)</a:t>
+                      </a:r>
+                      <a:endParaRPr lang="cs-CZ" sz="1500" dirty="0"/>
+                    </a:p>
+                  </a:txBody>
+                  <a:tcPr anchor="ctr"/>
+                </a:tc>
+                <a:extLst>
+                  <a:ext uri="{0D108BD9-81ED-4DB2-BD59-A6C34878D82A}">
+                    <a16:rowId xmlns:a16="http://schemas.microsoft.com/office/drawing/2014/main" val="2192804679"/>
+                  </a:ext>
+                </a:extLst>
+              </a:tr>
+              <a:tr h="324000">
+                <a:tc>
+                  <a:txBody>
+                    <a:bodyPr/>
+                    <a:lstStyle/>
+                    <a:p>
+                      <a:pPr marL="450850" marR="0" indent="-184150" algn="l" defTabSz="914400" rtl="0" eaLnBrk="1" fontAlgn="auto" latinLnBrk="0" hangingPunct="1">
+                        <a:lnSpc>
+                          <a:spcPct val="100000"/>
+                        </a:lnSpc>
+                        <a:spcBef>
+                          <a:spcPts val="0"/>
+                        </a:spcBef>
+                        <a:spcAft>
+                          <a:spcPts val="0"/>
+                        </a:spcAft>
+                        <a:buClrTx/>
+                        <a:buSzTx/>
+                        <a:buFontTx/>
+                        <a:buNone/>
+                        <a:tabLst/>
+                        <a:defRPr/>
+                      </a:pPr>
+                      <a:r>
+                        <a:rPr lang="cs-CZ" sz="1500" kern="1200" dirty="0" err="1" smtClean="0">
+                          <a:solidFill>
+                            <a:schemeClr val="dk1"/>
+                          </a:solidFill>
+                          <a:latin typeface="+mn-lt"/>
+                          <a:ea typeface="+mn-ea"/>
+                          <a:cs typeface="+mn-cs"/>
+                        </a:rPr>
+                        <a:t>opr</a:t>
+                      </a:r>
+                      <a:r>
+                        <a:rPr lang="cs-CZ" sz="1500" kern="1200" dirty="0" smtClean="0">
+                          <a:solidFill>
+                            <a:schemeClr val="dk1"/>
+                          </a:solidFill>
+                          <a:latin typeface="+mn-lt"/>
+                          <a:ea typeface="+mn-ea"/>
+                          <a:cs typeface="+mn-cs"/>
+                        </a:rPr>
+                        <a:t> 0, 10</a:t>
+                      </a:r>
+                    </a:p>
+                  </a:txBody>
+                  <a:tcPr anchor="ctr"/>
+                </a:tc>
+                <a:tc>
+                  <a:txBody>
+                    <a:bodyPr/>
+                    <a:lstStyle/>
+                    <a:p>
+                      <a:r>
+                        <a:rPr lang="cs-CZ" sz="1500" dirty="0" smtClean="0"/>
+                        <a:t>&lt;</a:t>
+                      </a:r>
+                      <a:endParaRPr lang="cs-CZ" sz="1500" dirty="0"/>
+                    </a:p>
+                  </a:txBody>
+                  <a:tcPr anchor="ctr"/>
+                </a:tc>
+                <a:extLst>
+                  <a:ext uri="{0D108BD9-81ED-4DB2-BD59-A6C34878D82A}">
+                    <a16:rowId xmlns:a16="http://schemas.microsoft.com/office/drawing/2014/main" val="2375806990"/>
+                  </a:ext>
+                </a:extLst>
+              </a:tr>
+            </a:tbl>
+          </a:graphicData>
+        </a:graphic>
+      </p:graphicFrame>
+      <p:sp>
+        <p:nvSpPr>
+          <p:cNvPr id="5" name="Zástupný symbol pro číslo snímku 4"/>
+          <p:cNvSpPr>
+            <a:spLocks noGrp="1"/>
+          </p:cNvSpPr>
+          <p:nvPr>
+            <p:ph type="sldNum" sz="quarter" idx="12"/>
+          </p:nvPr>
+        </p:nvSpPr>
+        <p:spPr/>
+        <p:txBody>
+          <a:bodyPr/>
+          <a:lstStyle/>
+          <a:p>
+            <a:fld id="{D8B01677-E260-4E98-B77E-BB7A87F37343}" type="slidenum">
+              <a:rPr lang="cs-CZ" sz="1200" smtClean="0"/>
+              <a:t>9</a:t>
+            </a:fld>
+            <a:r>
+              <a:rPr lang="cs-CZ" sz="1200" dirty="0" smtClean="0"/>
+              <a:t> / 10</a:t>
+            </a:r>
+            <a:endParaRPr lang="cs-CZ" sz="1200" dirty="0"/>
+          </a:p>
+        </p:txBody>
+      </p:sp>
+    </p:spTree>
+    <p:extLst>
+      <p:ext uri="{BB962C8B-B14F-4D97-AF65-F5344CB8AC3E}">
+        <p14:creationId xmlns:p14="http://schemas.microsoft.com/office/powerpoint/2010/main" val="68718557"/>
+      </p:ext>
+    </p:extLst>
+  </p:cSld>
+  <p:clrMapOvr>
+    <a:masterClrMapping/>
+  </p:clrMapOvr>
+  <p:timing>
+    <p:tnLst>
+      <p:par>
+        <p:cTn id="1" dur="indefinite" restart="never" nodeType="tmRoot"/>
+      </p:par>
+    </p:tnLst>
+  </p:timing>
 </p:sld>
 </file>
 
 <file path=ppt/theme/theme1.xml><?xml version="1.0" encoding="utf-8"?>
+<a:theme xmlns:a="http://schemas.openxmlformats.org/drawingml/2006/main" name="Retrospektiva">
+  <a:themeElements>
+    <a:clrScheme name="Retrospektiva">
+      <a:dk1>
+        <a:srgbClr val="000000"/>
+      </a:dk1>
+      <a:lt1>
+        <a:sysClr val="window" lastClr="FFFFFF"/>
+      </a:lt1>
+      <a:dk2>
+        <a:srgbClr val="637052"/>
+      </a:dk2>
+      <a:lt2>
+        <a:srgbClr val="CCDDEA"/>
+      </a:lt2>
+      <a:accent1>
+        <a:srgbClr val="E48312"/>
+      </a:accent1>
+      <a:accent2>
+        <a:srgbClr val="BD582C"/>
+      </a:accent2>
+      <a:accent3>
+        <a:srgbClr val="865640"/>
+      </a:accent3>
+      <a:accent4>
+        <a:srgbClr val="9B8357"/>
+      </a:accent4>
+      <a:accent5>
+        <a:srgbClr val="C2BC80"/>
+      </a:accent5>
+      <a:accent6>
+        <a:srgbClr val="94A088"/>
+      </a:accent6>
+      <a:hlink>
+        <a:srgbClr val="2998E3"/>
+      </a:hlink>
+      <a:folHlink>
+        <a:srgbClr val="8C8C8C"/>
+      </a:folHlink>
+    </a:clrScheme>
+    <a:fontScheme name="Retrospektiva">
+      <a:majorFont>
+        <a:latin typeface="Calibri Light" panose="020F0302020204030204"/>
+        <a:ea typeface=""/>
+        <a:cs typeface=""/>
+        <a:font script="Jpan" typeface="ＭＳ Ｐゴシック"/>
+        <a:font script="Hang" typeface="맑은 고딕"/>
+        <a:font script="Hans" typeface="宋体"/>
+        <a:font script="Hant" typeface="新細明體"/>
+        <a:font script="Arab" typeface="Times New Roman"/>
+        <a:font script="Hebr" typeface="Times New Roman"/>
+        <a:font script="Thai" typeface="Angsana New"/>
+        <a:font script="Ethi" typeface="Nyala"/>
+        <a:font script="Beng" typeface="Vrinda"/>
+        <a:font script="Gujr" typeface="Shruti"/>
+        <a:font script="Khmr" typeface="MoolBoran"/>
+        <a:font script="Knda" typeface="Tunga"/>
+        <a:font script="Guru" typeface="Raavi"/>
+        <a:font script="Cans" typeface="Euphemia"/>
+        <a:font script="Cher" typeface="Plantagenet Cherokee"/>
+        <a:font script="Yiii" typeface="Microsoft Yi Baiti"/>
+        <a:font script="Tibt" typeface="Microsoft Himalaya"/>
+        <a:font script="Thaa" typeface="MV Boli"/>
+        <a:font script="Deva" typeface="Mangal"/>
+        <a:font script="Telu" typeface="Gautami"/>
+        <a:font script="Taml" typeface="Latha"/>
+        <a:font script="Syrc" typeface="Estrangelo Edessa"/>
+        <a:font script="Orya" typeface="Kalinga"/>
+        <a:font script="Mlym" typeface="Kartika"/>
+        <a:font script="Laoo" typeface="DokChampa"/>
+        <a:font script="Sinh" typeface="Iskoola Pota"/>
+        <a:font script="Mong" typeface="Mongolian Baiti"/>
+        <a:font script="Viet" typeface="Times New Roman"/>
+        <a:font script="Uigh" typeface="Microsoft Uighur"/>
+        <a:font script="Geor" typeface="Sylfaen"/>
+      </a:majorFont>
+      <a:minorFont>
+        <a:latin typeface="Calibri" panose="020F0502020204030204"/>
+        <a:ea typeface=""/>
+        <a:cs typeface=""/>
+        <a:font script="Jpan" typeface="ＭＳ Ｐゴシック"/>
+        <a:font script="Hang" typeface="맑은 고딕"/>
+        <a:font script="Hans" typeface="宋体"/>
+        <a:font script="Hant" typeface="新細明體"/>
+        <a:font script="Arab" typeface="Arial"/>
+        <a:font script="Hebr" typeface="Arial"/>
+        <a:font script="Thai" typeface="Cordia New"/>
+        <a:font script="Ethi" typeface="Nyala"/>
+        <a:font script="Beng" typeface="Vrinda"/>
+        <a:font script="Gujr" typeface="Shruti"/>
+        <a:font script="Khmr" typeface="DaunPenh"/>
+        <a:font script="Knda" typeface="Tunga"/>
+        <a:font script="Guru" typeface="Raavi"/>
+        <a:font script="Cans" typeface="Euphemia"/>
+        <a:font script="Cher" typeface="Plantagenet Cherokee"/>
+        <a:font script="Yiii" typeface="Microsoft Yi Baiti"/>
+        <a:font script="Tibt" typeface="Microsoft Himalaya"/>
+        <a:font script="Thaa" typeface="MV Boli"/>
+        <a:font script="Deva" typeface="Mangal"/>
+        <a:font script="Telu" typeface="Gautami"/>
+        <a:font script="Taml" typeface="Latha"/>
+        <a:font script="Syrc" typeface="Estrangelo Edessa"/>
+        <a:font script="Orya" typeface="Kalinga"/>
+        <a:font script="Mlym" typeface="Kartika"/>
+        <a:font script="Laoo" typeface="DokChampa"/>
+        <a:font script="Sinh" typeface="Iskoola Pota"/>
+        <a:font script="Mong" typeface="Mongolian Baiti"/>
+        <a:font script="Viet" typeface="Arial"/>
+        <a:font script="Uigh" typeface="Microsoft Uighur"/>
+        <a:font script="Geor" typeface="Sylfaen"/>
+      </a:minorFont>
+    </a:fontScheme>
+    <a:fmtScheme name="Retrospektiva">
+      <a:fillStyleLst>
+        <a:solidFill>
+          <a:schemeClr val="phClr"/>
+        </a:solidFill>
+        <a:gradFill rotWithShape="1">
+          <a:gsLst>
+            <a:gs pos="0">
+              <a:schemeClr val="phClr">
+                <a:tint val="65000"/>
+                <a:shade val="92000"/>
+                <a:satMod val="130000"/>
+              </a:schemeClr>
+            </a:gs>
+            <a:gs pos="45000">
+              <a:schemeClr val="phClr">
+                <a:tint val="60000"/>
+                <a:shade val="99000"/>
+                <a:satMod val="120000"/>
+              </a:schemeClr>
+            </a:gs>
+            <a:gs pos="100000">
+              <a:schemeClr val="phClr">
+                <a:tint val="55000"/>
+                <a:satMod val="140000"/>
+              </a:schemeClr>
+            </a:gs>
+          </a:gsLst>
+          <a:path path="circle">
+            <a:fillToRect l="100000" t="100000" r="100000" b="100000"/>
+          </a:path>
+        </a:gradFill>
+        <a:gradFill rotWithShape="1">
+          <a:gsLst>
+            <a:gs pos="0">
+              <a:schemeClr val="phClr">
+                <a:shade val="85000"/>
+                <a:satMod val="130000"/>
+              </a:schemeClr>
+            </a:gs>
+            <a:gs pos="34000">
+              <a:schemeClr val="phClr">
+                <a:shade val="87000"/>
+                <a:satMod val="125000"/>
+              </a:schemeClr>
+            </a:gs>
+            <a:gs pos="70000">
+              <a:schemeClr val="phClr">
+                <a:tint val="100000"/>
+                <a:shade val="90000"/>
+                <a:satMod val="130000"/>
+              </a:schemeClr>
+            </a:gs>
+            <a:gs pos="100000">
+              <a:schemeClr val="phClr">
+                <a:tint val="100000"/>
+                <a:shade val="100000"/>
+                <a:satMod val="110000"/>
+              </a:schemeClr>
+            </a:gs>
+          </a:gsLst>
+          <a:path path="circle">
+            <a:fillToRect l="100000" t="100000" r="100000" b="100000"/>
+          </a:path>
+        </a:gradFill>
+      </a:fillStyleLst>
+      <a:lnStyleLst>
+        <a:ln w="12700" cap="flat" cmpd="sng" algn="ctr">
+          <a:solidFill>
+            <a:schemeClr val="phClr"/>
+          </a:solidFill>
+          <a:prstDash val="solid"/>
+        </a:ln>
+        <a:ln w="15875" cap="flat" cmpd="sng" algn="ctr">
+          <a:solidFill>
+            <a:schemeClr val="phClr"/>
+          </a:solidFill>
+          <a:prstDash val="solid"/>
+        </a:ln>
+        <a:ln w="25400" cap="flat" cmpd="sng" algn="ctr">
+          <a:solidFill>
+            <a:schemeClr val="phClr"/>
+          </a:solidFill>
+          <a:prstDash val="solid"/>
+        </a:ln>
+      </a:lnStyleLst>
+      <a:effectStyleLst>
+        <a:effectStyle>
+          <a:effectLst/>
+        </a:effectStyle>
+        <a:effectStyle>
+          <a:effectLst>
+            <a:outerShdw blurRad="38100" dist="25400" dir="2700000" algn="br" rotWithShape="0">
+              <a:srgbClr val="000000">
+                <a:alpha val="60000"/>
+              </a:srgbClr>
+            </a:outerShdw>
+          </a:effectLst>
+        </a:effectStyle>
+        <a:effectStyle>
+          <a:effectLst>
+            <a:outerShdw blurRad="44450" dist="25400" dir="2700000" algn="br" rotWithShape="0">
+              <a:srgbClr val="000000">
+                <a:alpha val="60000"/>
+              </a:srgbClr>
+            </a:outerShdw>
+          </a:effectLst>
+          <a:scene3d>
+            <a:camera prst="orthographicFront">
+              <a:rot lat="0" lon="0" rev="0"/>
+            </a:camera>
+            <a:lightRig rig="threePt" dir="t">
+              <a:rot lat="0" lon="0" rev="19800000"/>
+            </a:lightRig>
+          </a:scene3d>
+          <a:sp3d prstMaterial="flat">
+            <a:bevelT w="25400" h="31750"/>
+          </a:sp3d>
+        </a:effectStyle>
+      </a:effectStyleLst>
+      <a:bgFillStyleLst>
+        <a:solidFill>
+          <a:schemeClr val="phClr"/>
+        </a:solidFill>
+        <a:solidFill>
+          <a:schemeClr val="phClr">
+            <a:tint val="90000"/>
+            <a:shade val="97000"/>
+            <a:satMod val="130000"/>
+          </a:schemeClr>
+        </a:solidFill>
+        <a:gradFill rotWithShape="1">
+          <a:gsLst>
+            <a:gs pos="0">
+              <a:schemeClr val="phClr">
+                <a:tint val="96000"/>
+                <a:shade val="99000"/>
+                <a:satMod val="140000"/>
+              </a:schemeClr>
+            </a:gs>
+            <a:gs pos="65000">
+              <a:schemeClr val="phClr">
+                <a:tint val="100000"/>
+                <a:shade val="80000"/>
+                <a:satMod val="130000"/>
+              </a:schemeClr>
+            </a:gs>
+            <a:gs pos="100000">
+              <a:schemeClr val="phClr">
+                <a:tint val="100000"/>
+                <a:shade val="48000"/>
+                <a:satMod val="120000"/>
+              </a:schemeClr>
+            </a:gs>
+          </a:gsLst>
+          <a:lin ang="16200000" scaled="0"/>
+        </a:gradFill>
+      </a:bgFillStyleLst>
+    </a:fmtScheme>
+  </a:themeElements>
+  <a:objectDefaults/>
+  <a:extraClrSchemeLst/>
+  <a:extLst>
+    <a:ext uri="{05A4C25C-085E-4340-85A3-A5531E510DB2}">
+      <thm15:themeFamily xmlns:thm15="http://schemas.microsoft.com/office/thememl/2012/main" name="Retrospect" id="{5F128B03-DCCA-4EEB-AB3B-CF2899314A46}" vid="{3F1AAB62-24C6-49D2-8E01-B56FAC9A3DCD}"/>
+    </a:ext>
+  </a:extLst>
+</a:theme>
+</file>
+
+<file path=ppt/theme/theme2.xml><?xml version="1.0" encoding="utf-8"?>
 <a:theme xmlns:a="http://schemas.openxmlformats.org/drawingml/2006/main" name="Motiv Office">
   <a:themeElements>
     <a:clrScheme name="Kancelář">
